--- a/src/숙제/d20200802/차백송/Java Web by 차백송.pptx
+++ b/src/숙제/d20200802/차백송/Java Web by 차백송.pptx
@@ -10974,7 +10974,7 @@
         <p:spPr>
           <a:xfrm>
             <a:off x="937895" y="1340485"/>
-            <a:ext cx="6764655" cy="4246245"/>
+            <a:ext cx="6764655" cy="3999865"/>
           </a:xfrm>
           <a:prstGeom prst="rect">
             <a:avLst/>
@@ -11156,30 +11156,27 @@
             </a:endParaRPr>
           </a:p>
           <a:p>
-            <a:pPr marL="285750" indent="-285750">
+            <a:pPr indent="0">
               <a:buFont typeface="Arial" panose="020B0604020202020204" pitchFamily="34" charset="0"/>
-              <a:buChar char="•"/>
+              <a:buNone/>
             </a:pPr>
-            <a:endParaRPr lang="en-US" altLang="ko-KR" sz="1600" dirty="0" smtClean="0">
-              <a:ln>
-                <a:solidFill>
-                  <a:schemeClr val="tx1">
-                    <a:alpha val="30000"/>
-                  </a:schemeClr>
-                </a:solidFill>
-              </a:ln>
-              <a:solidFill>
-                <a:srgbClr val="272123"/>
-              </a:solidFill>
-              <a:ea typeface="+mn-lt"/>
-              <a:cs typeface="+mn-lt"/>
-            </a:endParaRPr>
-          </a:p>
-          <a:p>
-            <a:pPr marL="285750" indent="-285750">
-              <a:buFont typeface="Arial" panose="020B0604020202020204" pitchFamily="34" charset="0"/>
-              <a:buChar char="•"/>
-            </a:pPr>
+            <a:r>
+              <a:rPr lang="en-US" altLang="ko-KR" sz="1600" dirty="0" smtClean="0">
+                <a:ln>
+                  <a:solidFill>
+                    <a:schemeClr val="tx1">
+                      <a:alpha val="30000"/>
+                    </a:schemeClr>
+                  </a:solidFill>
+                </a:ln>
+                <a:solidFill>
+                  <a:srgbClr val="272123"/>
+                </a:solidFill>
+                <a:ea typeface="+mn-lt"/>
+                <a:cs typeface="+mn-lt"/>
+              </a:rPr>
+              <a:t>&lt;%@ %&gt;</a:t>
+            </a:r>
             <a:endParaRPr lang="en-US" altLang="ko-KR" sz="1600" dirty="0" smtClean="0">
               <a:ln>
                 <a:solidFill>
@@ -14071,12 +14068,29 @@
                   </a:solidFill>
                 </a:ln>
                 <a:solidFill>
+                  <a:srgbClr val="FF0000"/>
+                </a:solidFill>
+                <a:ea typeface="+mn-lt"/>
+                <a:cs typeface="+mn-lt"/>
+              </a:rPr>
+              <a:t>어떤 값을 출력 결과에 포함</a:t>
+            </a:r>
+            <a:r>
+              <a:rPr lang="en-US" altLang="ko-KR" sz="1600" dirty="0" smtClean="0">
+                <a:ln>
+                  <a:solidFill>
+                    <a:schemeClr val="tx1">
+                      <a:alpha val="30000"/>
+                    </a:schemeClr>
+                  </a:solidFill>
+                </a:ln>
+                <a:solidFill>
                   <a:srgbClr val="272123"/>
                 </a:solidFill>
                 <a:ea typeface="+mn-lt"/>
                 <a:cs typeface="+mn-lt"/>
               </a:rPr>
-              <a:t>어떤 값을 출력 결과에 포함시키고자 할 때 사용한다.</a:t>
+              <a:t>시키고자 할 때 사용한다.</a:t>
             </a:r>
             <a:endParaRPr lang="en-US" altLang="ko-KR" sz="1600" dirty="0" smtClean="0">
               <a:ln>
@@ -14870,8 +14884,8 @@
                 <a:solidFill>
                   <a:srgbClr val="272123"/>
                 </a:solidFill>
-                <a:latin typeface="Yoon 윤고딕 520_TT" panose="02090603020101020101" pitchFamily="18" charset="-127"/>
-                <a:ea typeface="Yoon 윤고딕 520_TT" panose="02090603020101020101" pitchFamily="18" charset="-127"/>
+                <a:ea typeface="+mn-lt"/>
+                <a:cs typeface="+mn-lt"/>
               </a:rPr>
               <a:t>&lt;% %&gt;</a:t>
             </a:r>
@@ -14886,8 +14900,8 @@
               <a:solidFill>
                 <a:srgbClr val="272123"/>
               </a:solidFill>
-              <a:latin typeface="Yoon 윤고딕 520_TT" panose="02090603020101020101" pitchFamily="18" charset="-127"/>
-              <a:ea typeface="Yoon 윤고딕 520_TT" panose="02090603020101020101" pitchFamily="18" charset="-127"/>
+              <a:ea typeface="+mn-lt"/>
+              <a:cs typeface="+mn-lt"/>
             </a:endParaRPr>
           </a:p>
           <a:p>
@@ -14957,8 +14971,8 @@
               <a:solidFill>
                 <a:srgbClr val="272123"/>
               </a:solidFill>
-              <a:latin typeface="Yoon 윤고딕 520_TT" panose="02090603020101020101" pitchFamily="18" charset="-127"/>
-              <a:ea typeface="Yoon 윤고딕 520_TT" panose="02090603020101020101" pitchFamily="18" charset="-127"/>
+              <a:ea typeface="+mn-lt"/>
+              <a:cs typeface="+mn-lt"/>
             </a:endParaRPr>
           </a:p>
           <a:p>
@@ -14978,8 +14992,8 @@
                 <a:solidFill>
                   <a:srgbClr val="272123"/>
                 </a:solidFill>
-                <a:latin typeface="Yoon 윤고딕 520_TT" panose="02090603020101020101" pitchFamily="18" charset="-127"/>
-                <a:ea typeface="Yoon 윤고딕 520_TT" panose="02090603020101020101" pitchFamily="18" charset="-127"/>
+                <a:ea typeface="+mn-lt"/>
+                <a:cs typeface="+mn-lt"/>
               </a:rPr>
               <a:t>JSP Scriptlet Tag는 메서드가 아닌 </a:t>
             </a:r>
@@ -14995,8 +15009,8 @@
                 <a:solidFill>
                   <a:srgbClr val="FF0000"/>
                 </a:solidFill>
-                <a:latin typeface="Yoon 윤고딕 520_TT" panose="02090603020101020101" pitchFamily="18" charset="-127"/>
-                <a:ea typeface="Yoon 윤고딕 520_TT" panose="02090603020101020101" pitchFamily="18" charset="-127"/>
+                <a:ea typeface="+mn-lt"/>
+                <a:cs typeface="+mn-lt"/>
               </a:rPr>
               <a:t>변수만 선언</a:t>
             </a:r>
@@ -15012,8 +15026,8 @@
                 <a:solidFill>
                   <a:srgbClr val="272123"/>
                 </a:solidFill>
-                <a:latin typeface="Yoon 윤고딕 520_TT" panose="02090603020101020101" pitchFamily="18" charset="-127"/>
-                <a:ea typeface="Yoon 윤고딕 520_TT" panose="02090603020101020101" pitchFamily="18" charset="-127"/>
+                <a:ea typeface="+mn-lt"/>
+                <a:cs typeface="+mn-lt"/>
               </a:rPr>
               <a:t>할 수 있다.</a:t>
             </a:r>
@@ -15028,8 +15042,8 @@
               <a:solidFill>
                 <a:srgbClr val="272123"/>
               </a:solidFill>
-              <a:latin typeface="Yoon 윤고딕 520_TT" panose="02090603020101020101" pitchFamily="18" charset="-127"/>
-              <a:ea typeface="Yoon 윤고딕 520_TT" panose="02090603020101020101" pitchFamily="18" charset="-127"/>
+              <a:ea typeface="+mn-lt"/>
+              <a:cs typeface="+mn-lt"/>
             </a:endParaRPr>
           </a:p>
           <a:p>
@@ -15048,8 +15062,8 @@
               <a:solidFill>
                 <a:srgbClr val="272123"/>
               </a:solidFill>
-              <a:latin typeface="Yoon 윤고딕 520_TT" panose="02090603020101020101" pitchFamily="18" charset="-127"/>
-              <a:ea typeface="Yoon 윤고딕 520_TT" panose="02090603020101020101" pitchFamily="18" charset="-127"/>
+              <a:ea typeface="+mn-lt"/>
+              <a:cs typeface="+mn-lt"/>
             </a:endParaRPr>
           </a:p>
           <a:p>
@@ -15069,8 +15083,8 @@
                 <a:solidFill>
                   <a:srgbClr val="272123"/>
                 </a:solidFill>
-                <a:latin typeface="Yoon 윤고딕 520_TT" panose="02090603020101020101" pitchFamily="18" charset="-127"/>
-                <a:ea typeface="Yoon 윤고딕 520_TT" panose="02090603020101020101" pitchFamily="18" charset="-127"/>
+                <a:ea typeface="+mn-lt"/>
+                <a:cs typeface="+mn-lt"/>
               </a:rPr>
               <a:t>ex) &lt;% int a =10; int b = 20; </a:t>
             </a:r>
@@ -15085,8 +15099,8 @@
               <a:solidFill>
                 <a:srgbClr val="272123"/>
               </a:solidFill>
-              <a:latin typeface="Yoon 윤고딕 520_TT" panose="02090603020101020101" pitchFamily="18" charset="-127"/>
-              <a:ea typeface="Yoon 윤고딕 520_TT" panose="02090603020101020101" pitchFamily="18" charset="-127"/>
+              <a:ea typeface="+mn-lt"/>
+              <a:cs typeface="+mn-lt"/>
             </a:endParaRPr>
           </a:p>
           <a:p>
@@ -15106,8 +15120,8 @@
                 <a:solidFill>
                   <a:srgbClr val="272123"/>
                 </a:solidFill>
-                <a:latin typeface="Yoon 윤고딕 520_TT" panose="02090603020101020101" pitchFamily="18" charset="-127"/>
-                <a:ea typeface="Yoon 윤고딕 520_TT" panose="02090603020101020101" pitchFamily="18" charset="-127"/>
+                <a:ea typeface="+mn-lt"/>
+                <a:cs typeface="+mn-lt"/>
               </a:rPr>
               <a:t> for(int i=0;i&lt;100;i++)</a:t>
             </a:r>
@@ -15122,8 +15136,8 @@
               <a:solidFill>
                 <a:srgbClr val="272123"/>
               </a:solidFill>
-              <a:latin typeface="Yoon 윤고딕 520_TT" panose="02090603020101020101" pitchFamily="18" charset="-127"/>
-              <a:ea typeface="Yoon 윤고딕 520_TT" panose="02090603020101020101" pitchFamily="18" charset="-127"/>
+              <a:ea typeface="+mn-lt"/>
+              <a:cs typeface="+mn-lt"/>
             </a:endParaRPr>
           </a:p>
           <a:p>
@@ -15143,8 +15157,8 @@
                 <a:solidFill>
                   <a:srgbClr val="272123"/>
                 </a:solidFill>
-                <a:latin typeface="Yoon 윤고딕 520_TT" panose="02090603020101020101" pitchFamily="18" charset="-127"/>
-                <a:ea typeface="Yoon 윤고딕 520_TT" panose="02090603020101020101" pitchFamily="18" charset="-127"/>
+                <a:ea typeface="+mn-lt"/>
+                <a:cs typeface="+mn-lt"/>
               </a:rPr>
               <a:t>{out.print(i);</a:t>
             </a:r>
@@ -15159,8 +15173,8 @@
               <a:solidFill>
                 <a:srgbClr val="272123"/>
               </a:solidFill>
-              <a:latin typeface="Yoon 윤고딕 520_TT" panose="02090603020101020101" pitchFamily="18" charset="-127"/>
-              <a:ea typeface="Yoon 윤고딕 520_TT" panose="02090603020101020101" pitchFamily="18" charset="-127"/>
+              <a:ea typeface="+mn-lt"/>
+              <a:cs typeface="+mn-lt"/>
             </a:endParaRPr>
           </a:p>
           <a:p>
@@ -15180,8 +15194,8 @@
                 <a:solidFill>
                   <a:srgbClr val="272123"/>
                 </a:solidFill>
-                <a:latin typeface="Yoon 윤고딕 520_TT" panose="02090603020101020101" pitchFamily="18" charset="-127"/>
-                <a:ea typeface="Yoon 윤고딕 520_TT" panose="02090603020101020101" pitchFamily="18" charset="-127"/>
+                <a:ea typeface="+mn-lt"/>
+                <a:cs typeface="+mn-lt"/>
               </a:rPr>
               <a:t>%&gt; </a:t>
             </a:r>
@@ -15196,8 +15210,8 @@
               <a:solidFill>
                 <a:srgbClr val="272123"/>
               </a:solidFill>
-              <a:latin typeface="Yoon 윤고딕 520_TT" panose="02090603020101020101" pitchFamily="18" charset="-127"/>
-              <a:ea typeface="Yoon 윤고딕 520_TT" panose="02090603020101020101" pitchFamily="18" charset="-127"/>
+              <a:ea typeface="+mn-lt"/>
+              <a:cs typeface="+mn-lt"/>
             </a:endParaRPr>
           </a:p>
           <a:p>
@@ -15217,8 +15231,8 @@
                 <a:solidFill>
                   <a:srgbClr val="272123"/>
                 </a:solidFill>
-                <a:latin typeface="Yoon 윤고딕 520_TT" panose="02090603020101020101" pitchFamily="18" charset="-127"/>
-                <a:ea typeface="Yoon 윤고딕 520_TT" panose="02090603020101020101" pitchFamily="18" charset="-127"/>
+                <a:ea typeface="+mn-lt"/>
+                <a:cs typeface="+mn-lt"/>
               </a:rPr>
               <a:t>&lt;% } %&gt;</a:t>
             </a:r>
@@ -15233,8 +15247,8 @@
               <a:solidFill>
                 <a:srgbClr val="272123"/>
               </a:solidFill>
-              <a:latin typeface="Yoon 윤고딕 520_TT" panose="02090603020101020101" pitchFamily="18" charset="-127"/>
-              <a:ea typeface="Yoon 윤고딕 520_TT" panose="02090603020101020101" pitchFamily="18" charset="-127"/>
+              <a:ea typeface="+mn-lt"/>
+              <a:cs typeface="+mn-lt"/>
             </a:endParaRPr>
           </a:p>
           <a:p>
@@ -15254,8 +15268,8 @@
                 <a:solidFill>
                   <a:srgbClr val="272123"/>
                 </a:solidFill>
-                <a:latin typeface="Yoon 윤고딕 520_TT" panose="02090603020101020101" pitchFamily="18" charset="-127"/>
-                <a:ea typeface="Yoon 윤고딕 520_TT" panose="02090603020101020101" pitchFamily="18" charset="-127"/>
+                <a:ea typeface="+mn-lt"/>
+                <a:cs typeface="+mn-lt"/>
               </a:rPr>
               <a:t> </a:t>
             </a:r>
@@ -15271,8 +15285,8 @@
                 <a:solidFill>
                   <a:srgbClr val="272123"/>
                 </a:solidFill>
-                <a:latin typeface="Yoon 윤고딕 520_TT" panose="02090603020101020101" pitchFamily="18" charset="-127"/>
-                <a:ea typeface="Yoon 윤고딕 520_TT" panose="02090603020101020101" pitchFamily="18" charset="-127"/>
+                <a:ea typeface="+mn-lt"/>
+                <a:cs typeface="+mn-lt"/>
               </a:rPr>
               <a:t>ㅋㅋ</a:t>
             </a:r>

--- a/src/숙제/d20200802/차백송/Java Web by 차백송.pptx
+++ b/src/숙제/d20200802/차백송/Java Web by 차백송.pptx
@@ -5,34 +5,24 @@
     <p:sldMasterId id="2147483648" r:id="rId1"/>
   </p:sldMasterIdLst>
   <p:sldIdLst>
-    <p:sldId id="278" r:id="rId3"/>
-    <p:sldId id="279" r:id="rId4"/>
-    <p:sldId id="288" r:id="rId5"/>
-    <p:sldId id="307" r:id="rId6"/>
-    <p:sldId id="290" r:id="rId7"/>
-    <p:sldId id="308" r:id="rId8"/>
-    <p:sldId id="309" r:id="rId9"/>
-    <p:sldId id="310" r:id="rId10"/>
-    <p:sldId id="311" r:id="rId11"/>
-    <p:sldId id="281" r:id="rId12"/>
-    <p:sldId id="313" r:id="rId13"/>
-    <p:sldId id="295" r:id="rId14"/>
-    <p:sldId id="314" r:id="rId15"/>
-    <p:sldId id="315" r:id="rId16"/>
-    <p:sldId id="302" r:id="rId17"/>
+    <p:sldId id="278" r:id="rId2"/>
+    <p:sldId id="279" r:id="rId3"/>
+    <p:sldId id="288" r:id="rId4"/>
+    <p:sldId id="307" r:id="rId5"/>
+    <p:sldId id="290" r:id="rId6"/>
+    <p:sldId id="308" r:id="rId7"/>
+    <p:sldId id="309" r:id="rId8"/>
+    <p:sldId id="310" r:id="rId9"/>
+    <p:sldId id="311" r:id="rId10"/>
+    <p:sldId id="281" r:id="rId11"/>
+    <p:sldId id="313" r:id="rId12"/>
+    <p:sldId id="295" r:id="rId13"/>
+    <p:sldId id="314" r:id="rId14"/>
+    <p:sldId id="315" r:id="rId15"/>
+    <p:sldId id="302" r:id="rId16"/>
   </p:sldIdLst>
   <p:sldSz cx="9144000" cy="6858000" type="screen4x3"/>
   <p:notesSz cx="6858000" cy="9144000"/>
-  <p:embeddedFontLst>
-    <p:embeddedFont>
-      <p:font typeface="Yoon 윤고딕 520_TT" panose="02090603020101020101" pitchFamily="18" charset="-127"/>
-      <p:regular r:id="rId21"/>
-    </p:embeddedFont>
-    <p:embeddedFont>
-      <p:font typeface="맑은 고딕" panose="020B0503020000020004" charset="-127"/>
-      <p:regular r:id="rId22"/>
-    </p:embeddedFont>
-  </p:embeddedFontLst>
   <p:defaultTextStyle>
     <a:defPPr>
       <a:defRPr lang="ko-KR"/>
@@ -312,6 +302,7 @@
           <a:p>
             <a:fld id="{3A302466-FE76-40E8-BE5D-598A609EDD2B}" type="datetimeFigureOut">
               <a:rPr lang="ko-KR" altLang="en-US" smtClean="0"/>
+              <a:t>2020-08-03</a:t>
             </a:fld>
             <a:endParaRPr lang="ko-KR" altLang="en-US"/>
           </a:p>
@@ -353,6 +344,7 @@
           <a:p>
             <a:fld id="{72CEB9E3-907B-4C9E-8669-48B8CFAF986F}" type="slidenum">
               <a:rPr lang="ko-KR" altLang="en-US" smtClean="0"/>
+              <a:t>‹#›</a:t>
             </a:fld>
             <a:endParaRPr lang="ko-KR" altLang="en-US"/>
           </a:p>
@@ -426,7 +418,6 @@
               <a:rPr lang="ko-KR" altLang="en-US" smtClean="0"/>
               <a:t>마스터 텍스트 스타일을 편집합니다</a:t>
             </a:r>
-            <a:endParaRPr lang="ko-KR" altLang="en-US" smtClean="0"/>
           </a:p>
           <a:p>
             <a:pPr lvl="1"/>
@@ -434,7 +425,6 @@
               <a:rPr lang="ko-KR" altLang="en-US" smtClean="0"/>
               <a:t>둘째 수준</a:t>
             </a:r>
-            <a:endParaRPr lang="ko-KR" altLang="en-US" smtClean="0"/>
           </a:p>
           <a:p>
             <a:pPr lvl="2"/>
@@ -442,7 +432,6 @@
               <a:rPr lang="ko-KR" altLang="en-US" smtClean="0"/>
               <a:t>셋째 수준</a:t>
             </a:r>
-            <a:endParaRPr lang="ko-KR" altLang="en-US" smtClean="0"/>
           </a:p>
           <a:p>
             <a:pPr lvl="3"/>
@@ -450,7 +439,6 @@
               <a:rPr lang="ko-KR" altLang="en-US" smtClean="0"/>
               <a:t>넷째 수준</a:t>
             </a:r>
-            <a:endParaRPr lang="ko-KR" altLang="en-US" smtClean="0"/>
           </a:p>
           <a:p>
             <a:pPr lvl="4"/>
@@ -479,6 +467,7 @@
           <a:p>
             <a:fld id="{3A302466-FE76-40E8-BE5D-598A609EDD2B}" type="datetimeFigureOut">
               <a:rPr lang="ko-KR" altLang="en-US" smtClean="0"/>
+              <a:t>2020-08-03</a:t>
             </a:fld>
             <a:endParaRPr lang="ko-KR" altLang="en-US"/>
           </a:p>
@@ -520,6 +509,7 @@
           <a:p>
             <a:fld id="{72CEB9E3-907B-4C9E-8669-48B8CFAF986F}" type="slidenum">
               <a:rPr lang="ko-KR" altLang="en-US" smtClean="0"/>
+              <a:t>‹#›</a:t>
             </a:fld>
             <a:endParaRPr lang="ko-KR" altLang="en-US"/>
           </a:p>
@@ -603,7 +593,6 @@
               <a:rPr lang="ko-KR" altLang="en-US" smtClean="0"/>
               <a:t>마스터 텍스트 스타일을 편집합니다</a:t>
             </a:r>
-            <a:endParaRPr lang="ko-KR" altLang="en-US" smtClean="0"/>
           </a:p>
           <a:p>
             <a:pPr lvl="1"/>
@@ -611,7 +600,6 @@
               <a:rPr lang="ko-KR" altLang="en-US" smtClean="0"/>
               <a:t>둘째 수준</a:t>
             </a:r>
-            <a:endParaRPr lang="ko-KR" altLang="en-US" smtClean="0"/>
           </a:p>
           <a:p>
             <a:pPr lvl="2"/>
@@ -619,7 +607,6 @@
               <a:rPr lang="ko-KR" altLang="en-US" smtClean="0"/>
               <a:t>셋째 수준</a:t>
             </a:r>
-            <a:endParaRPr lang="ko-KR" altLang="en-US" smtClean="0"/>
           </a:p>
           <a:p>
             <a:pPr lvl="3"/>
@@ -627,7 +614,6 @@
               <a:rPr lang="ko-KR" altLang="en-US" smtClean="0"/>
               <a:t>넷째 수준</a:t>
             </a:r>
-            <a:endParaRPr lang="ko-KR" altLang="en-US" smtClean="0"/>
           </a:p>
           <a:p>
             <a:pPr lvl="4"/>
@@ -656,6 +642,7 @@
           <a:p>
             <a:fld id="{3A302466-FE76-40E8-BE5D-598A609EDD2B}" type="datetimeFigureOut">
               <a:rPr lang="ko-KR" altLang="en-US" smtClean="0"/>
+              <a:t>2020-08-03</a:t>
             </a:fld>
             <a:endParaRPr lang="ko-KR" altLang="en-US"/>
           </a:p>
@@ -697,6 +684,7 @@
           <a:p>
             <a:fld id="{72CEB9E3-907B-4C9E-8669-48B8CFAF986F}" type="slidenum">
               <a:rPr lang="ko-KR" altLang="en-US" smtClean="0"/>
+              <a:t>‹#›</a:t>
             </a:fld>
             <a:endParaRPr lang="ko-KR" altLang="en-US"/>
           </a:p>
@@ -770,7 +758,6 @@
               <a:rPr lang="ko-KR" altLang="en-US" smtClean="0"/>
               <a:t>마스터 텍스트 스타일을 편집합니다</a:t>
             </a:r>
-            <a:endParaRPr lang="ko-KR" altLang="en-US" smtClean="0"/>
           </a:p>
           <a:p>
             <a:pPr lvl="1"/>
@@ -778,7 +765,6 @@
               <a:rPr lang="ko-KR" altLang="en-US" smtClean="0"/>
               <a:t>둘째 수준</a:t>
             </a:r>
-            <a:endParaRPr lang="ko-KR" altLang="en-US" smtClean="0"/>
           </a:p>
           <a:p>
             <a:pPr lvl="2"/>
@@ -786,7 +772,6 @@
               <a:rPr lang="ko-KR" altLang="en-US" smtClean="0"/>
               <a:t>셋째 수준</a:t>
             </a:r>
-            <a:endParaRPr lang="ko-KR" altLang="en-US" smtClean="0"/>
           </a:p>
           <a:p>
             <a:pPr lvl="3"/>
@@ -794,7 +779,6 @@
               <a:rPr lang="ko-KR" altLang="en-US" smtClean="0"/>
               <a:t>넷째 수준</a:t>
             </a:r>
-            <a:endParaRPr lang="ko-KR" altLang="en-US" smtClean="0"/>
           </a:p>
           <a:p>
             <a:pPr lvl="4"/>
@@ -823,6 +807,7 @@
           <a:p>
             <a:fld id="{3A302466-FE76-40E8-BE5D-598A609EDD2B}" type="datetimeFigureOut">
               <a:rPr lang="ko-KR" altLang="en-US" smtClean="0"/>
+              <a:t>2020-08-03</a:t>
             </a:fld>
             <a:endParaRPr lang="ko-KR" altLang="en-US"/>
           </a:p>
@@ -864,6 +849,7 @@
           <a:p>
             <a:fld id="{72CEB9E3-907B-4C9E-8669-48B8CFAF986F}" type="slidenum">
               <a:rPr lang="ko-KR" altLang="en-US" smtClean="0"/>
+              <a:t>‹#›</a:t>
             </a:fld>
             <a:endParaRPr lang="ko-KR" altLang="en-US"/>
           </a:p>
@@ -1042,7 +1028,6 @@
               <a:rPr lang="ko-KR" altLang="en-US" smtClean="0"/>
               <a:t>마스터 텍스트 스타일을 편집합니다</a:t>
             </a:r>
-            <a:endParaRPr lang="ko-KR" altLang="en-US" smtClean="0"/>
           </a:p>
         </p:txBody>
       </p:sp>
@@ -1063,6 +1048,7 @@
           <a:p>
             <a:fld id="{3A302466-FE76-40E8-BE5D-598A609EDD2B}" type="datetimeFigureOut">
               <a:rPr lang="ko-KR" altLang="en-US" smtClean="0"/>
+              <a:t>2020-08-03</a:t>
             </a:fld>
             <a:endParaRPr lang="ko-KR" altLang="en-US"/>
           </a:p>
@@ -1104,6 +1090,7 @@
           <a:p>
             <a:fld id="{72CEB9E3-907B-4C9E-8669-48B8CFAF986F}" type="slidenum">
               <a:rPr lang="ko-KR" altLang="en-US" smtClean="0"/>
+              <a:t>‹#›</a:t>
             </a:fld>
             <a:endParaRPr lang="ko-KR" altLang="en-US"/>
           </a:p>
@@ -1210,7 +1197,6 @@
               <a:rPr lang="ko-KR" altLang="en-US" smtClean="0"/>
               <a:t>마스터 텍스트 스타일을 편집합니다</a:t>
             </a:r>
-            <a:endParaRPr lang="ko-KR" altLang="en-US" smtClean="0"/>
           </a:p>
           <a:p>
             <a:pPr lvl="1"/>
@@ -1218,7 +1204,6 @@
               <a:rPr lang="ko-KR" altLang="en-US" smtClean="0"/>
               <a:t>둘째 수준</a:t>
             </a:r>
-            <a:endParaRPr lang="ko-KR" altLang="en-US" smtClean="0"/>
           </a:p>
           <a:p>
             <a:pPr lvl="2"/>
@@ -1226,7 +1211,6 @@
               <a:rPr lang="ko-KR" altLang="en-US" smtClean="0"/>
               <a:t>셋째 수준</a:t>
             </a:r>
-            <a:endParaRPr lang="ko-KR" altLang="en-US" smtClean="0"/>
           </a:p>
           <a:p>
             <a:pPr lvl="3"/>
@@ -1234,7 +1218,6 @@
               <a:rPr lang="ko-KR" altLang="en-US" smtClean="0"/>
               <a:t>넷째 수준</a:t>
             </a:r>
-            <a:endParaRPr lang="ko-KR" altLang="en-US" smtClean="0"/>
           </a:p>
           <a:p>
             <a:pPr lvl="4"/>
@@ -1299,7 +1282,6 @@
               <a:rPr lang="ko-KR" altLang="en-US" smtClean="0"/>
               <a:t>마스터 텍스트 스타일을 편집합니다</a:t>
             </a:r>
-            <a:endParaRPr lang="ko-KR" altLang="en-US" smtClean="0"/>
           </a:p>
           <a:p>
             <a:pPr lvl="1"/>
@@ -1307,7 +1289,6 @@
               <a:rPr lang="ko-KR" altLang="en-US" smtClean="0"/>
               <a:t>둘째 수준</a:t>
             </a:r>
-            <a:endParaRPr lang="ko-KR" altLang="en-US" smtClean="0"/>
           </a:p>
           <a:p>
             <a:pPr lvl="2"/>
@@ -1315,7 +1296,6 @@
               <a:rPr lang="ko-KR" altLang="en-US" smtClean="0"/>
               <a:t>셋째 수준</a:t>
             </a:r>
-            <a:endParaRPr lang="ko-KR" altLang="en-US" smtClean="0"/>
           </a:p>
           <a:p>
             <a:pPr lvl="3"/>
@@ -1323,7 +1303,6 @@
               <a:rPr lang="ko-KR" altLang="en-US" smtClean="0"/>
               <a:t>넷째 수준</a:t>
             </a:r>
-            <a:endParaRPr lang="ko-KR" altLang="en-US" smtClean="0"/>
           </a:p>
           <a:p>
             <a:pPr lvl="4"/>
@@ -1352,6 +1331,7 @@
           <a:p>
             <a:fld id="{3A302466-FE76-40E8-BE5D-598A609EDD2B}" type="datetimeFigureOut">
               <a:rPr lang="ko-KR" altLang="en-US" smtClean="0"/>
+              <a:t>2020-08-03</a:t>
             </a:fld>
             <a:endParaRPr lang="ko-KR" altLang="en-US"/>
           </a:p>
@@ -1393,6 +1373,7 @@
           <a:p>
             <a:fld id="{72CEB9E3-907B-4C9E-8669-48B8CFAF986F}" type="slidenum">
               <a:rPr lang="ko-KR" altLang="en-US" smtClean="0"/>
+              <a:t>‹#›</a:t>
             </a:fld>
             <a:endParaRPr lang="ko-KR" altLang="en-US"/>
           </a:p>
@@ -1512,7 +1493,6 @@
               <a:rPr lang="ko-KR" altLang="en-US" smtClean="0"/>
               <a:t>마스터 텍스트 스타일을 편집합니다</a:t>
             </a:r>
-            <a:endParaRPr lang="ko-KR" altLang="en-US" smtClean="0"/>
           </a:p>
         </p:txBody>
       </p:sp>
@@ -1569,7 +1549,6 @@
               <a:rPr lang="ko-KR" altLang="en-US" smtClean="0"/>
               <a:t>마스터 텍스트 스타일을 편집합니다</a:t>
             </a:r>
-            <a:endParaRPr lang="ko-KR" altLang="en-US" smtClean="0"/>
           </a:p>
           <a:p>
             <a:pPr lvl="1"/>
@@ -1577,7 +1556,6 @@
               <a:rPr lang="ko-KR" altLang="en-US" smtClean="0"/>
               <a:t>둘째 수준</a:t>
             </a:r>
-            <a:endParaRPr lang="ko-KR" altLang="en-US" smtClean="0"/>
           </a:p>
           <a:p>
             <a:pPr lvl="2"/>
@@ -1585,7 +1563,6 @@
               <a:rPr lang="ko-KR" altLang="en-US" smtClean="0"/>
               <a:t>셋째 수준</a:t>
             </a:r>
-            <a:endParaRPr lang="ko-KR" altLang="en-US" smtClean="0"/>
           </a:p>
           <a:p>
             <a:pPr lvl="3"/>
@@ -1593,7 +1570,6 @@
               <a:rPr lang="ko-KR" altLang="en-US" smtClean="0"/>
               <a:t>넷째 수준</a:t>
             </a:r>
-            <a:endParaRPr lang="ko-KR" altLang="en-US" smtClean="0"/>
           </a:p>
           <a:p>
             <a:pPr lvl="4"/>
@@ -1667,7 +1643,6 @@
               <a:rPr lang="ko-KR" altLang="en-US" smtClean="0"/>
               <a:t>마스터 텍스트 스타일을 편집합니다</a:t>
             </a:r>
-            <a:endParaRPr lang="ko-KR" altLang="en-US" smtClean="0"/>
           </a:p>
         </p:txBody>
       </p:sp>
@@ -1724,7 +1699,6 @@
               <a:rPr lang="ko-KR" altLang="en-US" smtClean="0"/>
               <a:t>마스터 텍스트 스타일을 편집합니다</a:t>
             </a:r>
-            <a:endParaRPr lang="ko-KR" altLang="en-US" smtClean="0"/>
           </a:p>
           <a:p>
             <a:pPr lvl="1"/>
@@ -1732,7 +1706,6 @@
               <a:rPr lang="ko-KR" altLang="en-US" smtClean="0"/>
               <a:t>둘째 수준</a:t>
             </a:r>
-            <a:endParaRPr lang="ko-KR" altLang="en-US" smtClean="0"/>
           </a:p>
           <a:p>
             <a:pPr lvl="2"/>
@@ -1740,7 +1713,6 @@
               <a:rPr lang="ko-KR" altLang="en-US" smtClean="0"/>
               <a:t>셋째 수준</a:t>
             </a:r>
-            <a:endParaRPr lang="ko-KR" altLang="en-US" smtClean="0"/>
           </a:p>
           <a:p>
             <a:pPr lvl="3"/>
@@ -1748,7 +1720,6 @@
               <a:rPr lang="ko-KR" altLang="en-US" smtClean="0"/>
               <a:t>넷째 수준</a:t>
             </a:r>
-            <a:endParaRPr lang="ko-KR" altLang="en-US" smtClean="0"/>
           </a:p>
           <a:p>
             <a:pPr lvl="4"/>
@@ -1777,6 +1748,7 @@
           <a:p>
             <a:fld id="{3A302466-FE76-40E8-BE5D-598A609EDD2B}" type="datetimeFigureOut">
               <a:rPr lang="ko-KR" altLang="en-US" smtClean="0"/>
+              <a:t>2020-08-03</a:t>
             </a:fld>
             <a:endParaRPr lang="ko-KR" altLang="en-US"/>
           </a:p>
@@ -1818,6 +1790,7 @@
           <a:p>
             <a:fld id="{72CEB9E3-907B-4C9E-8669-48B8CFAF986F}" type="slidenum">
               <a:rPr lang="ko-KR" altLang="en-US" smtClean="0"/>
+              <a:t>‹#›</a:t>
             </a:fld>
             <a:endParaRPr lang="ko-KR" altLang="en-US"/>
           </a:p>
@@ -1888,6 +1861,7 @@
           <a:p>
             <a:fld id="{3A302466-FE76-40E8-BE5D-598A609EDD2B}" type="datetimeFigureOut">
               <a:rPr lang="ko-KR" altLang="en-US" smtClean="0"/>
+              <a:t>2020-08-03</a:t>
             </a:fld>
             <a:endParaRPr lang="ko-KR" altLang="en-US"/>
           </a:p>
@@ -1929,6 +1903,7 @@
           <a:p>
             <a:fld id="{72CEB9E3-907B-4C9E-8669-48B8CFAF986F}" type="slidenum">
               <a:rPr lang="ko-KR" altLang="en-US" smtClean="0"/>
+              <a:t>‹#›</a:t>
             </a:fld>
             <a:endParaRPr lang="ko-KR" altLang="en-US"/>
           </a:p>
@@ -1976,6 +1951,7 @@
           <a:p>
             <a:fld id="{3A302466-FE76-40E8-BE5D-598A609EDD2B}" type="datetimeFigureOut">
               <a:rPr lang="ko-KR" altLang="en-US" smtClean="0"/>
+              <a:t>2020-08-03</a:t>
             </a:fld>
             <a:endParaRPr lang="ko-KR" altLang="en-US"/>
           </a:p>
@@ -2017,6 +1993,7 @@
           <a:p>
             <a:fld id="{72CEB9E3-907B-4C9E-8669-48B8CFAF986F}" type="slidenum">
               <a:rPr lang="ko-KR" altLang="en-US" smtClean="0"/>
+              <a:t>‹#›</a:t>
             </a:fld>
             <a:endParaRPr lang="ko-KR" altLang="en-US"/>
           </a:p>
@@ -2132,7 +2109,6 @@
               <a:rPr lang="ko-KR" altLang="en-US" smtClean="0"/>
               <a:t>마스터 텍스트 스타일을 편집합니다</a:t>
             </a:r>
-            <a:endParaRPr lang="ko-KR" altLang="en-US" smtClean="0"/>
           </a:p>
           <a:p>
             <a:pPr lvl="1"/>
@@ -2140,7 +2116,6 @@
               <a:rPr lang="ko-KR" altLang="en-US" smtClean="0"/>
               <a:t>둘째 수준</a:t>
             </a:r>
-            <a:endParaRPr lang="ko-KR" altLang="en-US" smtClean="0"/>
           </a:p>
           <a:p>
             <a:pPr lvl="2"/>
@@ -2148,7 +2123,6 @@
               <a:rPr lang="ko-KR" altLang="en-US" smtClean="0"/>
               <a:t>셋째 수준</a:t>
             </a:r>
-            <a:endParaRPr lang="ko-KR" altLang="en-US" smtClean="0"/>
           </a:p>
           <a:p>
             <a:pPr lvl="3"/>
@@ -2156,7 +2130,6 @@
               <a:rPr lang="ko-KR" altLang="en-US" smtClean="0"/>
               <a:t>넷째 수준</a:t>
             </a:r>
-            <a:endParaRPr lang="ko-KR" altLang="en-US" smtClean="0"/>
           </a:p>
           <a:p>
             <a:pPr lvl="4"/>
@@ -2230,7 +2203,6 @@
               <a:rPr lang="ko-KR" altLang="en-US" smtClean="0"/>
               <a:t>마스터 텍스트 스타일을 편집합니다</a:t>
             </a:r>
-            <a:endParaRPr lang="ko-KR" altLang="en-US" smtClean="0"/>
           </a:p>
         </p:txBody>
       </p:sp>
@@ -2251,6 +2223,7 @@
           <a:p>
             <a:fld id="{3A302466-FE76-40E8-BE5D-598A609EDD2B}" type="datetimeFigureOut">
               <a:rPr lang="ko-KR" altLang="en-US" smtClean="0"/>
+              <a:t>2020-08-03</a:t>
             </a:fld>
             <a:endParaRPr lang="ko-KR" altLang="en-US"/>
           </a:p>
@@ -2292,6 +2265,7 @@
           <a:p>
             <a:fld id="{72CEB9E3-907B-4C9E-8669-48B8CFAF986F}" type="slidenum">
               <a:rPr lang="ko-KR" altLang="en-US" smtClean="0"/>
+              <a:t>‹#›</a:t>
             </a:fld>
             <a:endParaRPr lang="ko-KR" altLang="en-US"/>
           </a:p>
@@ -2477,7 +2451,6 @@
               <a:rPr lang="ko-KR" altLang="en-US" smtClean="0"/>
               <a:t>마스터 텍스트 스타일을 편집합니다</a:t>
             </a:r>
-            <a:endParaRPr lang="ko-KR" altLang="en-US" smtClean="0"/>
           </a:p>
         </p:txBody>
       </p:sp>
@@ -2498,6 +2471,7 @@
           <a:p>
             <a:fld id="{3A302466-FE76-40E8-BE5D-598A609EDD2B}" type="datetimeFigureOut">
               <a:rPr lang="ko-KR" altLang="en-US" smtClean="0"/>
+              <a:t>2020-08-03</a:t>
             </a:fld>
             <a:endParaRPr lang="ko-KR" altLang="en-US"/>
           </a:p>
@@ -2539,6 +2513,7 @@
           <a:p>
             <a:fld id="{72CEB9E3-907B-4C9E-8669-48B8CFAF986F}" type="slidenum">
               <a:rPr lang="ko-KR" altLang="en-US" smtClean="0"/>
+              <a:t>‹#›</a:t>
             </a:fld>
             <a:endParaRPr lang="ko-KR" altLang="en-US"/>
           </a:p>
@@ -2637,7 +2612,6 @@
               <a:rPr lang="ko-KR" altLang="en-US" smtClean="0"/>
               <a:t>마스터 텍스트 스타일을 편집합니다</a:t>
             </a:r>
-            <a:endParaRPr lang="ko-KR" altLang="en-US" smtClean="0"/>
           </a:p>
           <a:p>
             <a:pPr lvl="1"/>
@@ -2645,7 +2619,6 @@
               <a:rPr lang="ko-KR" altLang="en-US" smtClean="0"/>
               <a:t>둘째 수준</a:t>
             </a:r>
-            <a:endParaRPr lang="ko-KR" altLang="en-US" smtClean="0"/>
           </a:p>
           <a:p>
             <a:pPr lvl="2"/>
@@ -2653,7 +2626,6 @@
               <a:rPr lang="ko-KR" altLang="en-US" smtClean="0"/>
               <a:t>셋째 수준</a:t>
             </a:r>
-            <a:endParaRPr lang="ko-KR" altLang="en-US" smtClean="0"/>
           </a:p>
           <a:p>
             <a:pPr lvl="3"/>
@@ -2661,7 +2633,6 @@
               <a:rPr lang="ko-KR" altLang="en-US" smtClean="0"/>
               <a:t>넷째 수준</a:t>
             </a:r>
-            <a:endParaRPr lang="ko-KR" altLang="en-US" smtClean="0"/>
           </a:p>
           <a:p>
             <a:pPr lvl="4"/>
@@ -2708,6 +2679,7 @@
           <a:p>
             <a:fld id="{3A302466-FE76-40E8-BE5D-598A609EDD2B}" type="datetimeFigureOut">
               <a:rPr lang="ko-KR" altLang="en-US" smtClean="0"/>
+              <a:t>2020-08-03</a:t>
             </a:fld>
             <a:endParaRPr lang="ko-KR" altLang="en-US"/>
           </a:p>
@@ -2785,6 +2757,7 @@
           <a:p>
             <a:fld id="{72CEB9E3-907B-4C9E-8669-48B8CFAF986F}" type="slidenum">
               <a:rPr lang="ko-KR" altLang="en-US" smtClean="0"/>
+              <a:t>‹#›</a:t>
             </a:fld>
             <a:endParaRPr lang="ko-KR" altLang="en-US"/>
           </a:p>
@@ -3120,25 +3093,11 @@
                 <a:solidFill>
                   <a:srgbClr val="272123"/>
                 </a:solidFill>
-                <a:latin typeface="Yoon 윤고딕 520_TT" panose="02090603020101020101" pitchFamily="18" charset="-127"/>
-                <a:ea typeface="Yoon 윤고딕 520_TT" panose="02090603020101020101" pitchFamily="18" charset="-127"/>
+                <a:latin typeface="맑은 고딕" panose="020B0503020000020004" pitchFamily="50" charset="-127"/>
+                <a:ea typeface="맑은 고딕" panose="020B0503020000020004" pitchFamily="50" charset="-127"/>
               </a:rPr>
               <a:t>INDEX</a:t>
             </a:r>
-            <a:endParaRPr lang="en-US" altLang="ko-KR" sz="4700" b="1" dirty="0" smtClean="0">
-              <a:ln>
-                <a:solidFill>
-                  <a:schemeClr val="tx1">
-                    <a:alpha val="30000"/>
-                  </a:schemeClr>
-                </a:solidFill>
-              </a:ln>
-              <a:solidFill>
-                <a:srgbClr val="272123"/>
-              </a:solidFill>
-              <a:latin typeface="Yoon 윤고딕 520_TT" panose="02090603020101020101" pitchFamily="18" charset="-127"/>
-              <a:ea typeface="Yoon 윤고딕 520_TT" panose="02090603020101020101" pitchFamily="18" charset="-127"/>
-            </a:endParaRPr>
           </a:p>
         </p:txBody>
       </p:sp>
@@ -3355,19 +3314,6 @@
               </a:rPr>
               <a:t>예제</a:t>
             </a:r>
-            <a:endParaRPr lang="ko-KR" altLang="en-US" sz="1600" dirty="0" smtClean="0">
-              <a:ln>
-                <a:solidFill>
-                  <a:schemeClr val="tx1">
-                    <a:alpha val="30000"/>
-                  </a:schemeClr>
-                </a:solidFill>
-              </a:ln>
-              <a:solidFill>
-                <a:srgbClr val="272123"/>
-              </a:solidFill>
-              <a:ea typeface="+mn-lt"/>
-            </a:endParaRPr>
           </a:p>
         </p:txBody>
       </p:sp>
@@ -3453,23 +3399,6 @@
               </a:rPr>
               <a:t>차백</a:t>
             </a:r>
-            <a:endParaRPr lang="ko-KR" altLang="en-US" sz="700" dirty="0">
-              <a:ln>
-                <a:solidFill>
-                  <a:schemeClr val="bg1">
-                    <a:lumMod val="85000"/>
-                    <a:alpha val="30000"/>
-                  </a:schemeClr>
-                </a:solidFill>
-              </a:ln>
-              <a:solidFill>
-                <a:schemeClr val="bg1">
-                  <a:lumMod val="95000"/>
-                </a:schemeClr>
-              </a:solidFill>
-              <a:ea typeface="+mn-lt"/>
-              <a:cs typeface="+mn-lt"/>
-            </a:endParaRPr>
           </a:p>
         </p:txBody>
       </p:sp>
@@ -3540,13 +3469,13 @@
   <p:clrMapOvr>
     <a:masterClrMapping/>
   </p:clrMapOvr>
-  <mc:AlternateContent xmlns:mc="http://schemas.openxmlformats.org/markup-compatibility/2006">
-    <mc:Choice xmlns:p14="http://schemas.microsoft.com/office/powerpoint/2010/main" Requires="p14">
+  <mc:AlternateContent xmlns:mc="http://schemas.openxmlformats.org/markup-compatibility/2006" xmlns:p14="http://schemas.microsoft.com/office/powerpoint/2010/main">
+    <mc:Choice Requires="p14">
       <p:transition spd="med" p14:dur="700">
         <p:fade/>
       </p:transition>
     </mc:Choice>
-    <mc:Fallback>
+    <mc:Fallback xmlns="">
       <p:transition spd="med">
         <p:fade/>
       </p:transition>
@@ -3644,23 +3573,6 @@
                 </a:rPr>
                 <a:t>예제</a:t>
               </a:r>
-              <a:endParaRPr lang="ko-KR" altLang="en-US" sz="3000" b="1" dirty="0" smtClean="0">
-                <a:ln>
-                  <a:solidFill>
-                    <a:schemeClr val="bg1">
-                      <a:lumMod val="85000"/>
-                      <a:alpha val="30000"/>
-                    </a:schemeClr>
-                  </a:solidFill>
-                </a:ln>
-                <a:solidFill>
-                  <a:schemeClr val="bg1">
-                    <a:lumMod val="95000"/>
-                  </a:schemeClr>
-                </a:solidFill>
-                <a:latin typeface="+mj-lt"/>
-                <a:ea typeface="+mj-lt"/>
-              </a:endParaRPr>
             </a:p>
           </p:txBody>
         </p:sp>
@@ -3731,13 +3643,13 @@
   <p:clrMapOvr>
     <a:masterClrMapping/>
   </p:clrMapOvr>
-  <mc:AlternateContent xmlns:mc="http://schemas.openxmlformats.org/markup-compatibility/2006">
-    <mc:Choice xmlns:p14="http://schemas.microsoft.com/office/powerpoint/2010/main" Requires="p14">
+  <mc:AlternateContent xmlns:mc="http://schemas.openxmlformats.org/markup-compatibility/2006" xmlns:p14="http://schemas.microsoft.com/office/powerpoint/2010/main">
+    <mc:Choice Requires="p14">
       <p:transition spd="med" p14:dur="700">
         <p:fade/>
       </p:transition>
     </mc:Choice>
-    <mc:Fallback>
+    <mc:Fallback xmlns="">
       <p:transition spd="med">
         <p:fade/>
       </p:transition>
@@ -3903,20 +3815,6 @@
               </a:rPr>
               <a:t>란</a:t>
             </a:r>
-            <a:endParaRPr lang="ko-KR" altLang="en-US" sz="1400" dirty="0" smtClean="0">
-              <a:ln>
-                <a:solidFill>
-                  <a:schemeClr val="tx1">
-                    <a:alpha val="30000"/>
-                  </a:schemeClr>
-                </a:solidFill>
-              </a:ln>
-              <a:solidFill>
-                <a:srgbClr val="272123"/>
-              </a:solidFill>
-              <a:ea typeface="+mn-lt"/>
-              <a:cs typeface="+mn-lt"/>
-            </a:endParaRPr>
           </a:p>
         </p:txBody>
       </p:sp>
@@ -3977,20 +3875,6 @@
               </a:rPr>
               <a:t>문법</a:t>
             </a:r>
-            <a:endParaRPr lang="ko-KR" altLang="en-US" sz="1400" dirty="0" smtClean="0">
-              <a:ln>
-                <a:solidFill>
-                  <a:schemeClr val="tx1">
-                    <a:alpha val="30000"/>
-                  </a:schemeClr>
-                </a:solidFill>
-              </a:ln>
-              <a:solidFill>
-                <a:srgbClr val="272123"/>
-              </a:solidFill>
-              <a:ea typeface="+mn-lt"/>
-              <a:cs typeface="+mn-lt"/>
-            </a:endParaRPr>
           </a:p>
         </p:txBody>
       </p:sp>
@@ -4033,19 +3917,6 @@
               </a:rPr>
               <a:t>예제</a:t>
             </a:r>
-            <a:endParaRPr lang="ko-KR" altLang="en-US" sz="1400" dirty="0" smtClean="0">
-              <a:ln>
-                <a:solidFill>
-                  <a:schemeClr val="tx1">
-                    <a:alpha val="30000"/>
-                  </a:schemeClr>
-                </a:solidFill>
-              </a:ln>
-              <a:solidFill>
-                <a:srgbClr val="272123"/>
-              </a:solidFill>
-              <a:ea typeface="+mn-lt"/>
-            </a:endParaRPr>
           </a:p>
         </p:txBody>
       </p:sp>
@@ -4179,27 +4050,11 @@
                     <a:lumMod val="85000"/>
                   </a:schemeClr>
                 </a:solidFill>
-                <a:latin typeface="Yoon 윤고딕 520_TT" panose="02090603020101020101" pitchFamily="18" charset="-127"/>
+                <a:latin typeface="+mj-lt"/>
                 <a:ea typeface="Yoon 윤고딕 520_TT" panose="02090603020101020101" pitchFamily="18" charset="-127"/>
               </a:rPr>
               <a:t>02</a:t>
             </a:r>
-            <a:endParaRPr lang="en-US" altLang="ko-KR" sz="1600" dirty="0" smtClean="0">
-              <a:ln>
-                <a:solidFill>
-                  <a:schemeClr val="tx1">
-                    <a:alpha val="30000"/>
-                  </a:schemeClr>
-                </a:solidFill>
-              </a:ln>
-              <a:solidFill>
-                <a:schemeClr val="bg1">
-                  <a:lumMod val="85000"/>
-                </a:schemeClr>
-              </a:solidFill>
-              <a:latin typeface="Yoon 윤고딕 520_TT" panose="02090603020101020101" pitchFamily="18" charset="-127"/>
-              <a:ea typeface="Yoon 윤고딕 520_TT" panose="02090603020101020101" pitchFamily="18" charset="-127"/>
-            </a:endParaRPr>
           </a:p>
         </p:txBody>
       </p:sp>
@@ -4239,27 +4094,10 @@
                     <a:lumMod val="85000"/>
                   </a:schemeClr>
                 </a:solidFill>
-                <a:latin typeface="Yoon 윤고딕 520_TT" panose="02090603020101020101" pitchFamily="18" charset="-127"/>
                 <a:ea typeface="Yoon 윤고딕 520_TT" panose="02090603020101020101" pitchFamily="18" charset="-127"/>
               </a:rPr>
               <a:t>03</a:t>
             </a:r>
-            <a:endParaRPr lang="en-US" altLang="ko-KR" sz="1600" dirty="0" smtClean="0">
-              <a:ln>
-                <a:solidFill>
-                  <a:schemeClr val="tx1">
-                    <a:alpha val="30000"/>
-                  </a:schemeClr>
-                </a:solidFill>
-              </a:ln>
-              <a:solidFill>
-                <a:schemeClr val="bg1">
-                  <a:lumMod val="85000"/>
-                </a:schemeClr>
-              </a:solidFill>
-              <a:latin typeface="Yoon 윤고딕 520_TT" panose="02090603020101020101" pitchFamily="18" charset="-127"/>
-              <a:ea typeface="Yoon 윤고딕 520_TT" panose="02090603020101020101" pitchFamily="18" charset="-127"/>
-            </a:endParaRPr>
           </a:p>
         </p:txBody>
       </p:sp>
@@ -4299,27 +4137,10 @@
                     <a:lumMod val="75000"/>
                   </a:schemeClr>
                 </a:solidFill>
-                <a:latin typeface="Yoon 윤고딕 520_TT" panose="02090603020101020101" pitchFamily="18" charset="-127"/>
                 <a:ea typeface="Yoon 윤고딕 520_TT" panose="02090603020101020101" pitchFamily="18" charset="-127"/>
               </a:rPr>
               <a:t>01</a:t>
             </a:r>
-            <a:endParaRPr lang="en-US" altLang="ko-KR" sz="1600" dirty="0" smtClean="0">
-              <a:ln>
-                <a:solidFill>
-                  <a:schemeClr val="tx1">
-                    <a:alpha val="30000"/>
-                  </a:schemeClr>
-                </a:solidFill>
-              </a:ln>
-              <a:solidFill>
-                <a:schemeClr val="bg1">
-                  <a:lumMod val="75000"/>
-                </a:schemeClr>
-              </a:solidFill>
-              <a:latin typeface="Yoon 윤고딕 520_TT" panose="02090603020101020101" pitchFamily="18" charset="-127"/>
-              <a:ea typeface="Yoon 윤고딕 520_TT" panose="02090603020101020101" pitchFamily="18" charset="-127"/>
-            </a:endParaRPr>
           </a:p>
         </p:txBody>
       </p:sp>
@@ -4491,20 +4312,6 @@
               </a:rPr>
               <a:t> </a:t>
             </a:r>
-            <a:endParaRPr lang="ko-KR" altLang="en-US" sz="1400" dirty="0" smtClean="0">
-              <a:ln>
-                <a:solidFill>
-                  <a:srgbClr val="AF9061">
-                    <a:alpha val="30000"/>
-                  </a:srgbClr>
-                </a:solidFill>
-              </a:ln>
-              <a:solidFill>
-                <a:srgbClr val="AF9061"/>
-              </a:solidFill>
-              <a:ea typeface="+mn-lt"/>
-              <a:cs typeface="+mn-lt"/>
-            </a:endParaRPr>
           </a:p>
           <a:p>
             <a:pPr algn="ctr"/>
@@ -4559,20 +4366,6 @@
               </a:rPr>
               <a:t>.</a:t>
             </a:r>
-            <a:endParaRPr lang="en-US" altLang="ko-KR" sz="1400" dirty="0" smtClean="0">
-              <a:ln>
-                <a:solidFill>
-                  <a:srgbClr val="AF9061">
-                    <a:alpha val="30000"/>
-                  </a:srgbClr>
-                </a:solidFill>
-              </a:ln>
-              <a:solidFill>
-                <a:srgbClr val="AF9061"/>
-              </a:solidFill>
-              <a:ea typeface="+mn-lt"/>
-              <a:cs typeface="+mn-lt"/>
-            </a:endParaRPr>
           </a:p>
         </p:txBody>
       </p:sp>
@@ -4633,20 +4426,6 @@
               </a:rPr>
               <a:t>, </a:t>
             </a:r>
-            <a:endParaRPr lang="en-US" altLang="ko-KR" sz="1400" dirty="0" smtClean="0">
-              <a:ln>
-                <a:solidFill>
-                  <a:srgbClr val="AF9061">
-                    <a:alpha val="30000"/>
-                  </a:srgbClr>
-                </a:solidFill>
-              </a:ln>
-              <a:solidFill>
-                <a:srgbClr val="AF9061"/>
-              </a:solidFill>
-              <a:ea typeface="+mn-lt"/>
-              <a:cs typeface="+mn-lt"/>
-            </a:endParaRPr>
           </a:p>
           <a:p>
             <a:pPr algn="ctr"/>
@@ -4701,20 +4480,6 @@
               </a:rPr>
               <a:t>.</a:t>
             </a:r>
-            <a:endParaRPr lang="en-US" altLang="ko-KR" sz="1400" dirty="0" smtClean="0">
-              <a:ln>
-                <a:solidFill>
-                  <a:srgbClr val="AF9061">
-                    <a:alpha val="30000"/>
-                  </a:srgbClr>
-                </a:solidFill>
-              </a:ln>
-              <a:solidFill>
-                <a:srgbClr val="AF9061"/>
-              </a:solidFill>
-              <a:ea typeface="+mn-lt"/>
-              <a:cs typeface="+mn-lt"/>
-            </a:endParaRPr>
           </a:p>
         </p:txBody>
       </p:sp>
@@ -4758,20 +4523,6 @@
               </a:rPr>
               <a:t>X</a:t>
             </a:r>
-            <a:endParaRPr lang="en-US" sz="1400" dirty="0" smtClean="0">
-              <a:ln>
-                <a:solidFill>
-                  <a:schemeClr val="tx1">
-                    <a:alpha val="30000"/>
-                  </a:schemeClr>
-                </a:solidFill>
-              </a:ln>
-              <a:solidFill>
-                <a:srgbClr val="272123"/>
-              </a:solidFill>
-              <a:latin typeface="Yoon 윤고딕 520_TT" panose="02090603020101020101" pitchFamily="18" charset="-127"/>
-              <a:ea typeface="Yoon 윤고딕 520_TT" panose="02090603020101020101" pitchFamily="18" charset="-127"/>
-            </a:endParaRPr>
           </a:p>
         </p:txBody>
       </p:sp>
@@ -4795,6 +4546,7 @@
           <a:bodyPr wrap="square" rtlCol="0">
             <a:spAutoFit/>
           </a:bodyPr>
+          <a:lstStyle/>
           <a:p>
             <a:pPr algn="ctr"/>
             <a:r>
@@ -4814,20 +4566,6 @@
               </a:rPr>
               <a:t>O</a:t>
             </a:r>
-            <a:endParaRPr lang="en-US" sz="1400" dirty="0" smtClean="0">
-              <a:ln>
-                <a:solidFill>
-                  <a:schemeClr val="tx1">
-                    <a:alpha val="30000"/>
-                  </a:schemeClr>
-                </a:solidFill>
-              </a:ln>
-              <a:solidFill>
-                <a:srgbClr val="272123"/>
-              </a:solidFill>
-              <a:latin typeface="Yoon 윤고딕 520_TT" panose="02090603020101020101" pitchFamily="18" charset="-127"/>
-              <a:ea typeface="Yoon 윤고딕 520_TT" panose="02090603020101020101" pitchFamily="18" charset="-127"/>
-            </a:endParaRPr>
           </a:p>
         </p:txBody>
       </p:sp>
@@ -4851,6 +4589,7 @@
           <a:bodyPr wrap="square" rtlCol="0">
             <a:spAutoFit/>
           </a:bodyPr>
+          <a:lstStyle/>
           <a:p>
             <a:pPr algn="ctr"/>
             <a:r>
@@ -4887,6 +4626,9 @@
               </a:rPr>
               <a:t>Servlet과 다르게 JSP는 수정된 경우 재배포할 필요 없이 Tomcat(WAS)이 알아서 처리해준다.</a:t>
             </a:r>
+          </a:p>
+          <a:p>
+            <a:pPr algn="ctr"/>
             <a:endParaRPr sz="1400" dirty="0" smtClean="0">
               <a:ln>
                 <a:solidFill>
@@ -4902,23 +4644,6 @@
               <a:cs typeface="+mn-lt"/>
             </a:endParaRPr>
           </a:p>
-          <a:p>
-            <a:pPr algn="ctr"/>
-            <a:endParaRPr sz="1400" dirty="0" smtClean="0">
-              <a:ln>
-                <a:solidFill>
-                  <a:schemeClr val="tx1">
-                    <a:alpha val="30000"/>
-                  </a:schemeClr>
-                </a:solidFill>
-              </a:ln>
-              <a:solidFill>
-                <a:srgbClr val="272123"/>
-              </a:solidFill>
-              <a:ea typeface="+mn-lt"/>
-              <a:cs typeface="+mn-lt"/>
-            </a:endParaRPr>
-          </a:p>
         </p:txBody>
       </p:sp>
     </p:spTree>
@@ -4926,13 +4651,13 @@
   <p:clrMapOvr>
     <a:masterClrMapping/>
   </p:clrMapOvr>
-  <mc:AlternateContent xmlns:mc="http://schemas.openxmlformats.org/markup-compatibility/2006">
-    <mc:Choice xmlns:p14="http://schemas.microsoft.com/office/powerpoint/2010/main" Requires="p14">
+  <mc:AlternateContent xmlns:mc="http://schemas.openxmlformats.org/markup-compatibility/2006" xmlns:p14="http://schemas.microsoft.com/office/powerpoint/2010/main">
+    <mc:Choice Requires="p14">
       <p:transition spd="med" p14:dur="700">
         <p:fade/>
       </p:transition>
     </mc:Choice>
-    <mc:Fallback>
+    <mc:Fallback xmlns="">
       <p:transition spd="med">
         <p:fade/>
       </p:transition>
@@ -5098,20 +4823,6 @@
               </a:rPr>
               <a:t>란</a:t>
             </a:r>
-            <a:endParaRPr lang="ko-KR" altLang="en-US" sz="1400" dirty="0" smtClean="0">
-              <a:ln>
-                <a:solidFill>
-                  <a:schemeClr val="tx1">
-                    <a:alpha val="30000"/>
-                  </a:schemeClr>
-                </a:solidFill>
-              </a:ln>
-              <a:solidFill>
-                <a:srgbClr val="272123"/>
-              </a:solidFill>
-              <a:ea typeface="+mn-lt"/>
-              <a:cs typeface="+mn-lt"/>
-            </a:endParaRPr>
           </a:p>
         </p:txBody>
       </p:sp>
@@ -5172,20 +4883,6 @@
               </a:rPr>
               <a:t>문법</a:t>
             </a:r>
-            <a:endParaRPr lang="ko-KR" altLang="en-US" sz="1400" dirty="0" smtClean="0">
-              <a:ln>
-                <a:solidFill>
-                  <a:schemeClr val="tx1">
-                    <a:alpha val="30000"/>
-                  </a:schemeClr>
-                </a:solidFill>
-              </a:ln>
-              <a:solidFill>
-                <a:srgbClr val="272123"/>
-              </a:solidFill>
-              <a:ea typeface="+mn-lt"/>
-              <a:cs typeface="+mn-lt"/>
-            </a:endParaRPr>
           </a:p>
         </p:txBody>
       </p:sp>
@@ -5228,19 +4925,6 @@
               </a:rPr>
               <a:t>예제</a:t>
             </a:r>
-            <a:endParaRPr lang="ko-KR" altLang="en-US" sz="1400" dirty="0" smtClean="0">
-              <a:ln>
-                <a:solidFill>
-                  <a:schemeClr val="tx1">
-                    <a:alpha val="30000"/>
-                  </a:schemeClr>
-                </a:solidFill>
-              </a:ln>
-              <a:solidFill>
-                <a:srgbClr val="272123"/>
-              </a:solidFill>
-              <a:ea typeface="+mn-lt"/>
-            </a:endParaRPr>
           </a:p>
         </p:txBody>
       </p:sp>
@@ -5374,27 +5058,11 @@
                     <a:lumMod val="85000"/>
                   </a:schemeClr>
                 </a:solidFill>
-                <a:latin typeface="Yoon 윤고딕 520_TT" panose="02090603020101020101" pitchFamily="18" charset="-127"/>
+                <a:latin typeface="+mj-lt"/>
                 <a:ea typeface="Yoon 윤고딕 520_TT" panose="02090603020101020101" pitchFamily="18" charset="-127"/>
               </a:rPr>
               <a:t>02</a:t>
             </a:r>
-            <a:endParaRPr lang="en-US" altLang="ko-KR" sz="1600" dirty="0" smtClean="0">
-              <a:ln>
-                <a:solidFill>
-                  <a:schemeClr val="tx1">
-                    <a:alpha val="30000"/>
-                  </a:schemeClr>
-                </a:solidFill>
-              </a:ln>
-              <a:solidFill>
-                <a:schemeClr val="bg1">
-                  <a:lumMod val="85000"/>
-                </a:schemeClr>
-              </a:solidFill>
-              <a:latin typeface="Yoon 윤고딕 520_TT" panose="02090603020101020101" pitchFamily="18" charset="-127"/>
-              <a:ea typeface="Yoon 윤고딕 520_TT" panose="02090603020101020101" pitchFamily="18" charset="-127"/>
-            </a:endParaRPr>
           </a:p>
         </p:txBody>
       </p:sp>
@@ -5434,27 +5102,11 @@
                     <a:lumMod val="85000"/>
                   </a:schemeClr>
                 </a:solidFill>
-                <a:latin typeface="Yoon 윤고딕 520_TT" panose="02090603020101020101" pitchFamily="18" charset="-127"/>
+                <a:latin typeface="+mj-lt"/>
                 <a:ea typeface="Yoon 윤고딕 520_TT" panose="02090603020101020101" pitchFamily="18" charset="-127"/>
               </a:rPr>
               <a:t>03</a:t>
             </a:r>
-            <a:endParaRPr lang="en-US" altLang="ko-KR" sz="1600" dirty="0" smtClean="0">
-              <a:ln>
-                <a:solidFill>
-                  <a:schemeClr val="tx1">
-                    <a:alpha val="30000"/>
-                  </a:schemeClr>
-                </a:solidFill>
-              </a:ln>
-              <a:solidFill>
-                <a:schemeClr val="bg1">
-                  <a:lumMod val="85000"/>
-                </a:schemeClr>
-              </a:solidFill>
-              <a:latin typeface="Yoon 윤고딕 520_TT" panose="02090603020101020101" pitchFamily="18" charset="-127"/>
-              <a:ea typeface="Yoon 윤고딕 520_TT" panose="02090603020101020101" pitchFamily="18" charset="-127"/>
-            </a:endParaRPr>
           </a:p>
         </p:txBody>
       </p:sp>
@@ -5494,27 +5146,11 @@
                     <a:lumMod val="75000"/>
                   </a:schemeClr>
                 </a:solidFill>
-                <a:latin typeface="Yoon 윤고딕 520_TT" panose="02090603020101020101" pitchFamily="18" charset="-127"/>
+                <a:latin typeface="+mj-lt"/>
                 <a:ea typeface="Yoon 윤고딕 520_TT" panose="02090603020101020101" pitchFamily="18" charset="-127"/>
               </a:rPr>
               <a:t>01</a:t>
             </a:r>
-            <a:endParaRPr lang="en-US" altLang="ko-KR" sz="1600" dirty="0" smtClean="0">
-              <a:ln>
-                <a:solidFill>
-                  <a:schemeClr val="tx1">
-                    <a:alpha val="30000"/>
-                  </a:schemeClr>
-                </a:solidFill>
-              </a:ln>
-              <a:solidFill>
-                <a:schemeClr val="bg1">
-                  <a:lumMod val="75000"/>
-                </a:schemeClr>
-              </a:solidFill>
-              <a:latin typeface="Yoon 윤고딕 520_TT" panose="02090603020101020101" pitchFamily="18" charset="-127"/>
-              <a:ea typeface="Yoon 윤고딕 520_TT" panose="02090603020101020101" pitchFamily="18" charset="-127"/>
-            </a:endParaRPr>
           </a:p>
         </p:txBody>
       </p:sp>
@@ -5671,21 +5307,6 @@
               </a:rPr>
               <a:t>, </a:t>
             </a:r>
-            <a:endParaRPr lang="en-US" altLang="ko-KR" sz="1400" dirty="0" smtClean="0">
-              <a:ln>
-                <a:solidFill>
-                  <a:srgbClr val="AF9061">
-                    <a:alpha val="30000"/>
-                  </a:srgbClr>
-                </a:solidFill>
-              </a:ln>
-              <a:solidFill>
-                <a:srgbClr val="AF9061"/>
-              </a:solidFill>
-              <a:ea typeface="+mn-lt"/>
-              <a:cs typeface="+mn-lt"/>
-              <a:sym typeface="+mn-ea"/>
-            </a:endParaRPr>
           </a:p>
           <a:p>
             <a:pPr algn="ctr"/>
@@ -5872,20 +5493,6 @@
               </a:rPr>
               <a:t>, </a:t>
             </a:r>
-            <a:endParaRPr lang="en-US" altLang="ko-KR" sz="1400" dirty="0" smtClean="0">
-              <a:ln>
-                <a:solidFill>
-                  <a:srgbClr val="AF9061">
-                    <a:alpha val="30000"/>
-                  </a:srgbClr>
-                </a:solidFill>
-              </a:ln>
-              <a:solidFill>
-                <a:srgbClr val="AF9061"/>
-              </a:solidFill>
-              <a:ea typeface="+mn-lt"/>
-              <a:cs typeface="+mn-lt"/>
-            </a:endParaRPr>
           </a:p>
           <a:p>
             <a:pPr algn="ctr"/>
@@ -5991,20 +5598,6 @@
               </a:rPr>
               <a:t>.</a:t>
             </a:r>
-            <a:endParaRPr lang="en-US" altLang="ko-KR" sz="1400" dirty="0" smtClean="0">
-              <a:ln>
-                <a:solidFill>
-                  <a:srgbClr val="AF9061">
-                    <a:alpha val="30000"/>
-                  </a:srgbClr>
-                </a:solidFill>
-              </a:ln>
-              <a:solidFill>
-                <a:srgbClr val="AF9061"/>
-              </a:solidFill>
-              <a:ea typeface="+mn-lt"/>
-              <a:cs typeface="+mn-lt"/>
-            </a:endParaRPr>
           </a:p>
         </p:txBody>
       </p:sp>
@@ -6048,20 +5641,6 @@
               </a:rPr>
               <a:t>X</a:t>
             </a:r>
-            <a:endParaRPr lang="en-US" sz="1400" dirty="0" smtClean="0">
-              <a:ln>
-                <a:solidFill>
-                  <a:schemeClr val="tx1">
-                    <a:alpha val="30000"/>
-                  </a:schemeClr>
-                </a:solidFill>
-              </a:ln>
-              <a:solidFill>
-                <a:srgbClr val="272123"/>
-              </a:solidFill>
-              <a:latin typeface="Yoon 윤고딕 520_TT" panose="02090603020101020101" pitchFamily="18" charset="-127"/>
-              <a:ea typeface="Yoon 윤고딕 520_TT" panose="02090603020101020101" pitchFamily="18" charset="-127"/>
-            </a:endParaRPr>
           </a:p>
         </p:txBody>
       </p:sp>
@@ -6085,6 +5664,7 @@
           <a:bodyPr wrap="square" rtlCol="0">
             <a:spAutoFit/>
           </a:bodyPr>
+          <a:lstStyle/>
           <a:p>
             <a:pPr algn="ctr"/>
             <a:r>
@@ -6104,20 +5684,6 @@
               </a:rPr>
               <a:t>O</a:t>
             </a:r>
-            <a:endParaRPr lang="en-US" sz="1400" dirty="0" smtClean="0">
-              <a:ln>
-                <a:solidFill>
-                  <a:schemeClr val="tx1">
-                    <a:alpha val="30000"/>
-                  </a:schemeClr>
-                </a:solidFill>
-              </a:ln>
-              <a:solidFill>
-                <a:srgbClr val="272123"/>
-              </a:solidFill>
-              <a:latin typeface="Yoon 윤고딕 520_TT" panose="02090603020101020101" pitchFamily="18" charset="-127"/>
-              <a:ea typeface="Yoon 윤고딕 520_TT" panose="02090603020101020101" pitchFamily="18" charset="-127"/>
-            </a:endParaRPr>
           </a:p>
         </p:txBody>
       </p:sp>
@@ -6141,6 +5707,7 @@
           <a:bodyPr wrap="square" rtlCol="0">
             <a:spAutoFit/>
           </a:bodyPr>
+          <a:lstStyle/>
           <a:p>
             <a:pPr algn="ctr"/>
             <a:r>
@@ -6194,20 +5761,6 @@
               </a:rPr>
               <a:t>.</a:t>
             </a:r>
-            <a:endParaRPr lang="en-US" altLang="ko-KR" sz="1400" dirty="0" smtClean="0">
-              <a:ln>
-                <a:solidFill>
-                  <a:schemeClr val="tx1">
-                    <a:alpha val="30000"/>
-                  </a:schemeClr>
-                </a:solidFill>
-              </a:ln>
-              <a:solidFill>
-                <a:srgbClr val="272123"/>
-              </a:solidFill>
-              <a:ea typeface="+mn-lt"/>
-              <a:cs typeface="+mn-lt"/>
-            </a:endParaRPr>
           </a:p>
         </p:txBody>
       </p:sp>
@@ -6216,13 +5769,13 @@
   <p:clrMapOvr>
     <a:masterClrMapping/>
   </p:clrMapOvr>
-  <mc:AlternateContent xmlns:mc="http://schemas.openxmlformats.org/markup-compatibility/2006">
-    <mc:Choice xmlns:p14="http://schemas.microsoft.com/office/powerpoint/2010/main" Requires="p14">
+  <mc:AlternateContent xmlns:mc="http://schemas.openxmlformats.org/markup-compatibility/2006" xmlns:p14="http://schemas.microsoft.com/office/powerpoint/2010/main">
+    <mc:Choice Requires="p14">
       <p:transition spd="med" p14:dur="700">
         <p:fade/>
       </p:transition>
     </mc:Choice>
-    <mc:Fallback>
+    <mc:Fallback xmlns="">
       <p:transition spd="med">
         <p:fade/>
       </p:transition>
@@ -6388,20 +5941,6 @@
               </a:rPr>
               <a:t>란</a:t>
             </a:r>
-            <a:endParaRPr lang="ko-KR" altLang="en-US" sz="1400" dirty="0" smtClean="0">
-              <a:ln>
-                <a:solidFill>
-                  <a:schemeClr val="tx1">
-                    <a:alpha val="30000"/>
-                  </a:schemeClr>
-                </a:solidFill>
-              </a:ln>
-              <a:solidFill>
-                <a:srgbClr val="272123"/>
-              </a:solidFill>
-              <a:ea typeface="+mn-lt"/>
-              <a:cs typeface="+mn-lt"/>
-            </a:endParaRPr>
           </a:p>
         </p:txBody>
       </p:sp>
@@ -6462,20 +6001,6 @@
               </a:rPr>
               <a:t>문법</a:t>
             </a:r>
-            <a:endParaRPr lang="ko-KR" altLang="en-US" sz="1400" dirty="0" smtClean="0">
-              <a:ln>
-                <a:solidFill>
-                  <a:schemeClr val="tx1">
-                    <a:alpha val="30000"/>
-                  </a:schemeClr>
-                </a:solidFill>
-              </a:ln>
-              <a:solidFill>
-                <a:srgbClr val="272123"/>
-              </a:solidFill>
-              <a:ea typeface="+mn-lt"/>
-              <a:cs typeface="+mn-lt"/>
-            </a:endParaRPr>
           </a:p>
         </p:txBody>
       </p:sp>
@@ -6518,19 +6043,6 @@
               </a:rPr>
               <a:t>예제</a:t>
             </a:r>
-            <a:endParaRPr lang="ko-KR" altLang="en-US" sz="1400" dirty="0" smtClean="0">
-              <a:ln>
-                <a:solidFill>
-                  <a:schemeClr val="tx1">
-                    <a:alpha val="30000"/>
-                  </a:schemeClr>
-                </a:solidFill>
-              </a:ln>
-              <a:solidFill>
-                <a:srgbClr val="272123"/>
-              </a:solidFill>
-              <a:ea typeface="+mn-lt"/>
-            </a:endParaRPr>
           </a:p>
         </p:txBody>
       </p:sp>
@@ -6664,27 +6176,10 @@
                     <a:lumMod val="85000"/>
                   </a:schemeClr>
                 </a:solidFill>
-                <a:latin typeface="Yoon 윤고딕 520_TT" panose="02090603020101020101" pitchFamily="18" charset="-127"/>
                 <a:ea typeface="Yoon 윤고딕 520_TT" panose="02090603020101020101" pitchFamily="18" charset="-127"/>
               </a:rPr>
               <a:t>02</a:t>
             </a:r>
-            <a:endParaRPr lang="en-US" altLang="ko-KR" sz="1600" dirty="0" smtClean="0">
-              <a:ln>
-                <a:solidFill>
-                  <a:schemeClr val="tx1">
-                    <a:alpha val="30000"/>
-                  </a:schemeClr>
-                </a:solidFill>
-              </a:ln>
-              <a:solidFill>
-                <a:schemeClr val="bg1">
-                  <a:lumMod val="85000"/>
-                </a:schemeClr>
-              </a:solidFill>
-              <a:latin typeface="Yoon 윤고딕 520_TT" panose="02090603020101020101" pitchFamily="18" charset="-127"/>
-              <a:ea typeface="Yoon 윤고딕 520_TT" panose="02090603020101020101" pitchFamily="18" charset="-127"/>
-            </a:endParaRPr>
           </a:p>
         </p:txBody>
       </p:sp>
@@ -6724,27 +6219,10 @@
                     <a:lumMod val="85000"/>
                   </a:schemeClr>
                 </a:solidFill>
-                <a:latin typeface="Yoon 윤고딕 520_TT" panose="02090603020101020101" pitchFamily="18" charset="-127"/>
                 <a:ea typeface="Yoon 윤고딕 520_TT" panose="02090603020101020101" pitchFamily="18" charset="-127"/>
               </a:rPr>
               <a:t>03</a:t>
             </a:r>
-            <a:endParaRPr lang="en-US" altLang="ko-KR" sz="1600" dirty="0" smtClean="0">
-              <a:ln>
-                <a:solidFill>
-                  <a:schemeClr val="tx1">
-                    <a:alpha val="30000"/>
-                  </a:schemeClr>
-                </a:solidFill>
-              </a:ln>
-              <a:solidFill>
-                <a:schemeClr val="bg1">
-                  <a:lumMod val="85000"/>
-                </a:schemeClr>
-              </a:solidFill>
-              <a:latin typeface="Yoon 윤고딕 520_TT" panose="02090603020101020101" pitchFamily="18" charset="-127"/>
-              <a:ea typeface="Yoon 윤고딕 520_TT" panose="02090603020101020101" pitchFamily="18" charset="-127"/>
-            </a:endParaRPr>
           </a:p>
         </p:txBody>
       </p:sp>
@@ -6784,27 +6262,11 @@
                     <a:lumMod val="75000"/>
                   </a:schemeClr>
                 </a:solidFill>
-                <a:latin typeface="Yoon 윤고딕 520_TT" panose="02090603020101020101" pitchFamily="18" charset="-127"/>
+                <a:latin typeface="+mj-lt"/>
                 <a:ea typeface="Yoon 윤고딕 520_TT" panose="02090603020101020101" pitchFamily="18" charset="-127"/>
               </a:rPr>
               <a:t>01</a:t>
             </a:r>
-            <a:endParaRPr lang="en-US" altLang="ko-KR" sz="1600" dirty="0" smtClean="0">
-              <a:ln>
-                <a:solidFill>
-                  <a:schemeClr val="tx1">
-                    <a:alpha val="30000"/>
-                  </a:schemeClr>
-                </a:solidFill>
-              </a:ln>
-              <a:solidFill>
-                <a:schemeClr val="bg1">
-                  <a:lumMod val="75000"/>
-                </a:schemeClr>
-              </a:solidFill>
-              <a:latin typeface="Yoon 윤고딕 520_TT" panose="02090603020101020101" pitchFamily="18" charset="-127"/>
-              <a:ea typeface="Yoon 윤고딕 520_TT" panose="02090603020101020101" pitchFamily="18" charset="-127"/>
-            </a:endParaRPr>
           </a:p>
         </p:txBody>
       </p:sp>
@@ -6976,20 +6438,6 @@
               </a:rPr>
               <a:t> </a:t>
             </a:r>
-            <a:endParaRPr lang="ko-KR" altLang="en-US" sz="1400" dirty="0" smtClean="0">
-              <a:ln>
-                <a:solidFill>
-                  <a:srgbClr val="AF9061">
-                    <a:alpha val="30000"/>
-                  </a:srgbClr>
-                </a:solidFill>
-              </a:ln>
-              <a:solidFill>
-                <a:srgbClr val="AF9061"/>
-              </a:solidFill>
-              <a:ea typeface="+mn-lt"/>
-              <a:cs typeface="+mn-lt"/>
-            </a:endParaRPr>
           </a:p>
           <a:p>
             <a:pPr algn="ctr"/>
@@ -7027,20 +6475,6 @@
               </a:rPr>
               <a:t>.</a:t>
             </a:r>
-            <a:endParaRPr lang="en-US" altLang="ko-KR" sz="1400" dirty="0" smtClean="0">
-              <a:ln>
-                <a:solidFill>
-                  <a:srgbClr val="AF9061">
-                    <a:alpha val="30000"/>
-                  </a:srgbClr>
-                </a:solidFill>
-              </a:ln>
-              <a:solidFill>
-                <a:srgbClr val="AF9061"/>
-              </a:solidFill>
-              <a:ea typeface="+mn-lt"/>
-              <a:cs typeface="+mn-lt"/>
-            </a:endParaRPr>
           </a:p>
         </p:txBody>
       </p:sp>
@@ -7101,20 +6535,6 @@
               </a:rPr>
               <a:t>, </a:t>
             </a:r>
-            <a:endParaRPr lang="en-US" altLang="ko-KR" sz="1400" dirty="0" smtClean="0">
-              <a:ln>
-                <a:solidFill>
-                  <a:srgbClr val="AF9061">
-                    <a:alpha val="30000"/>
-                  </a:srgbClr>
-                </a:solidFill>
-              </a:ln>
-              <a:solidFill>
-                <a:srgbClr val="AF9061"/>
-              </a:solidFill>
-              <a:ea typeface="+mn-lt"/>
-              <a:cs typeface="+mn-lt"/>
-            </a:endParaRPr>
           </a:p>
           <a:p>
             <a:pPr algn="ctr"/>
@@ -7271,20 +6691,6 @@
               </a:rPr>
               <a:t>.</a:t>
             </a:r>
-            <a:endParaRPr lang="en-US" altLang="ko-KR" sz="1400" dirty="0" smtClean="0">
-              <a:ln>
-                <a:solidFill>
-                  <a:srgbClr val="AF9061">
-                    <a:alpha val="30000"/>
-                  </a:srgbClr>
-                </a:solidFill>
-              </a:ln>
-              <a:solidFill>
-                <a:srgbClr val="AF9061"/>
-              </a:solidFill>
-              <a:ea typeface="+mn-lt"/>
-              <a:cs typeface="+mn-lt"/>
-            </a:endParaRPr>
           </a:p>
         </p:txBody>
       </p:sp>
@@ -7328,20 +6734,6 @@
               </a:rPr>
               <a:t>X</a:t>
             </a:r>
-            <a:endParaRPr lang="en-US" sz="1400" dirty="0" smtClean="0">
-              <a:ln>
-                <a:solidFill>
-                  <a:schemeClr val="tx1">
-                    <a:alpha val="30000"/>
-                  </a:schemeClr>
-                </a:solidFill>
-              </a:ln>
-              <a:solidFill>
-                <a:srgbClr val="272123"/>
-              </a:solidFill>
-              <a:latin typeface="Yoon 윤고딕 520_TT" panose="02090603020101020101" pitchFamily="18" charset="-127"/>
-              <a:ea typeface="Yoon 윤고딕 520_TT" panose="02090603020101020101" pitchFamily="18" charset="-127"/>
-            </a:endParaRPr>
           </a:p>
         </p:txBody>
       </p:sp>
@@ -7365,6 +6757,7 @@
           <a:bodyPr wrap="square" rtlCol="0">
             <a:spAutoFit/>
           </a:bodyPr>
+          <a:lstStyle/>
           <a:p>
             <a:pPr algn="ctr"/>
             <a:r>
@@ -7384,20 +6777,6 @@
               </a:rPr>
               <a:t>O</a:t>
             </a:r>
-            <a:endParaRPr lang="en-US" sz="1400" dirty="0" smtClean="0">
-              <a:ln>
-                <a:solidFill>
-                  <a:schemeClr val="tx1">
-                    <a:alpha val="30000"/>
-                  </a:schemeClr>
-                </a:solidFill>
-              </a:ln>
-              <a:solidFill>
-                <a:srgbClr val="272123"/>
-              </a:solidFill>
-              <a:latin typeface="Yoon 윤고딕 520_TT" panose="02090603020101020101" pitchFamily="18" charset="-127"/>
-              <a:ea typeface="Yoon 윤고딕 520_TT" panose="02090603020101020101" pitchFamily="18" charset="-127"/>
-            </a:endParaRPr>
           </a:p>
         </p:txBody>
       </p:sp>
@@ -7421,6 +6800,7 @@
           <a:bodyPr wrap="square" rtlCol="0">
             <a:spAutoFit/>
           </a:bodyPr>
+          <a:lstStyle/>
           <a:p>
             <a:pPr algn="ctr"/>
             <a:r>
@@ -7456,6 +6836,43 @@
                 <a:cs typeface="+mn-lt"/>
               </a:rPr>
               <a:t>&lt;%@ taglib prefix="c" uri="http://java.sun.com/jsp/jstl/core"%&gt;</a:t>
+            </a:r>
+          </a:p>
+          <a:p>
+            <a:pPr algn="ctr"/>
+            <a:r>
+              <a:rPr lang="ko-KR" sz="1400" dirty="0" smtClean="0">
+                <a:ln>
+                  <a:solidFill>
+                    <a:schemeClr val="tx1">
+                      <a:alpha val="30000"/>
+                    </a:schemeClr>
+                  </a:solidFill>
+                </a:ln>
+                <a:solidFill>
+                  <a:srgbClr val="272123"/>
+                </a:solidFill>
+                <a:ea typeface="+mn-lt"/>
+                <a:cs typeface="+mn-lt"/>
+              </a:rPr>
+              <a:t>이렇게 적으면 뭔지는 모르는데 있어보여서 사용하는 거다</a:t>
+            </a:r>
+            <a:r>
+              <a:rPr lang="en-US" altLang="ko-KR" sz="1400" dirty="0" smtClean="0">
+                <a:ln>
+                  <a:solidFill>
+                    <a:schemeClr val="tx1">
+                      <a:alpha val="30000"/>
+                    </a:schemeClr>
+                  </a:solidFill>
+                </a:ln>
+                <a:solidFill>
+                  <a:srgbClr val="272123"/>
+                </a:solidFill>
+                <a:ea typeface="+mn-lt"/>
+                <a:cs typeface="+mn-lt"/>
+              </a:rPr>
+              <a:t>.</a:t>
             </a:r>
             <a:endParaRPr sz="1400" dirty="0" smtClean="0">
               <a:ln>
@@ -7474,40 +6891,6 @@
           </a:p>
           <a:p>
             <a:pPr algn="ctr"/>
-            <a:r>
-              <a:rPr lang="ko-KR" sz="1400" dirty="0" smtClean="0">
-                <a:ln>
-                  <a:solidFill>
-                    <a:schemeClr val="tx1">
-                      <a:alpha val="30000"/>
-                    </a:schemeClr>
-                  </a:solidFill>
-                </a:ln>
-                <a:solidFill>
-                  <a:srgbClr val="272123"/>
-                </a:solidFill>
-                <a:ea typeface="+mn-lt"/>
-                <a:cs typeface="+mn-lt"/>
-              </a:rPr>
-              <a:t>이렇게 적으면 뭔지는 모르는데 있어보여서 사용하는 거다</a:t>
-            </a:r>
-            <a:r>
-              <a:rPr lang="en-US" altLang="ko-KR" sz="1400" dirty="0" smtClean="0">
-                <a:ln>
-                  <a:solidFill>
-                    <a:schemeClr val="tx1">
-                      <a:alpha val="30000"/>
-                    </a:schemeClr>
-                  </a:solidFill>
-                </a:ln>
-                <a:solidFill>
-                  <a:srgbClr val="272123"/>
-                </a:solidFill>
-                <a:ea typeface="+mn-lt"/>
-                <a:cs typeface="+mn-lt"/>
-              </a:rPr>
-              <a:t>.</a:t>
-            </a:r>
             <a:endParaRPr sz="1400" dirty="0" smtClean="0">
               <a:ln>
                 <a:solidFill>
@@ -7523,23 +6906,6 @@
               <a:cs typeface="+mn-lt"/>
             </a:endParaRPr>
           </a:p>
-          <a:p>
-            <a:pPr algn="ctr"/>
-            <a:endParaRPr sz="1400" dirty="0" smtClean="0">
-              <a:ln>
-                <a:solidFill>
-                  <a:schemeClr val="tx1">
-                    <a:alpha val="30000"/>
-                  </a:schemeClr>
-                </a:solidFill>
-              </a:ln>
-              <a:solidFill>
-                <a:srgbClr val="272123"/>
-              </a:solidFill>
-              <a:ea typeface="+mn-lt"/>
-              <a:cs typeface="+mn-lt"/>
-            </a:endParaRPr>
-          </a:p>
         </p:txBody>
       </p:sp>
     </p:spTree>
@@ -7547,13 +6913,13 @@
   <p:clrMapOvr>
     <a:masterClrMapping/>
   </p:clrMapOvr>
-  <mc:AlternateContent xmlns:mc="http://schemas.openxmlformats.org/markup-compatibility/2006">
-    <mc:Choice xmlns:p14="http://schemas.microsoft.com/office/powerpoint/2010/main" Requires="p14">
+  <mc:AlternateContent xmlns:mc="http://schemas.openxmlformats.org/markup-compatibility/2006" xmlns:p14="http://schemas.microsoft.com/office/powerpoint/2010/main">
+    <mc:Choice Requires="p14">
       <p:transition spd="med" p14:dur="700">
         <p:fade/>
       </p:transition>
     </mc:Choice>
-    <mc:Fallback>
+    <mc:Fallback xmlns="">
       <p:transition spd="med">
         <p:fade/>
       </p:transition>
@@ -7578,7 +6944,14 @@
         <p:cNvGrpSpPr/>
         <p:nvPr/>
       </p:nvGrpSpPr>
-      <p:grpSpPr/>
+      <p:grpSpPr>
+        <a:xfrm>
+          <a:off x="0" y="0"/>
+          <a:ext cx="0" cy="0"/>
+          <a:chOff x="0" y="0"/>
+          <a:chExt cx="0" cy="0"/>
+        </a:xfrm>
+      </p:grpSpPr>
       <p:sp>
         <p:nvSpPr>
           <p:cNvPr id="2" name="Title 1"/>
@@ -7592,13 +6965,13 @@
         <p:spPr/>
         <p:txBody>
           <a:bodyPr/>
+          <a:lstStyle/>
           <a:p>
             <a:pPr algn="l"/>
             <a:r>
               <a:rPr lang="ko-KR" altLang="en-US" sz="1600"/>
               <a:t>예제 정답</a:t>
             </a:r>
-            <a:endParaRPr lang="ko-KR" altLang="en-US" sz="1600"/>
           </a:p>
         </p:txBody>
       </p:sp>
@@ -7615,26 +6988,24 @@
         <p:spPr/>
         <p:txBody>
           <a:bodyPr/>
+          <a:lstStyle/>
           <a:p>
             <a:r>
               <a:rPr lang="en-US" sz="1000"/>
               <a:t>1.o</a:t>
             </a:r>
-            <a:endParaRPr lang="en-US" sz="1000"/>
           </a:p>
           <a:p>
             <a:r>
               <a:rPr lang="en-US" sz="1000"/>
               <a:t>2.o</a:t>
             </a:r>
-            <a:endParaRPr lang="en-US" sz="1000"/>
           </a:p>
           <a:p>
             <a:r>
               <a:rPr lang="en-US" sz="1000"/>
               <a:t>3.x</a:t>
             </a:r>
-            <a:endParaRPr lang="en-US" sz="1000"/>
           </a:p>
         </p:txBody>
       </p:sp>
@@ -7708,28 +7079,10 @@
                     <a:lumMod val="95000"/>
                   </a:schemeClr>
                 </a:solidFill>
-                <a:latin typeface="Yoon 윤고딕 520_TT" panose="02090603020101020101" pitchFamily="18" charset="-127"/>
                 <a:ea typeface="Yoon 윤고딕 520_TT" panose="02090603020101020101" pitchFamily="18" charset="-127"/>
               </a:rPr>
               <a:t>Thank you</a:t>
             </a:r>
-            <a:endParaRPr lang="en-US" altLang="ko-KR" sz="4000" b="1" dirty="0" smtClean="0">
-              <a:ln>
-                <a:solidFill>
-                  <a:schemeClr val="bg1">
-                    <a:lumMod val="85000"/>
-                    <a:alpha val="30000"/>
-                  </a:schemeClr>
-                </a:solidFill>
-              </a:ln>
-              <a:solidFill>
-                <a:schemeClr val="bg1">
-                  <a:lumMod val="95000"/>
-                </a:schemeClr>
-              </a:solidFill>
-              <a:latin typeface="Yoon 윤고딕 520_TT" panose="02090603020101020101" pitchFamily="18" charset="-127"/>
-              <a:ea typeface="Yoon 윤고딕 520_TT" panose="02090603020101020101" pitchFamily="18" charset="-127"/>
-            </a:endParaRPr>
           </a:p>
         </p:txBody>
       </p:sp>
@@ -7770,6 +7123,7 @@
                     <a:lumMod val="85000"/>
                   </a:schemeClr>
                 </a:solidFill>
+                <a:latin typeface="+mj-lt"/>
                 <a:ea typeface="+mn-lt"/>
                 <a:cs typeface="+mn-lt"/>
               </a:rPr>
@@ -7790,7 +7144,7 @@
                     <a:lumMod val="85000"/>
                   </a:schemeClr>
                 </a:solidFill>
-                <a:latin typeface="Yoon 윤고딕 520_TT" panose="02090603020101020101" pitchFamily="18" charset="-127"/>
+                <a:latin typeface="+mj-lt"/>
                 <a:ea typeface="Yoon 윤고딕 520_TT" panose="02090603020101020101" pitchFamily="18" charset="-127"/>
               </a:rPr>
               <a:t> </a:t>
@@ -7810,7 +7164,7 @@
                     <a:lumMod val="85000"/>
                   </a:schemeClr>
                 </a:solidFill>
-                <a:latin typeface="Yoon 윤고딕 520_TT" panose="02090603020101020101" pitchFamily="18" charset="-127"/>
+                <a:latin typeface="+mj-lt"/>
                 <a:ea typeface="Yoon 윤고딕 520_TT" panose="02090603020101020101" pitchFamily="18" charset="-127"/>
               </a:rPr>
               <a:t>|  </a:t>
@@ -7830,6 +7184,7 @@
                     <a:lumMod val="85000"/>
                   </a:schemeClr>
                 </a:solidFill>
+                <a:latin typeface="+mj-lt"/>
                 <a:ea typeface="+mn-lt"/>
                 <a:cs typeface="+mn-lt"/>
               </a:rPr>
@@ -7850,28 +7205,12 @@
                     <a:lumMod val="85000"/>
                   </a:schemeClr>
                 </a:solidFill>
+                <a:latin typeface="+mj-lt"/>
                 <a:ea typeface="+mn-lt"/>
                 <a:cs typeface="+mn-lt"/>
               </a:rPr>
               <a:t>끝</a:t>
             </a:r>
-            <a:endParaRPr lang="ko-KR" altLang="en-US" sz="1400" dirty="0" smtClean="0">
-              <a:ln>
-                <a:solidFill>
-                  <a:schemeClr val="bg1">
-                    <a:lumMod val="85000"/>
-                    <a:alpha val="30000"/>
-                  </a:schemeClr>
-                </a:solidFill>
-              </a:ln>
-              <a:solidFill>
-                <a:schemeClr val="bg1">
-                  <a:lumMod val="85000"/>
-                </a:schemeClr>
-              </a:solidFill>
-              <a:ea typeface="+mn-lt"/>
-              <a:cs typeface="+mn-lt"/>
-            </a:endParaRPr>
           </a:p>
         </p:txBody>
       </p:sp>
@@ -7940,13 +7279,13 @@
   <p:clrMapOvr>
     <a:masterClrMapping/>
   </p:clrMapOvr>
-  <mc:AlternateContent xmlns:mc="http://schemas.openxmlformats.org/markup-compatibility/2006">
-    <mc:Choice xmlns:p14="http://schemas.microsoft.com/office/powerpoint/2010/main" Requires="p14">
+  <mc:AlternateContent xmlns:mc="http://schemas.openxmlformats.org/markup-compatibility/2006" xmlns:p14="http://schemas.microsoft.com/office/powerpoint/2010/main">
+    <mc:Choice Requires="p14">
       <p:transition spd="med" p14:dur="700">
         <p:fade/>
       </p:transition>
     </mc:Choice>
-    <mc:Fallback>
+    <mc:Fallback xmlns="">
       <p:transition spd="med">
         <p:fade/>
       </p:transition>
@@ -8039,28 +7378,10 @@
                       <a:lumMod val="95000"/>
                     </a:schemeClr>
                   </a:solidFill>
-                  <a:latin typeface="Yoon 윤고딕 520_TT" panose="02090603020101020101" pitchFamily="18" charset="-127"/>
                   <a:ea typeface="Yoon 윤고딕 520_TT" panose="02090603020101020101" pitchFamily="18" charset="-127"/>
                 </a:rPr>
                 <a:t>JSP</a:t>
               </a:r>
-              <a:endParaRPr lang="en-US" altLang="ko-KR" sz="2400" b="1" dirty="0" smtClean="0">
-                <a:ln>
-                  <a:solidFill>
-                    <a:schemeClr val="bg1">
-                      <a:lumMod val="85000"/>
-                      <a:alpha val="30000"/>
-                    </a:schemeClr>
-                  </a:solidFill>
-                </a:ln>
-                <a:solidFill>
-                  <a:schemeClr val="bg1">
-                    <a:lumMod val="95000"/>
-                  </a:schemeClr>
-                </a:solidFill>
-                <a:latin typeface="Yoon 윤고딕 520_TT" panose="02090603020101020101" pitchFamily="18" charset="-127"/>
-                <a:ea typeface="Yoon 윤고딕 520_TT" panose="02090603020101020101" pitchFamily="18" charset="-127"/>
-              </a:endParaRPr>
             </a:p>
           </p:txBody>
         </p:sp>
@@ -8102,28 +7423,11 @@
                       <a:lumMod val="95000"/>
                     </a:schemeClr>
                   </a:solidFill>
-                  <a:latin typeface="Yoon 윤고딕 520_TT" panose="02090603020101020101" pitchFamily="18" charset="-127"/>
+                  <a:latin typeface="+mj-lt"/>
                   <a:ea typeface="Yoon 윤고딕 520_TT" panose="02090603020101020101" pitchFamily="18" charset="-127"/>
                 </a:rPr>
                 <a:t>Java Server Page</a:t>
               </a:r>
-              <a:endParaRPr lang="en-US" altLang="ko-KR" sz="1400" b="1" dirty="0" smtClean="0">
-                <a:ln>
-                  <a:solidFill>
-                    <a:schemeClr val="bg1">
-                      <a:lumMod val="85000"/>
-                      <a:alpha val="30000"/>
-                    </a:schemeClr>
-                  </a:solidFill>
-                </a:ln>
-                <a:solidFill>
-                  <a:schemeClr val="bg1">
-                    <a:lumMod val="95000"/>
-                  </a:schemeClr>
-                </a:solidFill>
-                <a:latin typeface="Yoon 윤고딕 520_TT" panose="02090603020101020101" pitchFamily="18" charset="-127"/>
-                <a:ea typeface="Yoon 윤고딕 520_TT" panose="02090603020101020101" pitchFamily="18" charset="-127"/>
-              </a:endParaRPr>
             </a:p>
           </p:txBody>
         </p:sp>
@@ -8133,13 +7437,13 @@
   <p:clrMapOvr>
     <a:masterClrMapping/>
   </p:clrMapOvr>
-  <mc:AlternateContent xmlns:mc="http://schemas.openxmlformats.org/markup-compatibility/2006">
-    <mc:Choice xmlns:p14="http://schemas.microsoft.com/office/powerpoint/2010/main" Requires="p14">
+  <mc:AlternateContent xmlns:mc="http://schemas.openxmlformats.org/markup-compatibility/2006" xmlns:p14="http://schemas.microsoft.com/office/powerpoint/2010/main">
+    <mc:Choice Requires="p14">
       <p:transition spd="med" p14:dur="700">
         <p:fade/>
       </p:transition>
     </mc:Choice>
-    <mc:Fallback>
+    <mc:Fallback xmlns="">
       <p:transition spd="med">
         <p:fade/>
       </p:transition>
@@ -8235,23 +7539,6 @@
               </a:rPr>
               <a:t>특징</a:t>
             </a:r>
-            <a:endParaRPr lang="ko-KR" altLang="en-US" sz="2800" b="1" dirty="0" smtClean="0">
-              <a:ln>
-                <a:solidFill>
-                  <a:schemeClr val="bg1">
-                    <a:lumMod val="85000"/>
-                    <a:alpha val="30000"/>
-                  </a:schemeClr>
-                </a:solidFill>
-              </a:ln>
-              <a:solidFill>
-                <a:schemeClr val="accent2">
-                  <a:lumMod val="50000"/>
-                </a:schemeClr>
-              </a:solidFill>
-              <a:ea typeface="+mn-lt"/>
-              <a:cs typeface="+mn-lt"/>
-            </a:endParaRPr>
           </a:p>
         </p:txBody>
       </p:sp>
@@ -8295,20 +7582,6 @@
               </a:rPr>
               <a:t>JSP가 실행되면 WAS는 내부적으로 JSP 파일을 Java Servlet(.java)으로 변환한다.</a:t>
             </a:r>
-            <a:endParaRPr sz="1400" dirty="0" smtClean="0">
-              <a:ln>
-                <a:solidFill>
-                  <a:schemeClr val="tx1">
-                    <a:alpha val="30000"/>
-                  </a:schemeClr>
-                </a:solidFill>
-              </a:ln>
-              <a:solidFill>
-                <a:srgbClr val="272123"/>
-              </a:solidFill>
-              <a:ea typeface="+mn-lt"/>
-              <a:cs typeface="+mn-lt"/>
-            </a:endParaRPr>
           </a:p>
           <a:p>
             <a:pPr algn="ctr"/>
@@ -8329,20 +7602,6 @@
               </a:rPr>
               <a:t>스크립트 언어이기 때문에 자바 기능을 그대로 사용할 수 있다</a:t>
             </a:r>
-            <a:endParaRPr sz="1400" dirty="0" smtClean="0">
-              <a:ln>
-                <a:solidFill>
-                  <a:schemeClr val="tx1">
-                    <a:alpha val="30000"/>
-                  </a:schemeClr>
-                </a:solidFill>
-              </a:ln>
-              <a:solidFill>
-                <a:srgbClr val="272123"/>
-              </a:solidFill>
-              <a:ea typeface="+mn-lt"/>
-              <a:cs typeface="+mn-lt"/>
-            </a:endParaRPr>
           </a:p>
           <a:p>
             <a:pPr algn="ctr"/>
@@ -8398,20 +7657,6 @@
               </a:rPr>
               <a:t>Tomcat(WAS)이 이미 만들어놓은 객체(predefined values)를 사용한다.</a:t>
             </a:r>
-            <a:endParaRPr sz="1400" dirty="0" smtClean="0">
-              <a:ln>
-                <a:solidFill>
-                  <a:schemeClr val="tx1">
-                    <a:alpha val="30000"/>
-                  </a:schemeClr>
-                </a:solidFill>
-              </a:ln>
-              <a:solidFill>
-                <a:srgbClr val="272123"/>
-              </a:solidFill>
-              <a:ea typeface="+mn-lt"/>
-              <a:cs typeface="+mn-lt"/>
-            </a:endParaRPr>
           </a:p>
           <a:p>
             <a:pPr algn="ctr"/>
@@ -8769,20 +8014,6 @@
               </a:rPr>
               <a:t>?</a:t>
             </a:r>
-            <a:endParaRPr lang="en-US" altLang="ko-KR" sz="1400" dirty="0" smtClean="0">
-              <a:ln>
-                <a:solidFill>
-                  <a:schemeClr val="tx1">
-                    <a:alpha val="30000"/>
-                  </a:schemeClr>
-                </a:solidFill>
-              </a:ln>
-              <a:solidFill>
-                <a:srgbClr val="272123"/>
-              </a:solidFill>
-              <a:ea typeface="+mn-lt"/>
-              <a:cs typeface="+mn-lt"/>
-            </a:endParaRPr>
           </a:p>
         </p:txBody>
       </p:sp>
@@ -8843,20 +8074,6 @@
               </a:rPr>
               <a:t>문법</a:t>
             </a:r>
-            <a:endParaRPr lang="ko-KR" altLang="en-US" sz="1400" dirty="0" smtClean="0">
-              <a:ln>
-                <a:solidFill>
-                  <a:schemeClr val="tx1">
-                    <a:alpha val="30000"/>
-                  </a:schemeClr>
-                </a:solidFill>
-              </a:ln>
-              <a:solidFill>
-                <a:srgbClr val="272123"/>
-              </a:solidFill>
-              <a:ea typeface="+mn-lt"/>
-              <a:cs typeface="+mn-lt"/>
-            </a:endParaRPr>
           </a:p>
         </p:txBody>
       </p:sp>
@@ -8899,19 +8116,6 @@
               </a:rPr>
               <a:t>예제</a:t>
             </a:r>
-            <a:endParaRPr lang="ko-KR" altLang="en-US" sz="1400" dirty="0" smtClean="0">
-              <a:ln>
-                <a:solidFill>
-                  <a:schemeClr val="tx1">
-                    <a:alpha val="30000"/>
-                  </a:schemeClr>
-                </a:solidFill>
-              </a:ln>
-              <a:solidFill>
-                <a:srgbClr val="272123"/>
-              </a:solidFill>
-              <a:ea typeface="+mn-lt"/>
-            </a:endParaRPr>
           </a:p>
         </p:txBody>
       </p:sp>
@@ -9046,28 +8250,11 @@
                     <a:lumMod val="95000"/>
                   </a:schemeClr>
                 </a:solidFill>
-                <a:latin typeface="Yoon 윤고딕 520_TT" panose="02090603020101020101" pitchFamily="18" charset="-127"/>
+                <a:latin typeface="+mj-lt"/>
                 <a:ea typeface="Yoon 윤고딕 520_TT" panose="02090603020101020101" pitchFamily="18" charset="-127"/>
               </a:rPr>
               <a:t>01</a:t>
             </a:r>
-            <a:endParaRPr lang="en-US" altLang="ko-KR" sz="1600" dirty="0" smtClean="0">
-              <a:ln>
-                <a:solidFill>
-                  <a:schemeClr val="bg1">
-                    <a:lumMod val="85000"/>
-                    <a:alpha val="30000"/>
-                  </a:schemeClr>
-                </a:solidFill>
-              </a:ln>
-              <a:solidFill>
-                <a:schemeClr val="bg1">
-                  <a:lumMod val="95000"/>
-                </a:schemeClr>
-              </a:solidFill>
-              <a:latin typeface="Yoon 윤고딕 520_TT" panose="02090603020101020101" pitchFamily="18" charset="-127"/>
-              <a:ea typeface="Yoon 윤고딕 520_TT" panose="02090603020101020101" pitchFamily="18" charset="-127"/>
-            </a:endParaRPr>
           </a:p>
         </p:txBody>
       </p:sp>
@@ -9107,27 +8294,11 @@
                     <a:lumMod val="85000"/>
                   </a:schemeClr>
                 </a:solidFill>
-                <a:latin typeface="Yoon 윤고딕 520_TT" panose="02090603020101020101" pitchFamily="18" charset="-127"/>
-                <a:ea typeface="Yoon 윤고딕 520_TT" panose="02090603020101020101" pitchFamily="18" charset="-127"/>
+                <a:latin typeface="맑은 고딕" panose="020B0503020000020004" pitchFamily="50" charset="-127"/>
+                <a:ea typeface="맑은 고딕" panose="020B0503020000020004" pitchFamily="50" charset="-127"/>
               </a:rPr>
               <a:t>02</a:t>
             </a:r>
-            <a:endParaRPr lang="en-US" altLang="ko-KR" sz="1600" dirty="0" smtClean="0">
-              <a:ln>
-                <a:solidFill>
-                  <a:schemeClr val="tx1">
-                    <a:alpha val="30000"/>
-                  </a:schemeClr>
-                </a:solidFill>
-              </a:ln>
-              <a:solidFill>
-                <a:schemeClr val="bg1">
-                  <a:lumMod val="85000"/>
-                </a:schemeClr>
-              </a:solidFill>
-              <a:latin typeface="Yoon 윤고딕 520_TT" panose="02090603020101020101" pitchFamily="18" charset="-127"/>
-              <a:ea typeface="Yoon 윤고딕 520_TT" panose="02090603020101020101" pitchFamily="18" charset="-127"/>
-            </a:endParaRPr>
           </a:p>
         </p:txBody>
       </p:sp>
@@ -9167,27 +8338,11 @@
                     <a:lumMod val="85000"/>
                   </a:schemeClr>
                 </a:solidFill>
-                <a:latin typeface="Yoon 윤고딕 520_TT" panose="02090603020101020101" pitchFamily="18" charset="-127"/>
+                <a:latin typeface="+mj-lt"/>
                 <a:ea typeface="Yoon 윤고딕 520_TT" panose="02090603020101020101" pitchFamily="18" charset="-127"/>
               </a:rPr>
               <a:t>03</a:t>
             </a:r>
-            <a:endParaRPr lang="en-US" altLang="ko-KR" sz="1600" dirty="0" smtClean="0">
-              <a:ln>
-                <a:solidFill>
-                  <a:schemeClr val="tx1">
-                    <a:alpha val="30000"/>
-                  </a:schemeClr>
-                </a:solidFill>
-              </a:ln>
-              <a:solidFill>
-                <a:schemeClr val="bg1">
-                  <a:lumMod val="85000"/>
-                </a:schemeClr>
-              </a:solidFill>
-              <a:latin typeface="Yoon 윤고딕 520_TT" panose="02090603020101020101" pitchFamily="18" charset="-127"/>
-              <a:ea typeface="Yoon 윤고딕 520_TT" panose="02090603020101020101" pitchFamily="18" charset="-127"/>
-            </a:endParaRPr>
           </a:p>
         </p:txBody>
       </p:sp>
@@ -9196,13 +8351,13 @@
   <p:clrMapOvr>
     <a:masterClrMapping/>
   </p:clrMapOvr>
-  <mc:AlternateContent xmlns:mc="http://schemas.openxmlformats.org/markup-compatibility/2006">
-    <mc:Choice xmlns:p14="http://schemas.microsoft.com/office/powerpoint/2010/main" Requires="p14">
+  <mc:AlternateContent xmlns:mc="http://schemas.openxmlformats.org/markup-compatibility/2006" xmlns:p14="http://schemas.microsoft.com/office/powerpoint/2010/main">
+    <mc:Choice Requires="p14">
       <p:transition spd="med" p14:dur="700">
         <p:fade/>
       </p:transition>
     </mc:Choice>
-    <mc:Fallback>
+    <mc:Fallback xmlns="">
       <p:transition spd="med">
         <p:fade/>
       </p:transition>
@@ -9320,23 +8475,6 @@
                 </a:rPr>
                 <a:t>문법</a:t>
               </a:r>
-              <a:endParaRPr lang="ko-KR" altLang="en-US" sz="2400" b="1" dirty="0" smtClean="0">
-                <a:ln>
-                  <a:solidFill>
-                    <a:schemeClr val="bg1">
-                      <a:lumMod val="85000"/>
-                      <a:alpha val="30000"/>
-                    </a:schemeClr>
-                  </a:solidFill>
-                </a:ln>
-                <a:solidFill>
-                  <a:schemeClr val="bg1">
-                    <a:lumMod val="95000"/>
-                  </a:schemeClr>
-                </a:solidFill>
-                <a:ea typeface="+mn-lt"/>
-                <a:cs typeface="+mn-lt"/>
-              </a:endParaRPr>
             </a:p>
           </p:txBody>
         </p:sp>
@@ -9378,28 +8516,10 @@
                       <a:lumMod val="95000"/>
                     </a:schemeClr>
                   </a:solidFill>
-                  <a:latin typeface="Yoon 윤고딕 520_TT" panose="02090603020101020101" pitchFamily="18" charset="-127"/>
                   <a:ea typeface="Yoon 윤고딕 520_TT" panose="02090603020101020101" pitchFamily="18" charset="-127"/>
                 </a:rPr>
                 <a:t>Java Server Page</a:t>
               </a:r>
-              <a:endParaRPr lang="en-US" altLang="ko-KR" sz="1400" b="1" dirty="0" smtClean="0">
-                <a:ln>
-                  <a:solidFill>
-                    <a:schemeClr val="bg1">
-                      <a:lumMod val="85000"/>
-                      <a:alpha val="30000"/>
-                    </a:schemeClr>
-                  </a:solidFill>
-                </a:ln>
-                <a:solidFill>
-                  <a:schemeClr val="bg1">
-                    <a:lumMod val="95000"/>
-                  </a:schemeClr>
-                </a:solidFill>
-                <a:latin typeface="Yoon 윤고딕 520_TT" panose="02090603020101020101" pitchFamily="18" charset="-127"/>
-                <a:ea typeface="Yoon 윤고딕 520_TT" panose="02090603020101020101" pitchFamily="18" charset="-127"/>
-              </a:endParaRPr>
             </a:p>
           </p:txBody>
         </p:sp>
@@ -9409,13 +8529,13 @@
   <p:clrMapOvr>
     <a:masterClrMapping/>
   </p:clrMapOvr>
-  <mc:AlternateContent xmlns:mc="http://schemas.openxmlformats.org/markup-compatibility/2006">
-    <mc:Choice xmlns:p14="http://schemas.microsoft.com/office/powerpoint/2010/main" Requires="p14">
+  <mc:AlternateContent xmlns:mc="http://schemas.openxmlformats.org/markup-compatibility/2006" xmlns:p14="http://schemas.microsoft.com/office/powerpoint/2010/main">
+    <mc:Choice Requires="p14">
       <p:transition spd="med" p14:dur="700">
         <p:fade/>
       </p:transition>
     </mc:Choice>
-    <mc:Fallback>
+    <mc:Fallback xmlns="">
       <p:transition spd="med">
         <p:fade/>
       </p:transition>
@@ -9581,20 +8701,6 @@
               </a:rPr>
               <a:t>란</a:t>
             </a:r>
-            <a:endParaRPr lang="ko-KR" altLang="en-US" sz="1400" dirty="0" smtClean="0">
-              <a:ln>
-                <a:solidFill>
-                  <a:schemeClr val="tx1">
-                    <a:alpha val="30000"/>
-                  </a:schemeClr>
-                </a:solidFill>
-              </a:ln>
-              <a:solidFill>
-                <a:srgbClr val="272123"/>
-              </a:solidFill>
-              <a:ea typeface="+mn-lt"/>
-              <a:cs typeface="+mn-lt"/>
-            </a:endParaRPr>
           </a:p>
         </p:txBody>
       </p:sp>
@@ -9655,20 +8761,6 @@
               </a:rPr>
               <a:t>문법</a:t>
             </a:r>
-            <a:endParaRPr lang="ko-KR" altLang="en-US" sz="1400" dirty="0" smtClean="0">
-              <a:ln>
-                <a:solidFill>
-                  <a:schemeClr val="tx1">
-                    <a:alpha val="30000"/>
-                  </a:schemeClr>
-                </a:solidFill>
-              </a:ln>
-              <a:solidFill>
-                <a:srgbClr val="272123"/>
-              </a:solidFill>
-              <a:ea typeface="+mn-lt"/>
-              <a:cs typeface="+mn-lt"/>
-            </a:endParaRPr>
           </a:p>
         </p:txBody>
       </p:sp>
@@ -10004,12 +9096,166 @@
               </a:rPr>
               <a:t>문법</a:t>
             </a:r>
-            <a:endParaRPr lang="ko-KR" altLang="en-US" sz="2200" b="1" dirty="0" smtClean="0">
+          </a:p>
+        </p:txBody>
+      </p:sp>
+      <p:sp>
+        <p:nvSpPr>
+          <p:cNvPr id="18" name="TextBox 17"/>
+          <p:cNvSpPr txBox="1"/>
+          <p:nvPr/>
+        </p:nvSpPr>
+        <p:spPr>
+          <a:xfrm>
+            <a:off x="2411760" y="3196360"/>
+            <a:ext cx="4667176" cy="337185"/>
+          </a:xfrm>
+          <a:prstGeom prst="rect">
+            <a:avLst/>
+          </a:prstGeom>
+          <a:noFill/>
+        </p:spPr>
+        <p:txBody>
+          <a:bodyPr wrap="square" rtlCol="0">
+            <a:spAutoFit/>
+          </a:bodyPr>
+          <a:lstStyle/>
+          <a:p>
+            <a:pPr marL="285750" indent="-285750">
+              <a:buFont typeface="Arial" panose="020B0604020202020204" pitchFamily="34" charset="0"/>
+              <a:buChar char="•"/>
+            </a:pPr>
+            <a:r>
+              <a:rPr lang="en-US" sz="1600" dirty="0" smtClean="0">
+                <a:ln>
+                  <a:solidFill>
+                    <a:schemeClr val="tx1">
+                      <a:alpha val="30000"/>
+                    </a:schemeClr>
+                  </a:solidFill>
+                </a:ln>
+                <a:solidFill>
+                  <a:schemeClr val="accent6">
+                    <a:lumMod val="50000"/>
+                  </a:schemeClr>
+                </a:solidFill>
+                <a:ea typeface="Yoon 윤고딕 520_TT" panose="02090603020101020101" pitchFamily="18" charset="-127"/>
+              </a:rPr>
+              <a:t>Directive</a:t>
+            </a:r>
+          </a:p>
+        </p:txBody>
+      </p:sp>
+      <p:sp>
+        <p:nvSpPr>
+          <p:cNvPr id="19" name="TextBox 18"/>
+          <p:cNvSpPr txBox="1"/>
+          <p:nvPr/>
+        </p:nvSpPr>
+        <p:spPr>
+          <a:xfrm>
+            <a:off x="2411511" y="3658200"/>
+            <a:ext cx="5709958" cy="1322070"/>
+          </a:xfrm>
+          <a:prstGeom prst="rect">
+            <a:avLst/>
+          </a:prstGeom>
+          <a:noFill/>
+        </p:spPr>
+        <p:txBody>
+          <a:bodyPr wrap="square" rtlCol="0">
+            <a:spAutoFit/>
+          </a:bodyPr>
+          <a:lstStyle/>
+          <a:p>
+            <a:pPr marL="285750" indent="-285750">
+              <a:buFont typeface="Arial" panose="020B0604020202020204" pitchFamily="34" charset="0"/>
+              <a:buChar char="•"/>
+            </a:pPr>
+            <a:r>
+              <a:rPr lang="en-US" altLang="ko-KR" sz="1600" dirty="0" smtClean="0">
+                <a:ln>
+                  <a:solidFill>
+                    <a:schemeClr val="tx1">
+                      <a:alpha val="30000"/>
+                    </a:schemeClr>
+                  </a:solidFill>
+                </a:ln>
+                <a:solidFill>
+                  <a:schemeClr val="accent6">
+                    <a:lumMod val="50000"/>
+                  </a:schemeClr>
+                </a:solidFill>
+                <a:ea typeface="Yoon 윤고딕 520_TT" panose="02090603020101020101" pitchFamily="18" charset="-127"/>
+              </a:rPr>
+              <a:t>Declaration</a:t>
+            </a:r>
+            <a:r>
+              <a:rPr lang="ko-KR" altLang="en-US" sz="1600" dirty="0" smtClean="0">
+                <a:ln>
+                  <a:solidFill>
+                    <a:schemeClr val="tx1">
+                      <a:alpha val="30000"/>
+                    </a:schemeClr>
+                  </a:solidFill>
+                </a:ln>
+                <a:solidFill>
+                  <a:srgbClr val="272123"/>
+                </a:solidFill>
+                <a:ea typeface="Yoon 윤고딕 520_TT" panose="02090603020101020101" pitchFamily="18" charset="-127"/>
+              </a:rPr>
+              <a:t> </a:t>
+            </a:r>
+          </a:p>
+          <a:p>
+            <a:pPr marL="285750" indent="-285750">
+              <a:buFont typeface="Arial" panose="020B0604020202020204" pitchFamily="34" charset="0"/>
+              <a:buChar char="•"/>
+            </a:pPr>
+            <a:endParaRPr lang="ko-KR" altLang="en-US" sz="1600" dirty="0" smtClean="0">
               <a:ln>
                 <a:solidFill>
-                  <a:srgbClr val="7AB53D">
+                  <a:schemeClr val="tx1">
                     <a:alpha val="30000"/>
-                  </a:srgbClr>
+                  </a:schemeClr>
+                </a:solidFill>
+              </a:ln>
+              <a:solidFill>
+                <a:srgbClr val="272123"/>
+              </a:solidFill>
+              <a:ea typeface="Yoon 윤고딕 520_TT" panose="02090603020101020101" pitchFamily="18" charset="-127"/>
+            </a:endParaRPr>
+          </a:p>
+          <a:p>
+            <a:pPr marL="285750" indent="-285750">
+              <a:buFont typeface="Arial" panose="020B0604020202020204" pitchFamily="34" charset="0"/>
+              <a:buChar char="•"/>
+            </a:pPr>
+            <a:r>
+              <a:rPr lang="en-US" sz="1600" dirty="0" smtClean="0">
+                <a:ln>
+                  <a:solidFill>
+                    <a:schemeClr val="tx1">
+                      <a:alpha val="30000"/>
+                    </a:schemeClr>
+                  </a:solidFill>
+                </a:ln>
+                <a:solidFill>
+                  <a:schemeClr val="accent6">
+                    <a:lumMod val="50000"/>
+                  </a:schemeClr>
+                </a:solidFill>
+                <a:ea typeface="Yoon 윤고딕 520_TT" panose="02090603020101020101" pitchFamily="18" charset="-127"/>
+                <a:sym typeface="+mn-ea"/>
+              </a:rPr>
+              <a:t>Expression</a:t>
+            </a:r>
+            <a:endParaRPr lang="en-US" sz="1600" dirty="0" smtClean="0">
+              <a:ln>
+                <a:solidFill>
+                  <a:schemeClr val="tx1">
+                    <a:alpha val="30000"/>
+                  </a:schemeClr>
                 </a:solidFill>
               </a:ln>
               <a:solidFill>
@@ -10017,212 +9263,6 @@
                   <a:lumMod val="50000"/>
                 </a:schemeClr>
               </a:solidFill>
-              <a:ea typeface="+mn-lt"/>
-              <a:cs typeface="+mn-lt"/>
-            </a:endParaRPr>
-          </a:p>
-        </p:txBody>
-      </p:sp>
-      <p:sp>
-        <p:nvSpPr>
-          <p:cNvPr id="18" name="TextBox 17"/>
-          <p:cNvSpPr txBox="1"/>
-          <p:nvPr/>
-        </p:nvSpPr>
-        <p:spPr>
-          <a:xfrm>
-            <a:off x="2411760" y="3196360"/>
-            <a:ext cx="4667176" cy="337185"/>
-          </a:xfrm>
-          <a:prstGeom prst="rect">
-            <a:avLst/>
-          </a:prstGeom>
-          <a:noFill/>
-        </p:spPr>
-        <p:txBody>
-          <a:bodyPr wrap="square" rtlCol="0">
-            <a:spAutoFit/>
-          </a:bodyPr>
-          <a:lstStyle/>
-          <a:p>
-            <a:pPr marL="285750" indent="-285750">
-              <a:buFont typeface="Arial" panose="020B0604020202020204" pitchFamily="34" charset="0"/>
-              <a:buChar char="•"/>
-            </a:pPr>
-            <a:r>
-              <a:rPr lang="en-US" sz="1600" dirty="0" smtClean="0">
-                <a:ln>
-                  <a:solidFill>
-                    <a:schemeClr val="tx1">
-                      <a:alpha val="30000"/>
-                    </a:schemeClr>
-                  </a:solidFill>
-                </a:ln>
-                <a:solidFill>
-                  <a:schemeClr val="accent6">
-                    <a:lumMod val="50000"/>
-                  </a:schemeClr>
-                </a:solidFill>
-                <a:latin typeface="Yoon 윤고딕 520_TT" panose="02090603020101020101" pitchFamily="18" charset="-127"/>
-                <a:ea typeface="Yoon 윤고딕 520_TT" panose="02090603020101020101" pitchFamily="18" charset="-127"/>
-              </a:rPr>
-              <a:t>Directive</a:t>
-            </a:r>
-            <a:endParaRPr lang="en-US" sz="1600" dirty="0" smtClean="0">
-              <a:ln>
-                <a:solidFill>
-                  <a:schemeClr val="tx1">
-                    <a:alpha val="30000"/>
-                  </a:schemeClr>
-                </a:solidFill>
-              </a:ln>
-              <a:solidFill>
-                <a:schemeClr val="accent6">
-                  <a:lumMod val="50000"/>
-                </a:schemeClr>
-              </a:solidFill>
-              <a:latin typeface="Yoon 윤고딕 520_TT" panose="02090603020101020101" pitchFamily="18" charset="-127"/>
-              <a:ea typeface="Yoon 윤고딕 520_TT" panose="02090603020101020101" pitchFamily="18" charset="-127"/>
-            </a:endParaRPr>
-          </a:p>
-        </p:txBody>
-      </p:sp>
-      <p:sp>
-        <p:nvSpPr>
-          <p:cNvPr id="19" name="TextBox 18"/>
-          <p:cNvSpPr txBox="1"/>
-          <p:nvPr/>
-        </p:nvSpPr>
-        <p:spPr>
-          <a:xfrm>
-            <a:off x="2411511" y="3658200"/>
-            <a:ext cx="5709958" cy="1322070"/>
-          </a:xfrm>
-          <a:prstGeom prst="rect">
-            <a:avLst/>
-          </a:prstGeom>
-          <a:noFill/>
-        </p:spPr>
-        <p:txBody>
-          <a:bodyPr wrap="square" rtlCol="0">
-            <a:spAutoFit/>
-          </a:bodyPr>
-          <a:lstStyle/>
-          <a:p>
-            <a:pPr marL="285750" indent="-285750">
-              <a:buFont typeface="Arial" panose="020B0604020202020204" pitchFamily="34" charset="0"/>
-              <a:buChar char="•"/>
-            </a:pPr>
-            <a:r>
-              <a:rPr lang="en-US" altLang="ko-KR" sz="1600" dirty="0" smtClean="0">
-                <a:ln>
-                  <a:solidFill>
-                    <a:schemeClr val="tx1">
-                      <a:alpha val="30000"/>
-                    </a:schemeClr>
-                  </a:solidFill>
-                </a:ln>
-                <a:solidFill>
-                  <a:schemeClr val="accent6">
-                    <a:lumMod val="50000"/>
-                  </a:schemeClr>
-                </a:solidFill>
-                <a:latin typeface="Yoon 윤고딕 520_TT" panose="02090603020101020101" pitchFamily="18" charset="-127"/>
-                <a:ea typeface="Yoon 윤고딕 520_TT" panose="02090603020101020101" pitchFamily="18" charset="-127"/>
-              </a:rPr>
-              <a:t>Declaration</a:t>
-            </a:r>
-            <a:r>
-              <a:rPr lang="ko-KR" altLang="en-US" sz="1600" dirty="0" smtClean="0">
-                <a:ln>
-                  <a:solidFill>
-                    <a:schemeClr val="tx1">
-                      <a:alpha val="30000"/>
-                    </a:schemeClr>
-                  </a:solidFill>
-                </a:ln>
-                <a:solidFill>
-                  <a:srgbClr val="272123"/>
-                </a:solidFill>
-                <a:latin typeface="Yoon 윤고딕 520_TT" panose="02090603020101020101" pitchFamily="18" charset="-127"/>
-                <a:ea typeface="Yoon 윤고딕 520_TT" panose="02090603020101020101" pitchFamily="18" charset="-127"/>
-              </a:rPr>
-              <a:t> </a:t>
-            </a:r>
-            <a:endParaRPr lang="ko-KR" altLang="en-US" sz="1600" dirty="0" smtClean="0">
-              <a:ln>
-                <a:solidFill>
-                  <a:schemeClr val="tx1">
-                    <a:alpha val="30000"/>
-                  </a:schemeClr>
-                </a:solidFill>
-              </a:ln>
-              <a:solidFill>
-                <a:srgbClr val="272123"/>
-              </a:solidFill>
-              <a:latin typeface="Yoon 윤고딕 520_TT" panose="02090603020101020101" pitchFamily="18" charset="-127"/>
-              <a:ea typeface="Yoon 윤고딕 520_TT" panose="02090603020101020101" pitchFamily="18" charset="-127"/>
-            </a:endParaRPr>
-          </a:p>
-          <a:p>
-            <a:pPr marL="285750" indent="-285750">
-              <a:buFont typeface="Arial" panose="020B0604020202020204" pitchFamily="34" charset="0"/>
-              <a:buChar char="•"/>
-            </a:pPr>
-            <a:endParaRPr lang="ko-KR" altLang="en-US" sz="1600" dirty="0" smtClean="0">
-              <a:ln>
-                <a:solidFill>
-                  <a:schemeClr val="tx1">
-                    <a:alpha val="30000"/>
-                  </a:schemeClr>
-                </a:solidFill>
-              </a:ln>
-              <a:solidFill>
-                <a:srgbClr val="272123"/>
-              </a:solidFill>
-              <a:latin typeface="Yoon 윤고딕 520_TT" panose="02090603020101020101" pitchFamily="18" charset="-127"/>
-              <a:ea typeface="Yoon 윤고딕 520_TT" panose="02090603020101020101" pitchFamily="18" charset="-127"/>
-            </a:endParaRPr>
-          </a:p>
-          <a:p>
-            <a:pPr marL="285750" indent="-285750">
-              <a:buFont typeface="Arial" panose="020B0604020202020204" pitchFamily="34" charset="0"/>
-              <a:buChar char="•"/>
-            </a:pPr>
-            <a:r>
-              <a:rPr lang="en-US" sz="1600" dirty="0" smtClean="0">
-                <a:ln>
-                  <a:solidFill>
-                    <a:schemeClr val="tx1">
-                      <a:alpha val="30000"/>
-                    </a:schemeClr>
-                  </a:solidFill>
-                </a:ln>
-                <a:solidFill>
-                  <a:schemeClr val="accent6">
-                    <a:lumMod val="50000"/>
-                  </a:schemeClr>
-                </a:solidFill>
-                <a:latin typeface="Yoon 윤고딕 520_TT" panose="02090603020101020101" pitchFamily="18" charset="-127"/>
-                <a:ea typeface="Yoon 윤고딕 520_TT" panose="02090603020101020101" pitchFamily="18" charset="-127"/>
-                <a:sym typeface="+mn-ea"/>
-              </a:rPr>
-              <a:t>Expression</a:t>
-            </a:r>
-            <a:endParaRPr lang="en-US" sz="1600" dirty="0" smtClean="0">
-              <a:ln>
-                <a:solidFill>
-                  <a:schemeClr val="tx1">
-                    <a:alpha val="30000"/>
-                  </a:schemeClr>
-                </a:solidFill>
-              </a:ln>
-              <a:solidFill>
-                <a:schemeClr val="accent6">
-                  <a:lumMod val="50000"/>
-                </a:schemeClr>
-              </a:solidFill>
-              <a:latin typeface="Yoon 윤고딕 520_TT" panose="02090603020101020101" pitchFamily="18" charset="-127"/>
               <a:ea typeface="Yoon 윤고딕 520_TT" panose="02090603020101020101" pitchFamily="18" charset="-127"/>
             </a:endParaRPr>
           </a:p>
@@ -10242,7 +9282,6 @@
               <a:solidFill>
                 <a:srgbClr val="272123"/>
               </a:solidFill>
-              <a:latin typeface="Yoon 윤고딕 520_TT" panose="02090603020101020101" pitchFamily="18" charset="-127"/>
               <a:ea typeface="Yoon 윤고딕 520_TT" panose="02090603020101020101" pitchFamily="18" charset="-127"/>
             </a:endParaRPr>
           </a:p>
@@ -10265,27 +9304,10 @@
                     <a:lumMod val="50000"/>
                   </a:schemeClr>
                 </a:solidFill>
-                <a:latin typeface="Yoon 윤고딕 520_TT" panose="02090603020101020101" pitchFamily="18" charset="-127"/>
                 <a:ea typeface="Yoon 윤고딕 520_TT" panose="02090603020101020101" pitchFamily="18" charset="-127"/>
               </a:rPr>
               <a:t>Scriptlet</a:t>
             </a:r>
-            <a:endParaRPr lang="en-US" altLang="ko-KR" sz="1600" dirty="0" smtClean="0">
-              <a:ln>
-                <a:solidFill>
-                  <a:schemeClr val="tx1">
-                    <a:alpha val="30000"/>
-                  </a:schemeClr>
-                </a:solidFill>
-              </a:ln>
-              <a:solidFill>
-                <a:schemeClr val="accent6">
-                  <a:lumMod val="50000"/>
-                </a:schemeClr>
-              </a:solidFill>
-              <a:latin typeface="Yoon 윤고딕 520_TT" panose="02090603020101020101" pitchFamily="18" charset="-127"/>
-              <a:ea typeface="Yoon 윤고딕 520_TT" panose="02090603020101020101" pitchFamily="18" charset="-127"/>
-            </a:endParaRPr>
           </a:p>
         </p:txBody>
       </p:sp>
@@ -10325,27 +9347,11 @@
                     <a:lumMod val="85000"/>
                   </a:schemeClr>
                 </a:solidFill>
-                <a:latin typeface="Yoon 윤고딕 520_TT" panose="02090603020101020101" pitchFamily="18" charset="-127"/>
+                <a:latin typeface="+mj-lt"/>
                 <a:ea typeface="Yoon 윤고딕 520_TT" panose="02090603020101020101" pitchFamily="18" charset="-127"/>
               </a:rPr>
               <a:t>02</a:t>
             </a:r>
-            <a:endParaRPr lang="en-US" altLang="ko-KR" sz="1600" dirty="0" smtClean="0">
-              <a:ln>
-                <a:solidFill>
-                  <a:schemeClr val="tx1">
-                    <a:alpha val="30000"/>
-                  </a:schemeClr>
-                </a:solidFill>
-              </a:ln>
-              <a:solidFill>
-                <a:schemeClr val="bg1">
-                  <a:lumMod val="85000"/>
-                </a:schemeClr>
-              </a:solidFill>
-              <a:latin typeface="Yoon 윤고딕 520_TT" panose="02090603020101020101" pitchFamily="18" charset="-127"/>
-              <a:ea typeface="Yoon 윤고딕 520_TT" panose="02090603020101020101" pitchFamily="18" charset="-127"/>
-            </a:endParaRPr>
           </a:p>
         </p:txBody>
       </p:sp>
@@ -10385,27 +9391,11 @@
                     <a:lumMod val="85000"/>
                   </a:schemeClr>
                 </a:solidFill>
-                <a:latin typeface="Yoon 윤고딕 520_TT" panose="02090603020101020101" pitchFamily="18" charset="-127"/>
+                <a:latin typeface="+mj-lt"/>
                 <a:ea typeface="Yoon 윤고딕 520_TT" panose="02090603020101020101" pitchFamily="18" charset="-127"/>
               </a:rPr>
               <a:t>03</a:t>
             </a:r>
-            <a:endParaRPr lang="en-US" altLang="ko-KR" sz="1600" dirty="0" smtClean="0">
-              <a:ln>
-                <a:solidFill>
-                  <a:schemeClr val="tx1">
-                    <a:alpha val="30000"/>
-                  </a:schemeClr>
-                </a:solidFill>
-              </a:ln>
-              <a:solidFill>
-                <a:schemeClr val="bg1">
-                  <a:lumMod val="85000"/>
-                </a:schemeClr>
-              </a:solidFill>
-              <a:latin typeface="Yoon 윤고딕 520_TT" panose="02090603020101020101" pitchFamily="18" charset="-127"/>
-              <a:ea typeface="Yoon 윤고딕 520_TT" panose="02090603020101020101" pitchFamily="18" charset="-127"/>
-            </a:endParaRPr>
           </a:p>
         </p:txBody>
       </p:sp>
@@ -10445,27 +9435,11 @@
                     <a:lumMod val="75000"/>
                   </a:schemeClr>
                 </a:solidFill>
-                <a:latin typeface="Yoon 윤고딕 520_TT" panose="02090603020101020101" pitchFamily="18" charset="-127"/>
+                <a:latin typeface="+mj-lt"/>
                 <a:ea typeface="Yoon 윤고딕 520_TT" panose="02090603020101020101" pitchFamily="18" charset="-127"/>
               </a:rPr>
               <a:t>01</a:t>
             </a:r>
-            <a:endParaRPr lang="en-US" altLang="ko-KR" sz="1600" dirty="0" smtClean="0">
-              <a:ln>
-                <a:solidFill>
-                  <a:schemeClr val="tx1">
-                    <a:alpha val="30000"/>
-                  </a:schemeClr>
-                </a:solidFill>
-              </a:ln>
-              <a:solidFill>
-                <a:schemeClr val="bg1">
-                  <a:lumMod val="75000"/>
-                </a:schemeClr>
-              </a:solidFill>
-              <a:latin typeface="Yoon 윤고딕 520_TT" panose="02090603020101020101" pitchFamily="18" charset="-127"/>
-              <a:ea typeface="Yoon 윤고딕 520_TT" panose="02090603020101020101" pitchFamily="18" charset="-127"/>
-            </a:endParaRPr>
           </a:p>
         </p:txBody>
       </p:sp>
@@ -10474,13 +9448,13 @@
   <p:clrMapOvr>
     <a:masterClrMapping/>
   </p:clrMapOvr>
-  <mc:AlternateContent xmlns:mc="http://schemas.openxmlformats.org/markup-compatibility/2006">
-    <mc:Choice xmlns:p14="http://schemas.microsoft.com/office/powerpoint/2010/main" Requires="p14">
+  <mc:AlternateContent xmlns:mc="http://schemas.openxmlformats.org/markup-compatibility/2006" xmlns:p14="http://schemas.microsoft.com/office/powerpoint/2010/main">
+    <mc:Choice Requires="p14">
       <p:transition spd="med" p14:dur="700">
         <p:fade/>
       </p:transition>
     </mc:Choice>
-    <mc:Fallback>
+    <mc:Fallback xmlns="">
       <p:transition spd="med">
         <p:fade/>
       </p:transition>
@@ -10646,20 +9620,6 @@
               </a:rPr>
               <a:t>란</a:t>
             </a:r>
-            <a:endParaRPr lang="ko-KR" altLang="en-US" sz="1400" dirty="0" smtClean="0">
-              <a:ln>
-                <a:solidFill>
-                  <a:schemeClr val="tx1">
-                    <a:alpha val="30000"/>
-                  </a:schemeClr>
-                </a:solidFill>
-              </a:ln>
-              <a:solidFill>
-                <a:srgbClr val="272123"/>
-              </a:solidFill>
-              <a:ea typeface="+mn-lt"/>
-              <a:cs typeface="+mn-lt"/>
-            </a:endParaRPr>
           </a:p>
         </p:txBody>
       </p:sp>
@@ -10720,20 +9680,6 @@
               </a:rPr>
               <a:t>문법</a:t>
             </a:r>
-            <a:endParaRPr lang="ko-KR" altLang="en-US" sz="1400" dirty="0" smtClean="0">
-              <a:ln>
-                <a:solidFill>
-                  <a:schemeClr val="tx1">
-                    <a:alpha val="30000"/>
-                  </a:schemeClr>
-                </a:solidFill>
-              </a:ln>
-              <a:solidFill>
-                <a:srgbClr val="272123"/>
-              </a:solidFill>
-              <a:ea typeface="+mn-lt"/>
-              <a:cs typeface="+mn-lt"/>
-            </a:endParaRPr>
           </a:p>
         </p:txBody>
       </p:sp>
@@ -10946,22 +9892,6 @@
               </a:rPr>
               <a:t>Directive</a:t>
             </a:r>
-            <a:endParaRPr lang="en-US" altLang="ko-KR" sz="2200" b="1" dirty="0" smtClean="0">
-              <a:ln>
-                <a:solidFill>
-                  <a:srgbClr val="7AB53D">
-                    <a:alpha val="30000"/>
-                  </a:srgbClr>
-                </a:solidFill>
-              </a:ln>
-              <a:solidFill>
-                <a:schemeClr val="accent6">
-                  <a:lumMod val="50000"/>
-                </a:schemeClr>
-              </a:solidFill>
-              <a:ea typeface="+mn-lt"/>
-              <a:cs typeface="+mn-lt"/>
-            </a:endParaRPr>
           </a:p>
         </p:txBody>
       </p:sp>
@@ -11177,7 +10107,78 @@
               </a:rPr>
               <a:t>&lt;%@ %&gt;</a:t>
             </a:r>
-            <a:endParaRPr lang="en-US" altLang="ko-KR" sz="1600" dirty="0" smtClean="0">
+          </a:p>
+          <a:p>
+            <a:pPr indent="0">
+              <a:buFont typeface="Arial" panose="020B0604020202020204" pitchFamily="34" charset="0"/>
+              <a:buNone/>
+            </a:pPr>
+            <a:r>
+              <a:rPr lang="ko-KR" altLang="en-US" sz="1600" dirty="0" smtClean="0">
+                <a:ln>
+                  <a:solidFill>
+                    <a:schemeClr val="tx1">
+                      <a:alpha val="30000"/>
+                    </a:schemeClr>
+                  </a:solidFill>
+                </a:ln>
+                <a:solidFill>
+                  <a:srgbClr val="272123"/>
+                </a:solidFill>
+                <a:ea typeface="+mn-lt"/>
+                <a:cs typeface="+mn-lt"/>
+              </a:rPr>
+              <a:t> </a:t>
+            </a:r>
+            <a:r>
+              <a:rPr lang="ko-KR" altLang="en-US" sz="1400" dirty="0" smtClean="0">
+                <a:ln>
+                  <a:solidFill>
+                    <a:schemeClr val="tx1">
+                      <a:alpha val="30000"/>
+                    </a:schemeClr>
+                  </a:solidFill>
+                </a:ln>
+                <a:solidFill>
+                  <a:srgbClr val="272123"/>
+                </a:solidFill>
+                <a:ea typeface="+mn-lt"/>
+                <a:cs typeface="+mn-lt"/>
+              </a:rPr>
+              <a:t>page 지시어는 Container에 명령을 제공하는데 사용된다.</a:t>
+            </a:r>
+          </a:p>
+          <a:p>
+            <a:pPr indent="0">
+              <a:buFont typeface="Arial" panose="020B0604020202020204" pitchFamily="34" charset="0"/>
+              <a:buNone/>
+            </a:pPr>
+            <a:r>
+              <a:rPr lang="en-US" altLang="ko-KR" sz="1400" dirty="0" smtClean="0">
+                <a:ln>
+                  <a:solidFill>
+                    <a:schemeClr val="tx1">
+                      <a:alpha val="30000"/>
+                    </a:schemeClr>
+                  </a:solidFill>
+                </a:ln>
+                <a:solidFill>
+                  <a:schemeClr val="accent5">
+                    <a:lumMod val="50000"/>
+                  </a:schemeClr>
+                </a:solidFill>
+                <a:ea typeface="+mn-lt"/>
+                <a:cs typeface="+mn-lt"/>
+              </a:rPr>
+              <a:t>ex) &lt;%@ page contentType = “text/html” %&gt;</a:t>
+            </a:r>
+          </a:p>
+          <a:p>
+            <a:pPr indent="0">
+              <a:buFont typeface="Arial" panose="020B0604020202020204" pitchFamily="34" charset="0"/>
+              <a:buNone/>
+            </a:pPr>
+            <a:endParaRPr lang="en-US" altLang="ko-KR" sz="1400" dirty="0" smtClean="0">
               <a:ln>
                 <a:solidFill>
                   <a:schemeClr val="tx1">
@@ -11198,7 +10199,7 @@
               <a:buNone/>
             </a:pPr>
             <a:r>
-              <a:rPr lang="ko-KR" altLang="en-US" sz="1600" dirty="0" smtClean="0">
+              <a:rPr lang="en-US" altLang="ko-KR" sz="1400" dirty="0" smtClean="0">
                 <a:ln>
                   <a:solidFill>
                     <a:schemeClr val="tx1">
@@ -11212,39 +10213,8 @@
                 <a:ea typeface="+mn-lt"/>
                 <a:cs typeface="+mn-lt"/>
               </a:rPr>
-              <a:t> </a:t>
-            </a:r>
-            <a:r>
-              <a:rPr lang="ko-KR" altLang="en-US" sz="1400" dirty="0" smtClean="0">
-                <a:ln>
-                  <a:solidFill>
-                    <a:schemeClr val="tx1">
-                      <a:alpha val="30000"/>
-                    </a:schemeClr>
-                  </a:solidFill>
-                </a:ln>
-                <a:solidFill>
-                  <a:srgbClr val="272123"/>
-                </a:solidFill>
-                <a:ea typeface="+mn-lt"/>
-                <a:cs typeface="+mn-lt"/>
-              </a:rPr>
-              <a:t>page 지시어는 Container에 명령을 제공하는데 사용된다.</a:t>
-            </a:r>
-            <a:endParaRPr lang="ko-KR" altLang="en-US" sz="1400" dirty="0" smtClean="0">
-              <a:ln>
-                <a:solidFill>
-                  <a:schemeClr val="tx1">
-                    <a:alpha val="30000"/>
-                  </a:schemeClr>
-                </a:solidFill>
-              </a:ln>
-              <a:solidFill>
-                <a:srgbClr val="272123"/>
-              </a:solidFill>
-              <a:ea typeface="+mn-lt"/>
-              <a:cs typeface="+mn-lt"/>
-            </a:endParaRPr>
+              <a:t>include 지시어는 변환 단계에서 다른 외부 파일의 내용을 현재 JSP에 병합하도록 Container에 지시한다.</a:t>
+            </a:r>
           </a:p>
           <a:p>
             <a:pPr indent="0">
@@ -11268,122 +10238,8 @@
                 <a:ea typeface="+mn-lt"/>
                 <a:cs typeface="+mn-lt"/>
               </a:rPr>
-              <a:t>ex) &lt;%@ page contentType = “text/html” %&gt;</a:t>
-            </a:r>
-            <a:endParaRPr lang="en-US" altLang="ko-KR" sz="1400" dirty="0" smtClean="0">
-              <a:ln>
-                <a:solidFill>
-                  <a:schemeClr val="tx1">
-                    <a:alpha val="30000"/>
-                  </a:schemeClr>
-                </a:solidFill>
-              </a:ln>
-              <a:solidFill>
-                <a:schemeClr val="accent5">
-                  <a:lumMod val="50000"/>
-                </a:schemeClr>
-              </a:solidFill>
-              <a:ea typeface="+mn-lt"/>
-              <a:cs typeface="+mn-lt"/>
-            </a:endParaRPr>
-          </a:p>
-          <a:p>
-            <a:pPr indent="0">
-              <a:buFont typeface="Arial" panose="020B0604020202020204" pitchFamily="34" charset="0"/>
-              <a:buNone/>
-            </a:pPr>
-            <a:endParaRPr lang="en-US" altLang="ko-KR" sz="1400" dirty="0" smtClean="0">
-              <a:ln>
-                <a:solidFill>
-                  <a:schemeClr val="tx1">
-                    <a:alpha val="30000"/>
-                  </a:schemeClr>
-                </a:solidFill>
-              </a:ln>
-              <a:solidFill>
-                <a:srgbClr val="272123"/>
-              </a:solidFill>
-              <a:ea typeface="+mn-lt"/>
-              <a:cs typeface="+mn-lt"/>
-            </a:endParaRPr>
-          </a:p>
-          <a:p>
-            <a:pPr indent="0">
-              <a:buFont typeface="Arial" panose="020B0604020202020204" pitchFamily="34" charset="0"/>
-              <a:buNone/>
-            </a:pPr>
-            <a:r>
-              <a:rPr lang="en-US" altLang="ko-KR" sz="1400" dirty="0" smtClean="0">
-                <a:ln>
-                  <a:solidFill>
-                    <a:schemeClr val="tx1">
-                      <a:alpha val="30000"/>
-                    </a:schemeClr>
-                  </a:solidFill>
-                </a:ln>
-                <a:solidFill>
-                  <a:srgbClr val="272123"/>
-                </a:solidFill>
-                <a:ea typeface="+mn-lt"/>
-                <a:cs typeface="+mn-lt"/>
-              </a:rPr>
-              <a:t>include 지시어는 변환 단계에서 다른 외부 파일의 내용을 현재 JSP에 병합하도록 Container에 지시한다.</a:t>
-            </a:r>
-            <a:endParaRPr lang="en-US" altLang="ko-KR" sz="1400" dirty="0" smtClean="0">
-              <a:ln>
-                <a:solidFill>
-                  <a:schemeClr val="tx1">
-                    <a:alpha val="30000"/>
-                  </a:schemeClr>
-                </a:solidFill>
-              </a:ln>
-              <a:solidFill>
-                <a:srgbClr val="272123"/>
-              </a:solidFill>
-              <a:ea typeface="+mn-lt"/>
-              <a:cs typeface="+mn-lt"/>
-            </a:endParaRPr>
-          </a:p>
-          <a:p>
-            <a:pPr indent="0">
-              <a:buFont typeface="Arial" panose="020B0604020202020204" pitchFamily="34" charset="0"/>
-              <a:buNone/>
-            </a:pPr>
-            <a:r>
-              <a:rPr lang="en-US" altLang="ko-KR" sz="1400" dirty="0" smtClean="0">
-                <a:ln>
-                  <a:solidFill>
-                    <a:schemeClr val="tx1">
-                      <a:alpha val="30000"/>
-                    </a:schemeClr>
-                  </a:solidFill>
-                </a:ln>
-                <a:solidFill>
-                  <a:schemeClr val="accent5">
-                    <a:lumMod val="50000"/>
-                  </a:schemeClr>
-                </a:solidFill>
-                <a:ea typeface="+mn-lt"/>
-                <a:cs typeface="+mn-lt"/>
-              </a:rPr>
               <a:t>ex) &lt;%@ include file = “jibun_address.jsp” %&gt;</a:t>
             </a:r>
-            <a:endParaRPr lang="en-US" altLang="ko-KR" sz="1400" dirty="0" smtClean="0">
-              <a:ln>
-                <a:solidFill>
-                  <a:schemeClr val="tx1">
-                    <a:alpha val="30000"/>
-                  </a:schemeClr>
-                </a:solidFill>
-              </a:ln>
-              <a:solidFill>
-                <a:schemeClr val="accent5">
-                  <a:lumMod val="50000"/>
-                </a:schemeClr>
-              </a:solidFill>
-              <a:ea typeface="+mn-lt"/>
-              <a:cs typeface="+mn-lt"/>
-            </a:endParaRPr>
           </a:p>
           <a:p>
             <a:pPr indent="0">
@@ -11597,27 +10453,11 @@
                     <a:lumMod val="85000"/>
                   </a:schemeClr>
                 </a:solidFill>
-                <a:latin typeface="Yoon 윤고딕 520_TT" panose="02090603020101020101" pitchFamily="18" charset="-127"/>
+                <a:latin typeface="+mj-lt"/>
                 <a:ea typeface="Yoon 윤고딕 520_TT" panose="02090603020101020101" pitchFamily="18" charset="-127"/>
               </a:rPr>
               <a:t>02</a:t>
             </a:r>
-            <a:endParaRPr lang="en-US" altLang="ko-KR" sz="1600" dirty="0" smtClean="0">
-              <a:ln>
-                <a:solidFill>
-                  <a:schemeClr val="tx1">
-                    <a:alpha val="30000"/>
-                  </a:schemeClr>
-                </a:solidFill>
-              </a:ln>
-              <a:solidFill>
-                <a:schemeClr val="bg1">
-                  <a:lumMod val="85000"/>
-                </a:schemeClr>
-              </a:solidFill>
-              <a:latin typeface="Yoon 윤고딕 520_TT" panose="02090603020101020101" pitchFamily="18" charset="-127"/>
-              <a:ea typeface="Yoon 윤고딕 520_TT" panose="02090603020101020101" pitchFamily="18" charset="-127"/>
-            </a:endParaRPr>
           </a:p>
         </p:txBody>
       </p:sp>
@@ -11657,27 +10497,11 @@
                     <a:lumMod val="85000"/>
                   </a:schemeClr>
                 </a:solidFill>
-                <a:latin typeface="Yoon 윤고딕 520_TT" panose="02090603020101020101" pitchFamily="18" charset="-127"/>
+                <a:latin typeface="+mj-lt"/>
                 <a:ea typeface="Yoon 윤고딕 520_TT" panose="02090603020101020101" pitchFamily="18" charset="-127"/>
               </a:rPr>
               <a:t>03</a:t>
             </a:r>
-            <a:endParaRPr lang="en-US" altLang="ko-KR" sz="1600" dirty="0" smtClean="0">
-              <a:ln>
-                <a:solidFill>
-                  <a:schemeClr val="tx1">
-                    <a:alpha val="30000"/>
-                  </a:schemeClr>
-                </a:solidFill>
-              </a:ln>
-              <a:solidFill>
-                <a:schemeClr val="bg1">
-                  <a:lumMod val="85000"/>
-                </a:schemeClr>
-              </a:solidFill>
-              <a:latin typeface="Yoon 윤고딕 520_TT" panose="02090603020101020101" pitchFamily="18" charset="-127"/>
-              <a:ea typeface="Yoon 윤고딕 520_TT" panose="02090603020101020101" pitchFamily="18" charset="-127"/>
-            </a:endParaRPr>
           </a:p>
         </p:txBody>
       </p:sp>
@@ -11717,27 +10541,11 @@
                     <a:lumMod val="75000"/>
                   </a:schemeClr>
                 </a:solidFill>
-                <a:latin typeface="Yoon 윤고딕 520_TT" panose="02090603020101020101" pitchFamily="18" charset="-127"/>
+                <a:latin typeface="+mj-lt"/>
                 <a:ea typeface="Yoon 윤고딕 520_TT" panose="02090603020101020101" pitchFamily="18" charset="-127"/>
               </a:rPr>
               <a:t>01</a:t>
             </a:r>
-            <a:endParaRPr lang="en-US" altLang="ko-KR" sz="1600" dirty="0" smtClean="0">
-              <a:ln>
-                <a:solidFill>
-                  <a:schemeClr val="tx1">
-                    <a:alpha val="30000"/>
-                  </a:schemeClr>
-                </a:solidFill>
-              </a:ln>
-              <a:solidFill>
-                <a:schemeClr val="bg1">
-                  <a:lumMod val="75000"/>
-                </a:schemeClr>
-              </a:solidFill>
-              <a:latin typeface="Yoon 윤고딕 520_TT" panose="02090603020101020101" pitchFamily="18" charset="-127"/>
-              <a:ea typeface="Yoon 윤고딕 520_TT" panose="02090603020101020101" pitchFamily="18" charset="-127"/>
-            </a:endParaRPr>
           </a:p>
         </p:txBody>
       </p:sp>
@@ -11783,6 +10591,7 @@
         </p:style>
         <p:txBody>
           <a:bodyPr rtlCol="0" anchor="ctr"/>
+          <a:lstStyle/>
           <a:p>
             <a:pPr algn="ctr"/>
             <a:endParaRPr lang="ko-KR" altLang="en-US">
@@ -11835,6 +10644,7 @@
         </p:style>
         <p:txBody>
           <a:bodyPr rtlCol="0" anchor="ctr"/>
+          <a:lstStyle/>
           <a:p>
             <a:pPr algn="ctr"/>
             <a:endParaRPr lang="ko-KR" altLang="en-US">
@@ -11887,6 +10697,7 @@
         </p:style>
         <p:txBody>
           <a:bodyPr rtlCol="0" anchor="ctr"/>
+          <a:lstStyle/>
           <a:p>
             <a:pPr algn="ctr"/>
             <a:endParaRPr lang="ko-KR" altLang="en-US">
@@ -11902,13 +10713,13 @@
   <p:clrMapOvr>
     <a:masterClrMapping/>
   </p:clrMapOvr>
-  <mc:AlternateContent xmlns:mc="http://schemas.openxmlformats.org/markup-compatibility/2006">
-    <mc:Choice xmlns:p14="http://schemas.microsoft.com/office/powerpoint/2010/main" Requires="p14">
+  <mc:AlternateContent xmlns:mc="http://schemas.openxmlformats.org/markup-compatibility/2006" xmlns:p14="http://schemas.microsoft.com/office/powerpoint/2010/main">
+    <mc:Choice Requires="p14">
       <p:transition spd="med" p14:dur="700">
         <p:fade/>
       </p:transition>
     </mc:Choice>
-    <mc:Fallback>
+    <mc:Fallback xmlns="">
       <p:transition spd="med">
         <p:fade/>
       </p:transition>
@@ -12074,20 +10885,6 @@
               </a:rPr>
               <a:t>란</a:t>
             </a:r>
-            <a:endParaRPr lang="ko-KR" altLang="en-US" sz="1400" dirty="0" smtClean="0">
-              <a:ln>
-                <a:solidFill>
-                  <a:schemeClr val="tx1">
-                    <a:alpha val="30000"/>
-                  </a:schemeClr>
-                </a:solidFill>
-              </a:ln>
-              <a:solidFill>
-                <a:srgbClr val="272123"/>
-              </a:solidFill>
-              <a:ea typeface="+mn-lt"/>
-              <a:cs typeface="+mn-lt"/>
-            </a:endParaRPr>
           </a:p>
         </p:txBody>
       </p:sp>
@@ -12148,20 +10945,6 @@
               </a:rPr>
               <a:t>문법</a:t>
             </a:r>
-            <a:endParaRPr lang="ko-KR" altLang="en-US" sz="1400" dirty="0" smtClean="0">
-              <a:ln>
-                <a:solidFill>
-                  <a:schemeClr val="tx1">
-                    <a:alpha val="30000"/>
-                  </a:schemeClr>
-                </a:solidFill>
-              </a:ln>
-              <a:solidFill>
-                <a:srgbClr val="272123"/>
-              </a:solidFill>
-              <a:ea typeface="+mn-lt"/>
-              <a:cs typeface="+mn-lt"/>
-            </a:endParaRPr>
           </a:p>
         </p:txBody>
       </p:sp>
@@ -12374,22 +11157,6 @@
               </a:rPr>
               <a:t>Declaration</a:t>
             </a:r>
-            <a:endParaRPr lang="en-US" altLang="ko-KR" sz="2200" b="1" dirty="0" smtClean="0">
-              <a:ln>
-                <a:solidFill>
-                  <a:srgbClr val="7AB53D">
-                    <a:alpha val="30000"/>
-                  </a:srgbClr>
-                </a:solidFill>
-              </a:ln>
-              <a:solidFill>
-                <a:schemeClr val="accent6">
-                  <a:lumMod val="50000"/>
-                </a:schemeClr>
-              </a:solidFill>
-              <a:ea typeface="+mn-lt"/>
-              <a:cs typeface="+mn-lt"/>
-            </a:endParaRPr>
           </a:p>
         </p:txBody>
       </p:sp>
@@ -12530,20 +11297,6 @@
               </a:rPr>
               <a:t>메서드와 변수 모두 선언할 수 있다.</a:t>
             </a:r>
-            <a:endParaRPr lang="en-US" altLang="ko-KR" sz="1400" dirty="0" smtClean="0">
-              <a:ln>
-                <a:solidFill>
-                  <a:schemeClr val="tx1">
-                    <a:alpha val="30000"/>
-                  </a:schemeClr>
-                </a:solidFill>
-              </a:ln>
-              <a:solidFill>
-                <a:srgbClr val="FF0000"/>
-              </a:solidFill>
-              <a:ea typeface="+mn-lt"/>
-              <a:cs typeface="+mn-lt"/>
-            </a:endParaRPr>
           </a:p>
           <a:p>
             <a:pPr marL="285750" indent="-285750">
@@ -12584,20 +11337,6 @@
               </a:rPr>
               <a:t>.</a:t>
             </a:r>
-            <a:endParaRPr lang="en-US" altLang="ko-KR" sz="1600" dirty="0" smtClean="0">
-              <a:ln>
-                <a:solidFill>
-                  <a:schemeClr val="tx1">
-                    <a:alpha val="30000"/>
-                  </a:schemeClr>
-                </a:solidFill>
-              </a:ln>
-              <a:solidFill>
-                <a:srgbClr val="FF0000"/>
-              </a:solidFill>
-              <a:ea typeface="+mn-lt"/>
-              <a:cs typeface="+mn-lt"/>
-            </a:endParaRPr>
           </a:p>
           <a:p>
             <a:pPr marL="285750" indent="-285750">
@@ -12914,6 +11653,137 @@
               </a:rPr>
               <a:t>%&gt;</a:t>
             </a:r>
+          </a:p>
+          <a:p>
+            <a:pPr marL="285750" indent="-285750">
+              <a:buFont typeface="Arial" panose="020B0604020202020204" pitchFamily="34" charset="0"/>
+              <a:buChar char="•"/>
+            </a:pPr>
+            <a:r>
+              <a:rPr lang="en-US" altLang="ko-KR" sz="1600" dirty="0" smtClean="0">
+                <a:ln>
+                  <a:solidFill>
+                    <a:schemeClr val="tx1">
+                      <a:alpha val="30000"/>
+                    </a:schemeClr>
+                  </a:solidFill>
+                </a:ln>
+                <a:solidFill>
+                  <a:srgbClr val="7030A0"/>
+                </a:solidFill>
+                <a:ea typeface="+mn-lt"/>
+                <a:cs typeface="+mn-lt"/>
+              </a:rPr>
+              <a:t>&lt;%= str[1]%&gt; = “</a:t>
+            </a:r>
+            <a:r>
+              <a:rPr lang="ko-KR" altLang="en-US" sz="1600" dirty="0" smtClean="0">
+                <a:ln>
+                  <a:solidFill>
+                    <a:schemeClr val="tx1">
+                      <a:alpha val="30000"/>
+                    </a:schemeClr>
+                  </a:solidFill>
+                </a:ln>
+                <a:solidFill>
+                  <a:srgbClr val="7030A0"/>
+                </a:solidFill>
+                <a:ea typeface="+mn-lt"/>
+                <a:cs typeface="+mn-lt"/>
+              </a:rPr>
+              <a:t>기모찌</a:t>
+            </a:r>
+            <a:r>
+              <a:rPr lang="en-US" altLang="ko-KR" sz="1600" dirty="0" smtClean="0">
+                <a:ln>
+                  <a:solidFill>
+                    <a:schemeClr val="tx1">
+                      <a:alpha val="30000"/>
+                    </a:schemeClr>
+                  </a:solidFill>
+                </a:ln>
+                <a:solidFill>
+                  <a:srgbClr val="7030A0"/>
+                </a:solidFill>
+                <a:ea typeface="+mn-lt"/>
+                <a:cs typeface="+mn-lt"/>
+              </a:rPr>
+              <a:t>”</a:t>
+            </a:r>
+            <a:r>
+              <a:rPr lang="ko-KR" altLang="en-US" sz="1600" dirty="0" smtClean="0">
+                <a:ln>
+                  <a:solidFill>
+                    <a:schemeClr val="tx1">
+                      <a:alpha val="30000"/>
+                    </a:schemeClr>
+                  </a:solidFill>
+                </a:ln>
+                <a:solidFill>
+                  <a:srgbClr val="7030A0"/>
+                </a:solidFill>
+                <a:ea typeface="+mn-lt"/>
+                <a:cs typeface="+mn-lt"/>
+              </a:rPr>
+              <a:t>가 나옵니다</a:t>
+            </a:r>
+            <a:r>
+              <a:rPr lang="en-US" altLang="ko-KR" sz="1600" dirty="0" smtClean="0">
+                <a:ln>
+                  <a:solidFill>
+                    <a:schemeClr val="tx1">
+                      <a:alpha val="30000"/>
+                    </a:schemeClr>
+                  </a:solidFill>
+                </a:ln>
+                <a:solidFill>
+                  <a:srgbClr val="7030A0"/>
+                </a:solidFill>
+                <a:ea typeface="+mn-lt"/>
+                <a:cs typeface="+mn-lt"/>
+              </a:rPr>
+              <a:t>. </a:t>
+            </a:r>
+            <a:r>
+              <a:rPr lang="ko-KR" altLang="en-US" sz="1600" dirty="0" smtClean="0">
+                <a:ln>
+                  <a:solidFill>
+                    <a:schemeClr val="tx1">
+                      <a:alpha val="30000"/>
+                    </a:schemeClr>
+                  </a:solidFill>
+                </a:ln>
+                <a:solidFill>
+                  <a:srgbClr val="7030A0"/>
+                </a:solidFill>
+                <a:ea typeface="+mn-lt"/>
+                <a:cs typeface="+mn-lt"/>
+              </a:rPr>
+              <a:t>ㅇㅋ</a:t>
+            </a:r>
+            <a:r>
+              <a:rPr lang="en-US" altLang="ko-KR" sz="1600" dirty="0" smtClean="0">
+                <a:ln>
+                  <a:solidFill>
+                    <a:schemeClr val="tx1">
+                      <a:alpha val="30000"/>
+                    </a:schemeClr>
+                  </a:solidFill>
+                </a:ln>
+                <a:solidFill>
+                  <a:srgbClr val="7030A0"/>
+                </a:solidFill>
+                <a:ea typeface="+mn-lt"/>
+                <a:cs typeface="+mn-lt"/>
+              </a:rPr>
+              <a:t>?</a:t>
+            </a:r>
+          </a:p>
+          <a:p>
+            <a:pPr marL="285750" indent="-285750">
+              <a:buFont typeface="Arial" panose="020B0604020202020204" pitchFamily="34" charset="0"/>
+              <a:buChar char="•"/>
+            </a:pPr>
             <a:endParaRPr lang="en-US" altLang="ko-KR" sz="1600" dirty="0" smtClean="0">
               <a:ln>
                 <a:solidFill>
@@ -12929,165 +11799,6 @@
               <a:cs typeface="+mn-lt"/>
             </a:endParaRPr>
           </a:p>
-          <a:p>
-            <a:pPr marL="285750" indent="-285750">
-              <a:buFont typeface="Arial" panose="020B0604020202020204" pitchFamily="34" charset="0"/>
-              <a:buChar char="•"/>
-            </a:pPr>
-            <a:r>
-              <a:rPr lang="en-US" altLang="ko-KR" sz="1600" dirty="0" smtClean="0">
-                <a:ln>
-                  <a:solidFill>
-                    <a:schemeClr val="tx1">
-                      <a:alpha val="30000"/>
-                    </a:schemeClr>
-                  </a:solidFill>
-                </a:ln>
-                <a:solidFill>
-                  <a:srgbClr val="7030A0"/>
-                </a:solidFill>
-                <a:ea typeface="+mn-lt"/>
-                <a:cs typeface="+mn-lt"/>
-              </a:rPr>
-              <a:t>&lt;%= str[1]%&gt; = “</a:t>
-            </a:r>
-            <a:r>
-              <a:rPr lang="ko-KR" altLang="en-US" sz="1600" dirty="0" smtClean="0">
-                <a:ln>
-                  <a:solidFill>
-                    <a:schemeClr val="tx1">
-                      <a:alpha val="30000"/>
-                    </a:schemeClr>
-                  </a:solidFill>
-                </a:ln>
-                <a:solidFill>
-                  <a:srgbClr val="7030A0"/>
-                </a:solidFill>
-                <a:ea typeface="+mn-lt"/>
-                <a:cs typeface="+mn-lt"/>
-              </a:rPr>
-              <a:t>기모찌</a:t>
-            </a:r>
-            <a:r>
-              <a:rPr lang="en-US" altLang="ko-KR" sz="1600" dirty="0" smtClean="0">
-                <a:ln>
-                  <a:solidFill>
-                    <a:schemeClr val="tx1">
-                      <a:alpha val="30000"/>
-                    </a:schemeClr>
-                  </a:solidFill>
-                </a:ln>
-                <a:solidFill>
-                  <a:srgbClr val="7030A0"/>
-                </a:solidFill>
-                <a:ea typeface="+mn-lt"/>
-                <a:cs typeface="+mn-lt"/>
-              </a:rPr>
-              <a:t>”</a:t>
-            </a:r>
-            <a:r>
-              <a:rPr lang="ko-KR" altLang="en-US" sz="1600" dirty="0" smtClean="0">
-                <a:ln>
-                  <a:solidFill>
-                    <a:schemeClr val="tx1">
-                      <a:alpha val="30000"/>
-                    </a:schemeClr>
-                  </a:solidFill>
-                </a:ln>
-                <a:solidFill>
-                  <a:srgbClr val="7030A0"/>
-                </a:solidFill>
-                <a:ea typeface="+mn-lt"/>
-                <a:cs typeface="+mn-lt"/>
-              </a:rPr>
-              <a:t>가 나옵니다</a:t>
-            </a:r>
-            <a:r>
-              <a:rPr lang="en-US" altLang="ko-KR" sz="1600" dirty="0" smtClean="0">
-                <a:ln>
-                  <a:solidFill>
-                    <a:schemeClr val="tx1">
-                      <a:alpha val="30000"/>
-                    </a:schemeClr>
-                  </a:solidFill>
-                </a:ln>
-                <a:solidFill>
-                  <a:srgbClr val="7030A0"/>
-                </a:solidFill>
-                <a:ea typeface="+mn-lt"/>
-                <a:cs typeface="+mn-lt"/>
-              </a:rPr>
-              <a:t>. </a:t>
-            </a:r>
-            <a:r>
-              <a:rPr lang="ko-KR" altLang="en-US" sz="1600" dirty="0" smtClean="0">
-                <a:ln>
-                  <a:solidFill>
-                    <a:schemeClr val="tx1">
-                      <a:alpha val="30000"/>
-                    </a:schemeClr>
-                  </a:solidFill>
-                </a:ln>
-                <a:solidFill>
-                  <a:srgbClr val="7030A0"/>
-                </a:solidFill>
-                <a:ea typeface="+mn-lt"/>
-                <a:cs typeface="+mn-lt"/>
-              </a:rPr>
-              <a:t>ㅇㅋ</a:t>
-            </a:r>
-            <a:r>
-              <a:rPr lang="en-US" altLang="ko-KR" sz="1600" dirty="0" smtClean="0">
-                <a:ln>
-                  <a:solidFill>
-                    <a:schemeClr val="tx1">
-                      <a:alpha val="30000"/>
-                    </a:schemeClr>
-                  </a:solidFill>
-                </a:ln>
-                <a:solidFill>
-                  <a:srgbClr val="7030A0"/>
-                </a:solidFill>
-                <a:ea typeface="+mn-lt"/>
-                <a:cs typeface="+mn-lt"/>
-              </a:rPr>
-              <a:t>?</a:t>
-            </a:r>
-            <a:endParaRPr lang="en-US" altLang="ko-KR" sz="1600" dirty="0" smtClean="0">
-              <a:ln>
-                <a:solidFill>
-                  <a:schemeClr val="tx1">
-                    <a:alpha val="30000"/>
-                  </a:schemeClr>
-                </a:solidFill>
-              </a:ln>
-              <a:solidFill>
-                <a:srgbClr val="7030A0"/>
-              </a:solidFill>
-              <a:ea typeface="+mn-lt"/>
-              <a:cs typeface="+mn-lt"/>
-            </a:endParaRPr>
-          </a:p>
-          <a:p>
-            <a:pPr marL="285750" indent="-285750">
-              <a:buFont typeface="Arial" panose="020B0604020202020204" pitchFamily="34" charset="0"/>
-              <a:buChar char="•"/>
-            </a:pPr>
-            <a:endParaRPr lang="en-US" altLang="ko-KR" sz="1600" dirty="0" smtClean="0">
-              <a:ln>
-                <a:solidFill>
-                  <a:schemeClr val="tx1">
-                    <a:alpha val="30000"/>
-                  </a:schemeClr>
-                </a:solidFill>
-              </a:ln>
-              <a:solidFill>
-                <a:srgbClr val="7030A0"/>
-              </a:solidFill>
-              <a:ea typeface="+mn-lt"/>
-              <a:cs typeface="+mn-lt"/>
-            </a:endParaRPr>
-          </a:p>
         </p:txBody>
       </p:sp>
       <p:sp>
@@ -13126,27 +11837,11 @@
                     <a:lumMod val="85000"/>
                   </a:schemeClr>
                 </a:solidFill>
-                <a:latin typeface="Yoon 윤고딕 520_TT" panose="02090603020101020101" pitchFamily="18" charset="-127"/>
+                <a:latin typeface="+mj-lt"/>
                 <a:ea typeface="Yoon 윤고딕 520_TT" panose="02090603020101020101" pitchFamily="18" charset="-127"/>
               </a:rPr>
               <a:t>02</a:t>
             </a:r>
-            <a:endParaRPr lang="en-US" altLang="ko-KR" sz="1600" dirty="0" smtClean="0">
-              <a:ln>
-                <a:solidFill>
-                  <a:schemeClr val="tx1">
-                    <a:alpha val="30000"/>
-                  </a:schemeClr>
-                </a:solidFill>
-              </a:ln>
-              <a:solidFill>
-                <a:schemeClr val="bg1">
-                  <a:lumMod val="85000"/>
-                </a:schemeClr>
-              </a:solidFill>
-              <a:latin typeface="Yoon 윤고딕 520_TT" panose="02090603020101020101" pitchFamily="18" charset="-127"/>
-              <a:ea typeface="Yoon 윤고딕 520_TT" panose="02090603020101020101" pitchFamily="18" charset="-127"/>
-            </a:endParaRPr>
           </a:p>
         </p:txBody>
       </p:sp>
@@ -13186,27 +11881,11 @@
                     <a:lumMod val="85000"/>
                   </a:schemeClr>
                 </a:solidFill>
-                <a:latin typeface="Yoon 윤고딕 520_TT" panose="02090603020101020101" pitchFamily="18" charset="-127"/>
+                <a:latin typeface="+mj-lt"/>
                 <a:ea typeface="Yoon 윤고딕 520_TT" panose="02090603020101020101" pitchFamily="18" charset="-127"/>
               </a:rPr>
               <a:t>03</a:t>
             </a:r>
-            <a:endParaRPr lang="en-US" altLang="ko-KR" sz="1600" dirty="0" smtClean="0">
-              <a:ln>
-                <a:solidFill>
-                  <a:schemeClr val="tx1">
-                    <a:alpha val="30000"/>
-                  </a:schemeClr>
-                </a:solidFill>
-              </a:ln>
-              <a:solidFill>
-                <a:schemeClr val="bg1">
-                  <a:lumMod val="85000"/>
-                </a:schemeClr>
-              </a:solidFill>
-              <a:latin typeface="Yoon 윤고딕 520_TT" panose="02090603020101020101" pitchFamily="18" charset="-127"/>
-              <a:ea typeface="Yoon 윤고딕 520_TT" panose="02090603020101020101" pitchFamily="18" charset="-127"/>
-            </a:endParaRPr>
           </a:p>
         </p:txBody>
       </p:sp>
@@ -13246,27 +11925,11 @@
                     <a:lumMod val="75000"/>
                   </a:schemeClr>
                 </a:solidFill>
-                <a:latin typeface="Yoon 윤고딕 520_TT" panose="02090603020101020101" pitchFamily="18" charset="-127"/>
+                <a:latin typeface="+mj-lt"/>
                 <a:ea typeface="Yoon 윤고딕 520_TT" panose="02090603020101020101" pitchFamily="18" charset="-127"/>
               </a:rPr>
               <a:t>01</a:t>
             </a:r>
-            <a:endParaRPr lang="en-US" altLang="ko-KR" sz="1600" dirty="0" smtClean="0">
-              <a:ln>
-                <a:solidFill>
-                  <a:schemeClr val="tx1">
-                    <a:alpha val="30000"/>
-                  </a:schemeClr>
-                </a:solidFill>
-              </a:ln>
-              <a:solidFill>
-                <a:schemeClr val="bg1">
-                  <a:lumMod val="75000"/>
-                </a:schemeClr>
-              </a:solidFill>
-              <a:latin typeface="Yoon 윤고딕 520_TT" panose="02090603020101020101" pitchFamily="18" charset="-127"/>
-              <a:ea typeface="Yoon 윤고딕 520_TT" panose="02090603020101020101" pitchFamily="18" charset="-127"/>
-            </a:endParaRPr>
           </a:p>
         </p:txBody>
       </p:sp>
@@ -13275,13 +11938,13 @@
   <p:clrMapOvr>
     <a:masterClrMapping/>
   </p:clrMapOvr>
-  <mc:AlternateContent xmlns:mc="http://schemas.openxmlformats.org/markup-compatibility/2006">
-    <mc:Choice xmlns:p14="http://schemas.microsoft.com/office/powerpoint/2010/main" Requires="p14">
+  <mc:AlternateContent xmlns:mc="http://schemas.openxmlformats.org/markup-compatibility/2006" xmlns:p14="http://schemas.microsoft.com/office/powerpoint/2010/main">
+    <mc:Choice Requires="p14">
       <p:transition spd="med" p14:dur="700">
         <p:fade/>
       </p:transition>
     </mc:Choice>
-    <mc:Fallback>
+    <mc:Fallback xmlns="">
       <p:transition spd="med">
         <p:fade/>
       </p:transition>
@@ -13447,20 +12110,6 @@
               </a:rPr>
               <a:t>란</a:t>
             </a:r>
-            <a:endParaRPr lang="ko-KR" altLang="en-US" sz="1400" dirty="0" smtClean="0">
-              <a:ln>
-                <a:solidFill>
-                  <a:schemeClr val="tx1">
-                    <a:alpha val="30000"/>
-                  </a:schemeClr>
-                </a:solidFill>
-              </a:ln>
-              <a:solidFill>
-                <a:srgbClr val="272123"/>
-              </a:solidFill>
-              <a:ea typeface="+mn-lt"/>
-              <a:cs typeface="+mn-lt"/>
-            </a:endParaRPr>
           </a:p>
         </p:txBody>
       </p:sp>
@@ -13521,20 +12170,6 @@
               </a:rPr>
               <a:t>문법</a:t>
             </a:r>
-            <a:endParaRPr lang="ko-KR" altLang="en-US" sz="1400" dirty="0" smtClean="0">
-              <a:ln>
-                <a:solidFill>
-                  <a:schemeClr val="tx1">
-                    <a:alpha val="30000"/>
-                  </a:schemeClr>
-                </a:solidFill>
-              </a:ln>
-              <a:solidFill>
-                <a:srgbClr val="272123"/>
-              </a:solidFill>
-              <a:ea typeface="+mn-lt"/>
-              <a:cs typeface="+mn-lt"/>
-            </a:endParaRPr>
           </a:p>
         </p:txBody>
       </p:sp>
@@ -13747,22 +12382,6 @@
               </a:rPr>
               <a:t>Expression</a:t>
             </a:r>
-            <a:endParaRPr lang="en-US" altLang="ko-KR" sz="2200" b="1" dirty="0" smtClean="0">
-              <a:ln>
-                <a:solidFill>
-                  <a:srgbClr val="7AB53D">
-                    <a:alpha val="30000"/>
-                  </a:srgbClr>
-                </a:solidFill>
-              </a:ln>
-              <a:solidFill>
-                <a:schemeClr val="accent6">
-                  <a:lumMod val="50000"/>
-                </a:schemeClr>
-              </a:solidFill>
-              <a:ea typeface="+mn-lt"/>
-              <a:cs typeface="+mn-lt"/>
-            </a:endParaRPr>
           </a:p>
         </p:txBody>
       </p:sp>
@@ -13837,6 +12456,132 @@
                 </a:ln>
                 <a:solidFill>
                   <a:srgbClr val="272123"/>
+                </a:solidFill>
+                <a:ea typeface="+mn-lt"/>
+                <a:cs typeface="+mn-lt"/>
+              </a:rPr>
+              <a:t>.</a:t>
+            </a:r>
+          </a:p>
+          <a:p>
+            <a:pPr indent="0">
+              <a:buFont typeface="Arial" panose="020B0604020202020204" pitchFamily="34" charset="0"/>
+              <a:buNone/>
+            </a:pPr>
+            <a:r>
+              <a:rPr lang="en-US" altLang="ko-KR" sz="1600" dirty="0" smtClean="0">
+                <a:ln>
+                  <a:solidFill>
+                    <a:schemeClr val="tx1">
+                      <a:alpha val="30000"/>
+                    </a:schemeClr>
+                  </a:solidFill>
+                </a:ln>
+                <a:solidFill>
+                  <a:schemeClr val="accent1">
+                    <a:lumMod val="50000"/>
+                  </a:schemeClr>
+                </a:solidFill>
+                <a:ea typeface="+mn-lt"/>
+                <a:cs typeface="+mn-lt"/>
+              </a:rPr>
+              <a:t>ex ) &lt;%= 값%&gt; </a:t>
+            </a:r>
+          </a:p>
+          <a:p>
+            <a:pPr indent="0">
+              <a:buFont typeface="Arial" panose="020B0604020202020204" pitchFamily="34" charset="0"/>
+              <a:buNone/>
+            </a:pPr>
+            <a:r>
+              <a:rPr lang="en-US" altLang="ko-KR" sz="1600" dirty="0" smtClean="0">
+                <a:ln>
+                  <a:solidFill>
+                    <a:schemeClr val="tx1">
+                      <a:alpha val="30000"/>
+                    </a:schemeClr>
+                  </a:solidFill>
+                </a:ln>
+                <a:solidFill>
+                  <a:schemeClr val="accent1">
+                    <a:lumMod val="50000"/>
+                  </a:schemeClr>
+                </a:solidFill>
+                <a:ea typeface="+mn-lt"/>
+                <a:cs typeface="+mn-lt"/>
+              </a:rPr>
+              <a:t>// </a:t>
+            </a:r>
+            <a:r>
+              <a:rPr lang="ko-KR" altLang="en-US" sz="1600" dirty="0" smtClean="0">
+                <a:ln>
+                  <a:solidFill>
+                    <a:schemeClr val="tx1">
+                      <a:alpha val="30000"/>
+                    </a:schemeClr>
+                  </a:solidFill>
+                </a:ln>
+                <a:solidFill>
+                  <a:schemeClr val="accent1">
+                    <a:lumMod val="50000"/>
+                  </a:schemeClr>
+                </a:solidFill>
+                <a:ea typeface="+mn-lt"/>
+                <a:cs typeface="+mn-lt"/>
+              </a:rPr>
+              <a:t>앞에 스크립트릿에 </a:t>
+            </a:r>
+            <a:r>
+              <a:rPr lang="en-US" altLang="ko-KR" sz="1600" dirty="0" smtClean="0">
+                <a:ln>
+                  <a:solidFill>
+                    <a:schemeClr val="tx1">
+                      <a:alpha val="30000"/>
+                    </a:schemeClr>
+                  </a:solidFill>
+                </a:ln>
+                <a:solidFill>
+                  <a:schemeClr val="accent1">
+                    <a:lumMod val="50000"/>
+                  </a:schemeClr>
+                </a:solidFill>
+                <a:ea typeface="+mn-lt"/>
+                <a:cs typeface="+mn-lt"/>
+              </a:rPr>
+              <a:t>int</a:t>
+            </a:r>
+            <a:r>
+              <a:rPr lang="ko-KR" altLang="en-US" sz="1600" dirty="0" smtClean="0">
+                <a:ln>
+                  <a:solidFill>
+                    <a:schemeClr val="tx1">
+                      <a:alpha val="30000"/>
+                    </a:schemeClr>
+                  </a:solidFill>
+                </a:ln>
+                <a:solidFill>
+                  <a:schemeClr val="accent1">
+                    <a:lumMod val="50000"/>
+                  </a:schemeClr>
+                </a:solidFill>
+                <a:ea typeface="+mn-lt"/>
+                <a:cs typeface="+mn-lt"/>
+              </a:rPr>
+              <a:t>와 같은 변수를 선언하고 값을 불러온다 생각하면 편함</a:t>
+            </a:r>
+            <a:r>
+              <a:rPr lang="en-US" altLang="ko-KR" sz="1600" dirty="0" smtClean="0">
+                <a:ln>
+                  <a:solidFill>
+                    <a:schemeClr val="tx1">
+                      <a:alpha val="30000"/>
+                    </a:schemeClr>
+                  </a:solidFill>
+                </a:ln>
+                <a:solidFill>
+                  <a:schemeClr val="accent1">
+                    <a:lumMod val="50000"/>
+                  </a:schemeClr>
                 </a:solidFill>
                 <a:ea typeface="+mn-lt"/>
                 <a:cs typeface="+mn-lt"/>
@@ -13863,161 +12608,6 @@
               <a:buFont typeface="Arial" panose="020B0604020202020204" pitchFamily="34" charset="0"/>
               <a:buNone/>
             </a:pPr>
-            <a:r>
-              <a:rPr lang="en-US" altLang="ko-KR" sz="1600" dirty="0" smtClean="0">
-                <a:ln>
-                  <a:solidFill>
-                    <a:schemeClr val="tx1">
-                      <a:alpha val="30000"/>
-                    </a:schemeClr>
-                  </a:solidFill>
-                </a:ln>
-                <a:solidFill>
-                  <a:schemeClr val="accent1">
-                    <a:lumMod val="50000"/>
-                  </a:schemeClr>
-                </a:solidFill>
-                <a:ea typeface="+mn-lt"/>
-                <a:cs typeface="+mn-lt"/>
-              </a:rPr>
-              <a:t>ex ) &lt;%= 값%&gt; </a:t>
-            </a:r>
-            <a:endParaRPr lang="en-US" altLang="ko-KR" sz="1600" dirty="0" smtClean="0">
-              <a:ln>
-                <a:solidFill>
-                  <a:schemeClr val="tx1">
-                    <a:alpha val="30000"/>
-                  </a:schemeClr>
-                </a:solidFill>
-              </a:ln>
-              <a:solidFill>
-                <a:schemeClr val="accent1">
-                  <a:lumMod val="50000"/>
-                </a:schemeClr>
-              </a:solidFill>
-              <a:ea typeface="+mn-lt"/>
-              <a:cs typeface="+mn-lt"/>
-            </a:endParaRPr>
-          </a:p>
-          <a:p>
-            <a:pPr indent="0">
-              <a:buFont typeface="Arial" panose="020B0604020202020204" pitchFamily="34" charset="0"/>
-              <a:buNone/>
-            </a:pPr>
-            <a:r>
-              <a:rPr lang="en-US" altLang="ko-KR" sz="1600" dirty="0" smtClean="0">
-                <a:ln>
-                  <a:solidFill>
-                    <a:schemeClr val="tx1">
-                      <a:alpha val="30000"/>
-                    </a:schemeClr>
-                  </a:solidFill>
-                </a:ln>
-                <a:solidFill>
-                  <a:schemeClr val="accent1">
-                    <a:lumMod val="50000"/>
-                  </a:schemeClr>
-                </a:solidFill>
-                <a:ea typeface="+mn-lt"/>
-                <a:cs typeface="+mn-lt"/>
-              </a:rPr>
-              <a:t>// </a:t>
-            </a:r>
-            <a:r>
-              <a:rPr lang="ko-KR" altLang="en-US" sz="1600" dirty="0" smtClean="0">
-                <a:ln>
-                  <a:solidFill>
-                    <a:schemeClr val="tx1">
-                      <a:alpha val="30000"/>
-                    </a:schemeClr>
-                  </a:solidFill>
-                </a:ln>
-                <a:solidFill>
-                  <a:schemeClr val="accent1">
-                    <a:lumMod val="50000"/>
-                  </a:schemeClr>
-                </a:solidFill>
-                <a:ea typeface="+mn-lt"/>
-                <a:cs typeface="+mn-lt"/>
-              </a:rPr>
-              <a:t>앞에 스크립트릿에 </a:t>
-            </a:r>
-            <a:r>
-              <a:rPr lang="en-US" altLang="ko-KR" sz="1600" dirty="0" smtClean="0">
-                <a:ln>
-                  <a:solidFill>
-                    <a:schemeClr val="tx1">
-                      <a:alpha val="30000"/>
-                    </a:schemeClr>
-                  </a:solidFill>
-                </a:ln>
-                <a:solidFill>
-                  <a:schemeClr val="accent1">
-                    <a:lumMod val="50000"/>
-                  </a:schemeClr>
-                </a:solidFill>
-                <a:ea typeface="+mn-lt"/>
-                <a:cs typeface="+mn-lt"/>
-              </a:rPr>
-              <a:t>int</a:t>
-            </a:r>
-            <a:r>
-              <a:rPr lang="ko-KR" altLang="en-US" sz="1600" dirty="0" smtClean="0">
-                <a:ln>
-                  <a:solidFill>
-                    <a:schemeClr val="tx1">
-                      <a:alpha val="30000"/>
-                    </a:schemeClr>
-                  </a:solidFill>
-                </a:ln>
-                <a:solidFill>
-                  <a:schemeClr val="accent1">
-                    <a:lumMod val="50000"/>
-                  </a:schemeClr>
-                </a:solidFill>
-                <a:ea typeface="+mn-lt"/>
-                <a:cs typeface="+mn-lt"/>
-              </a:rPr>
-              <a:t>와 같은 변수를 선언</a:t>
-            </a:r>
-            <a:r>
-              <a:rPr lang="ko-KR" altLang="en-US" sz="1600" dirty="0" smtClean="0">
-                <a:ln>
-                  <a:solidFill>
-                    <a:schemeClr val="tx1">
-                      <a:alpha val="30000"/>
-                    </a:schemeClr>
-                  </a:solidFill>
-                </a:ln>
-                <a:solidFill>
-                  <a:schemeClr val="accent1">
-                    <a:lumMod val="50000"/>
-                  </a:schemeClr>
-                </a:solidFill>
-                <a:ea typeface="+mn-lt"/>
-                <a:cs typeface="+mn-lt"/>
-              </a:rPr>
-              <a:t>하고 값을 불러온다 생각하면 편함</a:t>
-            </a:r>
-            <a:r>
-              <a:rPr lang="en-US" altLang="ko-KR" sz="1600" dirty="0" smtClean="0">
-                <a:ln>
-                  <a:solidFill>
-                    <a:schemeClr val="tx1">
-                      <a:alpha val="30000"/>
-                    </a:schemeClr>
-                  </a:solidFill>
-                </a:ln>
-                <a:solidFill>
-                  <a:schemeClr val="accent1">
-                    <a:lumMod val="50000"/>
-                  </a:schemeClr>
-                </a:solidFill>
-                <a:ea typeface="+mn-lt"/>
-                <a:cs typeface="+mn-lt"/>
-              </a:rPr>
-              <a:t>.</a:t>
-            </a:r>
             <a:endParaRPr lang="en-US" altLang="ko-KR" sz="1600" dirty="0" smtClean="0">
               <a:ln>
                 <a:solidFill>
@@ -14038,26 +12628,6 @@
               <a:buFont typeface="Arial" panose="020B0604020202020204" pitchFamily="34" charset="0"/>
               <a:buNone/>
             </a:pPr>
-            <a:endParaRPr lang="en-US" altLang="ko-KR" sz="1600" dirty="0" smtClean="0">
-              <a:ln>
-                <a:solidFill>
-                  <a:schemeClr val="tx1">
-                    <a:alpha val="30000"/>
-                  </a:schemeClr>
-                </a:solidFill>
-              </a:ln>
-              <a:solidFill>
-                <a:srgbClr val="272123"/>
-              </a:solidFill>
-              <a:ea typeface="+mn-lt"/>
-              <a:cs typeface="+mn-lt"/>
-            </a:endParaRPr>
-          </a:p>
-          <a:p>
-            <a:pPr indent="0">
-              <a:buFont typeface="Arial" panose="020B0604020202020204" pitchFamily="34" charset="0"/>
-              <a:buNone/>
-            </a:pPr>
             <a:r>
               <a:rPr lang="en-US" altLang="ko-KR" sz="1600" dirty="0" smtClean="0">
                 <a:ln>
@@ -14092,20 +12662,6 @@
               </a:rPr>
               <a:t>시키고자 할 때 사용한다.</a:t>
             </a:r>
-            <a:endParaRPr lang="en-US" altLang="ko-KR" sz="1600" dirty="0" smtClean="0">
-              <a:ln>
-                <a:solidFill>
-                  <a:schemeClr val="tx1">
-                    <a:alpha val="30000"/>
-                  </a:schemeClr>
-                </a:solidFill>
-              </a:ln>
-              <a:solidFill>
-                <a:srgbClr val="272123"/>
-              </a:solidFill>
-              <a:ea typeface="+mn-lt"/>
-              <a:cs typeface="+mn-lt"/>
-            </a:endParaRPr>
           </a:p>
           <a:p>
             <a:pPr indent="0">
@@ -14222,27 +12778,10 @@
                     <a:lumMod val="85000"/>
                   </a:schemeClr>
                 </a:solidFill>
-                <a:latin typeface="Yoon 윤고딕 520_TT" panose="02090603020101020101" pitchFamily="18" charset="-127"/>
                 <a:ea typeface="Yoon 윤고딕 520_TT" panose="02090603020101020101" pitchFamily="18" charset="-127"/>
               </a:rPr>
               <a:t>02</a:t>
             </a:r>
-            <a:endParaRPr lang="en-US" altLang="ko-KR" sz="1600" dirty="0" smtClean="0">
-              <a:ln>
-                <a:solidFill>
-                  <a:schemeClr val="tx1">
-                    <a:alpha val="30000"/>
-                  </a:schemeClr>
-                </a:solidFill>
-              </a:ln>
-              <a:solidFill>
-                <a:schemeClr val="bg1">
-                  <a:lumMod val="85000"/>
-                </a:schemeClr>
-              </a:solidFill>
-              <a:latin typeface="Yoon 윤고딕 520_TT" panose="02090603020101020101" pitchFamily="18" charset="-127"/>
-              <a:ea typeface="Yoon 윤고딕 520_TT" panose="02090603020101020101" pitchFamily="18" charset="-127"/>
-            </a:endParaRPr>
           </a:p>
         </p:txBody>
       </p:sp>
@@ -14282,27 +12821,11 @@
                     <a:lumMod val="85000"/>
                   </a:schemeClr>
                 </a:solidFill>
-                <a:latin typeface="Yoon 윤고딕 520_TT" panose="02090603020101020101" pitchFamily="18" charset="-127"/>
+                <a:latin typeface="+mj-lt"/>
                 <a:ea typeface="Yoon 윤고딕 520_TT" panose="02090603020101020101" pitchFamily="18" charset="-127"/>
               </a:rPr>
               <a:t>03</a:t>
             </a:r>
-            <a:endParaRPr lang="en-US" altLang="ko-KR" sz="1600" dirty="0" smtClean="0">
-              <a:ln>
-                <a:solidFill>
-                  <a:schemeClr val="tx1">
-                    <a:alpha val="30000"/>
-                  </a:schemeClr>
-                </a:solidFill>
-              </a:ln>
-              <a:solidFill>
-                <a:schemeClr val="bg1">
-                  <a:lumMod val="85000"/>
-                </a:schemeClr>
-              </a:solidFill>
-              <a:latin typeface="Yoon 윤고딕 520_TT" panose="02090603020101020101" pitchFamily="18" charset="-127"/>
-              <a:ea typeface="Yoon 윤고딕 520_TT" panose="02090603020101020101" pitchFamily="18" charset="-127"/>
-            </a:endParaRPr>
           </a:p>
         </p:txBody>
       </p:sp>
@@ -14342,27 +12865,11 @@
                     <a:lumMod val="75000"/>
                   </a:schemeClr>
                 </a:solidFill>
-                <a:latin typeface="Yoon 윤고딕 520_TT" panose="02090603020101020101" pitchFamily="18" charset="-127"/>
-                <a:ea typeface="Yoon 윤고딕 520_TT" panose="02090603020101020101" pitchFamily="18" charset="-127"/>
+                <a:latin typeface="맑은 고딕" panose="020B0503020000020004" pitchFamily="50" charset="-127"/>
+                <a:ea typeface="맑은 고딕" panose="020B0503020000020004" pitchFamily="50" charset="-127"/>
               </a:rPr>
               <a:t>01</a:t>
             </a:r>
-            <a:endParaRPr lang="en-US" altLang="ko-KR" sz="1600" dirty="0" smtClean="0">
-              <a:ln>
-                <a:solidFill>
-                  <a:schemeClr val="tx1">
-                    <a:alpha val="30000"/>
-                  </a:schemeClr>
-                </a:solidFill>
-              </a:ln>
-              <a:solidFill>
-                <a:schemeClr val="bg1">
-                  <a:lumMod val="75000"/>
-                </a:schemeClr>
-              </a:solidFill>
-              <a:latin typeface="Yoon 윤고딕 520_TT" panose="02090603020101020101" pitchFamily="18" charset="-127"/>
-              <a:ea typeface="Yoon 윤고딕 520_TT" panose="02090603020101020101" pitchFamily="18" charset="-127"/>
-            </a:endParaRPr>
           </a:p>
         </p:txBody>
       </p:sp>
@@ -14371,13 +12878,13 @@
   <p:clrMapOvr>
     <a:masterClrMapping/>
   </p:clrMapOvr>
-  <mc:AlternateContent xmlns:mc="http://schemas.openxmlformats.org/markup-compatibility/2006">
-    <mc:Choice xmlns:p14="http://schemas.microsoft.com/office/powerpoint/2010/main" Requires="p14">
+  <mc:AlternateContent xmlns:mc="http://schemas.openxmlformats.org/markup-compatibility/2006" xmlns:p14="http://schemas.microsoft.com/office/powerpoint/2010/main">
+    <mc:Choice Requires="p14">
       <p:transition spd="med" p14:dur="700">
         <p:fade/>
       </p:transition>
     </mc:Choice>
-    <mc:Fallback>
+    <mc:Fallback xmlns="">
       <p:transition spd="med">
         <p:fade/>
       </p:transition>
@@ -14543,20 +13050,6 @@
               </a:rPr>
               <a:t>란</a:t>
             </a:r>
-            <a:endParaRPr lang="ko-KR" altLang="en-US" sz="1400" dirty="0" smtClean="0">
-              <a:ln>
-                <a:solidFill>
-                  <a:schemeClr val="tx1">
-                    <a:alpha val="30000"/>
-                  </a:schemeClr>
-                </a:solidFill>
-              </a:ln>
-              <a:solidFill>
-                <a:srgbClr val="272123"/>
-              </a:solidFill>
-              <a:ea typeface="+mn-lt"/>
-              <a:cs typeface="+mn-lt"/>
-            </a:endParaRPr>
           </a:p>
         </p:txBody>
       </p:sp>
@@ -14617,77 +13110,6 @@
               </a:rPr>
               <a:t>문법</a:t>
             </a:r>
-            <a:endParaRPr lang="ko-KR" altLang="en-US" sz="1400" dirty="0" smtClean="0">
-              <a:ln>
-                <a:solidFill>
-                  <a:schemeClr val="tx1">
-                    <a:alpha val="30000"/>
-                  </a:schemeClr>
-                </a:solidFill>
-              </a:ln>
-              <a:solidFill>
-                <a:srgbClr val="272123"/>
-              </a:solidFill>
-              <a:ea typeface="+mn-lt"/>
-              <a:cs typeface="+mn-lt"/>
-            </a:endParaRPr>
-          </a:p>
-        </p:txBody>
-      </p:sp>
-      <p:sp>
-        <p:nvSpPr>
-          <p:cNvPr id="8" name="TextBox 7"/>
-          <p:cNvSpPr txBox="1"/>
-          <p:nvPr/>
-        </p:nvSpPr>
-        <p:spPr>
-          <a:xfrm>
-            <a:off x="3981302" y="138482"/>
-            <a:ext cx="1166762" cy="307777"/>
-          </a:xfrm>
-          <a:prstGeom prst="rect">
-            <a:avLst/>
-          </a:prstGeom>
-          <a:noFill/>
-        </p:spPr>
-        <p:txBody>
-          <a:bodyPr wrap="square" rtlCol="0">
-            <a:spAutoFit/>
-          </a:bodyPr>
-          <a:lstStyle/>
-          <a:p>
-            <a:pPr algn="ctr"/>
-            <a:r>
-              <a:rPr lang="en-US" altLang="ko-KR" sz="1400" dirty="0" smtClean="0">
-                <a:ln>
-                  <a:solidFill>
-                    <a:schemeClr val="tx1">
-                      <a:alpha val="30000"/>
-                    </a:schemeClr>
-                  </a:solidFill>
-                </a:ln>
-                <a:solidFill>
-                  <a:srgbClr val="272123"/>
-                </a:solidFill>
-                <a:latin typeface="Yoon 윤고딕 520_TT" panose="02090603020101020101" pitchFamily="18" charset="-127"/>
-                <a:ea typeface="Yoon 윤고딕 520_TT" panose="02090603020101020101" pitchFamily="18" charset="-127"/>
-              </a:rPr>
-              <a:t>Presentation</a:t>
-            </a:r>
-            <a:endParaRPr lang="en-US" altLang="ko-KR" sz="1400" dirty="0" smtClean="0">
-              <a:ln>
-                <a:solidFill>
-                  <a:schemeClr val="tx1">
-                    <a:alpha val="30000"/>
-                  </a:schemeClr>
-                </a:solidFill>
-              </a:ln>
-              <a:solidFill>
-                <a:srgbClr val="272123"/>
-              </a:solidFill>
-              <a:latin typeface="Yoon 윤고딕 520_TT" panose="02090603020101020101" pitchFamily="18" charset="-127"/>
-              <a:ea typeface="Yoon 윤고딕 520_TT" panose="02090603020101020101" pitchFamily="18" charset="-127"/>
-            </a:endParaRPr>
           </a:p>
         </p:txBody>
       </p:sp>
@@ -14827,22 +13249,6 @@
               </a:rPr>
               <a:t>Scriptlet</a:t>
             </a:r>
-            <a:endParaRPr lang="en-US" altLang="ko-KR" sz="2200" b="1" dirty="0" smtClean="0">
-              <a:ln>
-                <a:solidFill>
-                  <a:srgbClr val="7AB53D">
-                    <a:alpha val="30000"/>
-                  </a:srgbClr>
-                </a:solidFill>
-              </a:ln>
-              <a:solidFill>
-                <a:schemeClr val="accent6">
-                  <a:lumMod val="50000"/>
-                </a:schemeClr>
-              </a:solidFill>
-              <a:ea typeface="+mn-lt"/>
-              <a:cs typeface="+mn-lt"/>
-            </a:endParaRPr>
           </a:p>
         </p:txBody>
       </p:sp>
@@ -14888,6 +13294,63 @@
                 <a:cs typeface="+mn-lt"/>
               </a:rPr>
               <a:t>&lt;% %&gt;</a:t>
+            </a:r>
+          </a:p>
+          <a:p>
+            <a:pPr indent="0">
+              <a:buFont typeface="Arial" panose="020B0604020202020204" pitchFamily="34" charset="0"/>
+              <a:buNone/>
+            </a:pPr>
+            <a:r>
+              <a:rPr lang="en-US" sz="1600" dirty="0" smtClean="0">
+                <a:ln>
+                  <a:solidFill>
+                    <a:schemeClr val="tx1">
+                      <a:alpha val="30000"/>
+                    </a:schemeClr>
+                  </a:solidFill>
+                </a:ln>
+                <a:solidFill>
+                  <a:srgbClr val="272123"/>
+                </a:solidFill>
+                <a:ea typeface="+mn-lt"/>
+                <a:cs typeface="+mn-lt"/>
+              </a:rPr>
+              <a:t>Java </a:t>
+            </a:r>
+            <a:r>
+              <a:rPr lang="ko-KR" altLang="en-US" sz="1600" dirty="0" smtClean="0">
+                <a:ln>
+                  <a:solidFill>
+                    <a:schemeClr val="tx1">
+                      <a:alpha val="30000"/>
+                    </a:schemeClr>
+                  </a:solidFill>
+                </a:ln>
+                <a:solidFill>
+                  <a:srgbClr val="272123"/>
+                </a:solidFill>
+                <a:ea typeface="+mn-lt"/>
+                <a:cs typeface="+mn-lt"/>
+              </a:rPr>
+              <a:t>코드 기술할 수 있음</a:t>
+            </a:r>
+            <a:r>
+              <a:rPr lang="en-US" altLang="ko-KR" sz="1600" dirty="0" smtClean="0">
+                <a:ln>
+                  <a:solidFill>
+                    <a:schemeClr val="tx1">
+                      <a:alpha val="30000"/>
+                    </a:schemeClr>
+                  </a:solidFill>
+                </a:ln>
+                <a:solidFill>
+                  <a:srgbClr val="272123"/>
+                </a:solidFill>
+                <a:ea typeface="+mn-lt"/>
+                <a:cs typeface="+mn-lt"/>
+              </a:rPr>
+              <a:t>.</a:t>
             </a:r>
             <a:endParaRPr lang="en-US" sz="1600" dirty="0" smtClean="0">
               <a:ln>
@@ -14924,10 +13387,27 @@
                 <a:ea typeface="+mn-lt"/>
                 <a:cs typeface="+mn-lt"/>
               </a:rPr>
-              <a:t>Java </a:t>
-            </a:r>
-            <a:r>
-              <a:rPr lang="ko-KR" altLang="en-US" sz="1600" dirty="0" smtClean="0">
+              <a:t>JSP Scriptlet Tag는 메서드가 아닌 </a:t>
+            </a:r>
+            <a:r>
+              <a:rPr lang="en-US" sz="1600" dirty="0" smtClean="0">
+                <a:ln>
+                  <a:solidFill>
+                    <a:schemeClr val="tx1">
+                      <a:alpha val="30000"/>
+                    </a:schemeClr>
+                  </a:solidFill>
+                </a:ln>
+                <a:solidFill>
+                  <a:srgbClr val="FF0000"/>
+                </a:solidFill>
+                <a:ea typeface="+mn-lt"/>
+                <a:cs typeface="+mn-lt"/>
+              </a:rPr>
+              <a:t>변수만 선언</a:t>
+            </a:r>
+            <a:r>
+              <a:rPr lang="en-US" sz="1600" dirty="0" smtClean="0">
                 <a:ln>
                   <a:solidFill>
                     <a:schemeClr val="tx1">
@@ -14941,25 +13421,14 @@
                 <a:ea typeface="+mn-lt"/>
                 <a:cs typeface="+mn-lt"/>
               </a:rPr>
-              <a:t>코드 기술할 수 있음</a:t>
-            </a:r>
-            <a:r>
-              <a:rPr lang="en-US" altLang="ko-KR" sz="1600" dirty="0" smtClean="0">
-                <a:ln>
-                  <a:solidFill>
-                    <a:schemeClr val="tx1">
-                      <a:alpha val="30000"/>
-                    </a:schemeClr>
-                  </a:solidFill>
-                </a:ln>
-                <a:solidFill>
-                  <a:srgbClr val="272123"/>
-                </a:solidFill>
-                <a:ea typeface="+mn-lt"/>
-                <a:cs typeface="+mn-lt"/>
-              </a:rPr>
-              <a:t>.</a:t>
-            </a:r>
+              <a:t>할 수 있다.</a:t>
+            </a:r>
+          </a:p>
+          <a:p>
+            <a:pPr indent="0">
+              <a:buFont typeface="Arial" panose="020B0604020202020204" pitchFamily="34" charset="0"/>
+              <a:buNone/>
+            </a:pPr>
             <a:endParaRPr lang="en-US" sz="1600" dirty="0" smtClean="0">
               <a:ln>
                 <a:solidFill>
@@ -14995,8 +13464,14 @@
                 <a:ea typeface="+mn-lt"/>
                 <a:cs typeface="+mn-lt"/>
               </a:rPr>
-              <a:t>JSP Scriptlet Tag는 메서드가 아닌 </a:t>
-            </a:r>
+              <a:t>ex) &lt;% int a =10; int b = 20; </a:t>
+            </a:r>
+          </a:p>
+          <a:p>
+            <a:pPr indent="0">
+              <a:buFont typeface="Arial" panose="020B0604020202020204" pitchFamily="34" charset="0"/>
+              <a:buNone/>
+            </a:pPr>
             <a:r>
               <a:rPr lang="en-US" sz="1600" dirty="0" smtClean="0">
                 <a:ln>
@@ -15007,13 +13482,19 @@
                   </a:solidFill>
                 </a:ln>
                 <a:solidFill>
-                  <a:srgbClr val="FF0000"/>
-                </a:solidFill>
-                <a:ea typeface="+mn-lt"/>
-                <a:cs typeface="+mn-lt"/>
-              </a:rPr>
-              <a:t>변수만 선언</a:t>
-            </a:r>
+                  <a:srgbClr val="272123"/>
+                </a:solidFill>
+                <a:ea typeface="+mn-lt"/>
+                <a:cs typeface="+mn-lt"/>
+              </a:rPr>
+              <a:t> for(int i=0;i&lt;100;i++)</a:t>
+            </a:r>
+          </a:p>
+          <a:p>
+            <a:pPr indent="0">
+              <a:buFont typeface="Arial" panose="020B0604020202020204" pitchFamily="34" charset="0"/>
+              <a:buNone/>
+            </a:pPr>
             <a:r>
               <a:rPr lang="en-US" sz="1600" dirty="0" smtClean="0">
                 <a:ln>
@@ -15029,9 +13510,323 @@
                 <a:ea typeface="+mn-lt"/>
                 <a:cs typeface="+mn-lt"/>
               </a:rPr>
-              <a:t>할 수 있다.</a:t>
+              <a:t>{out.print(i);</a:t>
+            </a:r>
+          </a:p>
+          <a:p>
+            <a:pPr indent="0">
+              <a:buFont typeface="Arial" panose="020B0604020202020204" pitchFamily="34" charset="0"/>
+              <a:buNone/>
+            </a:pPr>
+            <a:r>
+              <a:rPr lang="en-US" sz="1600" dirty="0" smtClean="0">
+                <a:ln>
+                  <a:solidFill>
+                    <a:schemeClr val="tx1">
+                      <a:alpha val="30000"/>
+                    </a:schemeClr>
+                  </a:solidFill>
+                </a:ln>
+                <a:solidFill>
+                  <a:srgbClr val="272123"/>
+                </a:solidFill>
+                <a:ea typeface="+mn-lt"/>
+                <a:cs typeface="+mn-lt"/>
+              </a:rPr>
+              <a:t>%&gt; </a:t>
+            </a:r>
+          </a:p>
+          <a:p>
+            <a:pPr indent="0">
+              <a:buFont typeface="Arial" panose="020B0604020202020204" pitchFamily="34" charset="0"/>
+              <a:buNone/>
+            </a:pPr>
+            <a:r>
+              <a:rPr lang="en-US" sz="1600" dirty="0" smtClean="0">
+                <a:ln>
+                  <a:solidFill>
+                    <a:schemeClr val="tx1">
+                      <a:alpha val="30000"/>
+                    </a:schemeClr>
+                  </a:solidFill>
+                </a:ln>
+                <a:solidFill>
+                  <a:srgbClr val="272123"/>
+                </a:solidFill>
+                <a:ea typeface="+mn-lt"/>
+                <a:cs typeface="+mn-lt"/>
+              </a:rPr>
+              <a:t>&lt;% } %&gt;</a:t>
+            </a:r>
+          </a:p>
+          <a:p>
+            <a:pPr indent="0">
+              <a:buFont typeface="Arial" panose="020B0604020202020204" pitchFamily="34" charset="0"/>
+              <a:buNone/>
+            </a:pPr>
+            <a:r>
+              <a:rPr lang="en-US" sz="1600" dirty="0" smtClean="0">
+                <a:ln>
+                  <a:solidFill>
+                    <a:schemeClr val="tx1">
+                      <a:alpha val="30000"/>
+                    </a:schemeClr>
+                  </a:solidFill>
+                </a:ln>
+                <a:solidFill>
+                  <a:srgbClr val="272123"/>
+                </a:solidFill>
+                <a:ea typeface="+mn-lt"/>
+                <a:cs typeface="+mn-lt"/>
+              </a:rPr>
+              <a:t> </a:t>
+            </a:r>
+            <a:r>
+              <a:rPr lang="ko-KR" altLang="en-US" sz="1600" dirty="0" smtClean="0">
+                <a:ln>
+                  <a:solidFill>
+                    <a:schemeClr val="tx1">
+                      <a:alpha val="30000"/>
+                    </a:schemeClr>
+                  </a:solidFill>
+                </a:ln>
+                <a:solidFill>
+                  <a:srgbClr val="272123"/>
+                </a:solidFill>
+                <a:ea typeface="+mn-lt"/>
+                <a:cs typeface="+mn-lt"/>
+              </a:rPr>
+              <a:t>ㅋㅋ</a:t>
             </a:r>
             <a:endParaRPr lang="en-US" sz="1600" dirty="0" smtClean="0">
+              <a:ln>
+                <a:solidFill>
+                  <a:schemeClr val="tx1">
+                    <a:alpha val="30000"/>
+                  </a:schemeClr>
+                </a:solidFill>
+              </a:ln>
+              <a:solidFill>
+                <a:srgbClr val="272123"/>
+              </a:solidFill>
+              <a:latin typeface="Yoon 윤고딕 520_TT" panose="02090603020101020101" pitchFamily="18" charset="-127"/>
+              <a:ea typeface="Yoon 윤고딕 520_TT" panose="02090603020101020101" pitchFamily="18" charset="-127"/>
+            </a:endParaRPr>
+          </a:p>
+          <a:p>
+            <a:pPr indent="0">
+              <a:buFont typeface="Arial" panose="020B0604020202020204" pitchFamily="34" charset="0"/>
+              <a:buNone/>
+            </a:pPr>
+            <a:endParaRPr lang="en-US" sz="1600" dirty="0" smtClean="0">
+              <a:ln>
+                <a:solidFill>
+                  <a:schemeClr val="tx1">
+                    <a:alpha val="30000"/>
+                  </a:schemeClr>
+                </a:solidFill>
+              </a:ln>
+              <a:solidFill>
+                <a:srgbClr val="272123"/>
+              </a:solidFill>
+              <a:latin typeface="Yoon 윤고딕 520_TT" panose="02090603020101020101" pitchFamily="18" charset="-127"/>
+              <a:ea typeface="Yoon 윤고딕 520_TT" panose="02090603020101020101" pitchFamily="18" charset="-127"/>
+            </a:endParaRPr>
+          </a:p>
+          <a:p>
+            <a:pPr marL="285750" indent="-285750">
+              <a:buFont typeface="Arial" panose="020B0604020202020204" pitchFamily="34" charset="0"/>
+              <a:buChar char="•"/>
+            </a:pPr>
+            <a:endParaRPr lang="en-US" sz="1600" dirty="0" smtClean="0">
+              <a:ln>
+                <a:solidFill>
+                  <a:schemeClr val="tx1">
+                    <a:alpha val="30000"/>
+                  </a:schemeClr>
+                </a:solidFill>
+              </a:ln>
+              <a:solidFill>
+                <a:srgbClr val="272123"/>
+              </a:solidFill>
+              <a:latin typeface="Yoon 윤고딕 520_TT" panose="02090603020101020101" pitchFamily="18" charset="-127"/>
+              <a:ea typeface="Yoon 윤고딕 520_TT" panose="02090603020101020101" pitchFamily="18" charset="-127"/>
+            </a:endParaRPr>
+          </a:p>
+        </p:txBody>
+      </p:sp>
+      <p:sp>
+        <p:nvSpPr>
+          <p:cNvPr id="21" name="TextBox 20"/>
+          <p:cNvSpPr txBox="1"/>
+          <p:nvPr/>
+        </p:nvSpPr>
+        <p:spPr>
+          <a:xfrm>
+            <a:off x="107504" y="1340768"/>
+            <a:ext cx="450395" cy="338554"/>
+          </a:xfrm>
+          <a:prstGeom prst="rect">
+            <a:avLst/>
+          </a:prstGeom>
+          <a:noFill/>
+        </p:spPr>
+        <p:txBody>
+          <a:bodyPr wrap="square" rtlCol="0">
+            <a:spAutoFit/>
+          </a:bodyPr>
+          <a:lstStyle/>
+          <a:p>
+            <a:r>
+              <a:rPr lang="en-US" altLang="ko-KR" sz="1600" dirty="0" smtClean="0">
+                <a:ln>
+                  <a:solidFill>
+                    <a:schemeClr val="tx1">
+                      <a:alpha val="30000"/>
+                    </a:schemeClr>
+                  </a:solidFill>
+                </a:ln>
+                <a:solidFill>
+                  <a:schemeClr val="bg1">
+                    <a:lumMod val="85000"/>
+                  </a:schemeClr>
+                </a:solidFill>
+                <a:ea typeface="Yoon 윤고딕 520_TT" panose="02090603020101020101" pitchFamily="18" charset="-127"/>
+              </a:rPr>
+              <a:t>02</a:t>
+            </a:r>
+          </a:p>
+        </p:txBody>
+      </p:sp>
+      <p:sp>
+        <p:nvSpPr>
+          <p:cNvPr id="22" name="TextBox 21"/>
+          <p:cNvSpPr txBox="1"/>
+          <p:nvPr/>
+        </p:nvSpPr>
+        <p:spPr>
+          <a:xfrm>
+            <a:off x="107504" y="1819563"/>
+            <a:ext cx="450395" cy="338554"/>
+          </a:xfrm>
+          <a:prstGeom prst="rect">
+            <a:avLst/>
+          </a:prstGeom>
+          <a:noFill/>
+        </p:spPr>
+        <p:txBody>
+          <a:bodyPr wrap="square" rtlCol="0">
+            <a:spAutoFit/>
+          </a:bodyPr>
+          <a:lstStyle/>
+          <a:p>
+            <a:r>
+              <a:rPr lang="en-US" altLang="ko-KR" sz="1600" dirty="0" smtClean="0">
+                <a:ln>
+                  <a:solidFill>
+                    <a:schemeClr val="tx1">
+                      <a:alpha val="30000"/>
+                    </a:schemeClr>
+                  </a:solidFill>
+                </a:ln>
+                <a:solidFill>
+                  <a:schemeClr val="bg1">
+                    <a:lumMod val="85000"/>
+                  </a:schemeClr>
+                </a:solidFill>
+                <a:latin typeface="+mj-ea"/>
+                <a:ea typeface="+mj-ea"/>
+              </a:rPr>
+              <a:t>03</a:t>
+            </a:r>
+          </a:p>
+        </p:txBody>
+      </p:sp>
+      <p:sp>
+        <p:nvSpPr>
+          <p:cNvPr id="24" name="TextBox 23"/>
+          <p:cNvSpPr txBox="1"/>
+          <p:nvPr/>
+        </p:nvSpPr>
+        <p:spPr>
+          <a:xfrm>
+            <a:off x="123549" y="882386"/>
+            <a:ext cx="541363" cy="338554"/>
+          </a:xfrm>
+          <a:prstGeom prst="rect">
+            <a:avLst/>
+          </a:prstGeom>
+          <a:noFill/>
+        </p:spPr>
+        <p:txBody>
+          <a:bodyPr wrap="square" rtlCol="0">
+            <a:spAutoFit/>
+          </a:bodyPr>
+          <a:lstStyle/>
+          <a:p>
+            <a:r>
+              <a:rPr lang="en-US" altLang="ko-KR" sz="1600" dirty="0" smtClean="0">
+                <a:ln>
+                  <a:solidFill>
+                    <a:schemeClr val="tx1">
+                      <a:alpha val="30000"/>
+                    </a:schemeClr>
+                  </a:solidFill>
+                </a:ln>
+                <a:solidFill>
+                  <a:schemeClr val="bg1">
+                    <a:lumMod val="75000"/>
+                  </a:schemeClr>
+                </a:solidFill>
+                <a:latin typeface="+mj-lt"/>
+                <a:ea typeface="Yoon 윤고딕 520_TT" panose="02090603020101020101" pitchFamily="18" charset="-127"/>
+              </a:rPr>
+              <a:t>01</a:t>
+            </a:r>
+          </a:p>
+        </p:txBody>
+      </p:sp>
+      <p:sp>
+        <p:nvSpPr>
+          <p:cNvPr id="14" name="TextBox 13"/>
+          <p:cNvSpPr txBox="1"/>
+          <p:nvPr/>
+        </p:nvSpPr>
+        <p:spPr>
+          <a:xfrm>
+            <a:off x="4054216" y="138482"/>
+            <a:ext cx="965459" cy="306705"/>
+          </a:xfrm>
+          <a:prstGeom prst="rect">
+            <a:avLst/>
+          </a:prstGeom>
+          <a:noFill/>
+        </p:spPr>
+        <p:txBody>
+          <a:bodyPr wrap="square" rtlCol="0">
+            <a:spAutoFit/>
+          </a:bodyPr>
+          <a:lstStyle/>
+          <a:p>
+            <a:pPr algn="ctr"/>
+            <a:r>
+              <a:rPr lang="ko-KR" altLang="en-US" sz="1400" dirty="0" smtClean="0">
+                <a:ln>
+                  <a:solidFill>
+                    <a:schemeClr val="tx1">
+                      <a:alpha val="30000"/>
+                    </a:schemeClr>
+                  </a:solidFill>
+                </a:ln>
+                <a:solidFill>
+                  <a:srgbClr val="272123"/>
+                </a:solidFill>
+                <a:ea typeface="+mn-lt"/>
+                <a:cs typeface="+mn-lt"/>
+              </a:rPr>
+              <a:t>예제</a:t>
+            </a:r>
+            <a:endParaRPr lang="ko-KR" altLang="en-US" sz="1400" dirty="0" smtClean="0">
               <a:ln>
                 <a:solidFill>
                   <a:schemeClr val="tx1">
@@ -15046,485 +13841,6 @@
               <a:cs typeface="+mn-lt"/>
             </a:endParaRPr>
           </a:p>
-          <a:p>
-            <a:pPr indent="0">
-              <a:buFont typeface="Arial" panose="020B0604020202020204" pitchFamily="34" charset="0"/>
-              <a:buNone/>
-            </a:pPr>
-            <a:endParaRPr lang="en-US" sz="1600" dirty="0" smtClean="0">
-              <a:ln>
-                <a:solidFill>
-                  <a:schemeClr val="tx1">
-                    <a:alpha val="30000"/>
-                  </a:schemeClr>
-                </a:solidFill>
-              </a:ln>
-              <a:solidFill>
-                <a:srgbClr val="272123"/>
-              </a:solidFill>
-              <a:ea typeface="+mn-lt"/>
-              <a:cs typeface="+mn-lt"/>
-            </a:endParaRPr>
-          </a:p>
-          <a:p>
-            <a:pPr indent="0">
-              <a:buFont typeface="Arial" panose="020B0604020202020204" pitchFamily="34" charset="0"/>
-              <a:buNone/>
-            </a:pPr>
-            <a:r>
-              <a:rPr lang="en-US" sz="1600" dirty="0" smtClean="0">
-                <a:ln>
-                  <a:solidFill>
-                    <a:schemeClr val="tx1">
-                      <a:alpha val="30000"/>
-                    </a:schemeClr>
-                  </a:solidFill>
-                </a:ln>
-                <a:solidFill>
-                  <a:srgbClr val="272123"/>
-                </a:solidFill>
-                <a:ea typeface="+mn-lt"/>
-                <a:cs typeface="+mn-lt"/>
-              </a:rPr>
-              <a:t>ex) &lt;% int a =10; int b = 20; </a:t>
-            </a:r>
-            <a:endParaRPr lang="en-US" sz="1600" dirty="0" smtClean="0">
-              <a:ln>
-                <a:solidFill>
-                  <a:schemeClr val="tx1">
-                    <a:alpha val="30000"/>
-                  </a:schemeClr>
-                </a:solidFill>
-              </a:ln>
-              <a:solidFill>
-                <a:srgbClr val="272123"/>
-              </a:solidFill>
-              <a:ea typeface="+mn-lt"/>
-              <a:cs typeface="+mn-lt"/>
-            </a:endParaRPr>
-          </a:p>
-          <a:p>
-            <a:pPr indent="0">
-              <a:buFont typeface="Arial" panose="020B0604020202020204" pitchFamily="34" charset="0"/>
-              <a:buNone/>
-            </a:pPr>
-            <a:r>
-              <a:rPr lang="en-US" sz="1600" dirty="0" smtClean="0">
-                <a:ln>
-                  <a:solidFill>
-                    <a:schemeClr val="tx1">
-                      <a:alpha val="30000"/>
-                    </a:schemeClr>
-                  </a:solidFill>
-                </a:ln>
-                <a:solidFill>
-                  <a:srgbClr val="272123"/>
-                </a:solidFill>
-                <a:ea typeface="+mn-lt"/>
-                <a:cs typeface="+mn-lt"/>
-              </a:rPr>
-              <a:t> for(int i=0;i&lt;100;i++)</a:t>
-            </a:r>
-            <a:endParaRPr lang="en-US" sz="1600" dirty="0" smtClean="0">
-              <a:ln>
-                <a:solidFill>
-                  <a:schemeClr val="tx1">
-                    <a:alpha val="30000"/>
-                  </a:schemeClr>
-                </a:solidFill>
-              </a:ln>
-              <a:solidFill>
-                <a:srgbClr val="272123"/>
-              </a:solidFill>
-              <a:ea typeface="+mn-lt"/>
-              <a:cs typeface="+mn-lt"/>
-            </a:endParaRPr>
-          </a:p>
-          <a:p>
-            <a:pPr indent="0">
-              <a:buFont typeface="Arial" panose="020B0604020202020204" pitchFamily="34" charset="0"/>
-              <a:buNone/>
-            </a:pPr>
-            <a:r>
-              <a:rPr lang="en-US" sz="1600" dirty="0" smtClean="0">
-                <a:ln>
-                  <a:solidFill>
-                    <a:schemeClr val="tx1">
-                      <a:alpha val="30000"/>
-                    </a:schemeClr>
-                  </a:solidFill>
-                </a:ln>
-                <a:solidFill>
-                  <a:srgbClr val="272123"/>
-                </a:solidFill>
-                <a:ea typeface="+mn-lt"/>
-                <a:cs typeface="+mn-lt"/>
-              </a:rPr>
-              <a:t>{out.print(i);</a:t>
-            </a:r>
-            <a:endParaRPr lang="en-US" sz="1600" dirty="0" smtClean="0">
-              <a:ln>
-                <a:solidFill>
-                  <a:schemeClr val="tx1">
-                    <a:alpha val="30000"/>
-                  </a:schemeClr>
-                </a:solidFill>
-              </a:ln>
-              <a:solidFill>
-                <a:srgbClr val="272123"/>
-              </a:solidFill>
-              <a:ea typeface="+mn-lt"/>
-              <a:cs typeface="+mn-lt"/>
-            </a:endParaRPr>
-          </a:p>
-          <a:p>
-            <a:pPr indent="0">
-              <a:buFont typeface="Arial" panose="020B0604020202020204" pitchFamily="34" charset="0"/>
-              <a:buNone/>
-            </a:pPr>
-            <a:r>
-              <a:rPr lang="en-US" sz="1600" dirty="0" smtClean="0">
-                <a:ln>
-                  <a:solidFill>
-                    <a:schemeClr val="tx1">
-                      <a:alpha val="30000"/>
-                    </a:schemeClr>
-                  </a:solidFill>
-                </a:ln>
-                <a:solidFill>
-                  <a:srgbClr val="272123"/>
-                </a:solidFill>
-                <a:ea typeface="+mn-lt"/>
-                <a:cs typeface="+mn-lt"/>
-              </a:rPr>
-              <a:t>%&gt; </a:t>
-            </a:r>
-            <a:endParaRPr lang="en-US" sz="1600" dirty="0" smtClean="0">
-              <a:ln>
-                <a:solidFill>
-                  <a:schemeClr val="tx1">
-                    <a:alpha val="30000"/>
-                  </a:schemeClr>
-                </a:solidFill>
-              </a:ln>
-              <a:solidFill>
-                <a:srgbClr val="272123"/>
-              </a:solidFill>
-              <a:ea typeface="+mn-lt"/>
-              <a:cs typeface="+mn-lt"/>
-            </a:endParaRPr>
-          </a:p>
-          <a:p>
-            <a:pPr indent="0">
-              <a:buFont typeface="Arial" panose="020B0604020202020204" pitchFamily="34" charset="0"/>
-              <a:buNone/>
-            </a:pPr>
-            <a:r>
-              <a:rPr lang="en-US" sz="1600" dirty="0" smtClean="0">
-                <a:ln>
-                  <a:solidFill>
-                    <a:schemeClr val="tx1">
-                      <a:alpha val="30000"/>
-                    </a:schemeClr>
-                  </a:solidFill>
-                </a:ln>
-                <a:solidFill>
-                  <a:srgbClr val="272123"/>
-                </a:solidFill>
-                <a:ea typeface="+mn-lt"/>
-                <a:cs typeface="+mn-lt"/>
-              </a:rPr>
-              <a:t>&lt;% } %&gt;</a:t>
-            </a:r>
-            <a:endParaRPr lang="en-US" sz="1600" dirty="0" smtClean="0">
-              <a:ln>
-                <a:solidFill>
-                  <a:schemeClr val="tx1">
-                    <a:alpha val="30000"/>
-                  </a:schemeClr>
-                </a:solidFill>
-              </a:ln>
-              <a:solidFill>
-                <a:srgbClr val="272123"/>
-              </a:solidFill>
-              <a:ea typeface="+mn-lt"/>
-              <a:cs typeface="+mn-lt"/>
-            </a:endParaRPr>
-          </a:p>
-          <a:p>
-            <a:pPr indent="0">
-              <a:buFont typeface="Arial" panose="020B0604020202020204" pitchFamily="34" charset="0"/>
-              <a:buNone/>
-            </a:pPr>
-            <a:r>
-              <a:rPr lang="en-US" sz="1600" dirty="0" smtClean="0">
-                <a:ln>
-                  <a:solidFill>
-                    <a:schemeClr val="tx1">
-                      <a:alpha val="30000"/>
-                    </a:schemeClr>
-                  </a:solidFill>
-                </a:ln>
-                <a:solidFill>
-                  <a:srgbClr val="272123"/>
-                </a:solidFill>
-                <a:ea typeface="+mn-lt"/>
-                <a:cs typeface="+mn-lt"/>
-              </a:rPr>
-              <a:t> </a:t>
-            </a:r>
-            <a:r>
-              <a:rPr lang="ko-KR" altLang="en-US" sz="1600" dirty="0" smtClean="0">
-                <a:ln>
-                  <a:solidFill>
-                    <a:schemeClr val="tx1">
-                      <a:alpha val="30000"/>
-                    </a:schemeClr>
-                  </a:solidFill>
-                </a:ln>
-                <a:solidFill>
-                  <a:srgbClr val="272123"/>
-                </a:solidFill>
-                <a:ea typeface="+mn-lt"/>
-                <a:cs typeface="+mn-lt"/>
-              </a:rPr>
-              <a:t>ㅋㅋ</a:t>
-            </a:r>
-            <a:endParaRPr lang="en-US" sz="1600" dirty="0" smtClean="0">
-              <a:ln>
-                <a:solidFill>
-                  <a:schemeClr val="tx1">
-                    <a:alpha val="30000"/>
-                  </a:schemeClr>
-                </a:solidFill>
-              </a:ln>
-              <a:solidFill>
-                <a:srgbClr val="272123"/>
-              </a:solidFill>
-              <a:latin typeface="Yoon 윤고딕 520_TT" panose="02090603020101020101" pitchFamily="18" charset="-127"/>
-              <a:ea typeface="Yoon 윤고딕 520_TT" panose="02090603020101020101" pitchFamily="18" charset="-127"/>
-            </a:endParaRPr>
-          </a:p>
-          <a:p>
-            <a:pPr indent="0">
-              <a:buFont typeface="Arial" panose="020B0604020202020204" pitchFamily="34" charset="0"/>
-              <a:buNone/>
-            </a:pPr>
-            <a:endParaRPr lang="en-US" sz="1600" dirty="0" smtClean="0">
-              <a:ln>
-                <a:solidFill>
-                  <a:schemeClr val="tx1">
-                    <a:alpha val="30000"/>
-                  </a:schemeClr>
-                </a:solidFill>
-              </a:ln>
-              <a:solidFill>
-                <a:srgbClr val="272123"/>
-              </a:solidFill>
-              <a:latin typeface="Yoon 윤고딕 520_TT" panose="02090603020101020101" pitchFamily="18" charset="-127"/>
-              <a:ea typeface="Yoon 윤고딕 520_TT" panose="02090603020101020101" pitchFamily="18" charset="-127"/>
-            </a:endParaRPr>
-          </a:p>
-          <a:p>
-            <a:pPr marL="285750" indent="-285750">
-              <a:buFont typeface="Arial" panose="020B0604020202020204" pitchFamily="34" charset="0"/>
-              <a:buChar char="•"/>
-            </a:pPr>
-            <a:endParaRPr lang="en-US" sz="1600" dirty="0" smtClean="0">
-              <a:ln>
-                <a:solidFill>
-                  <a:schemeClr val="tx1">
-                    <a:alpha val="30000"/>
-                  </a:schemeClr>
-                </a:solidFill>
-              </a:ln>
-              <a:solidFill>
-                <a:srgbClr val="272123"/>
-              </a:solidFill>
-              <a:latin typeface="Yoon 윤고딕 520_TT" panose="02090603020101020101" pitchFamily="18" charset="-127"/>
-              <a:ea typeface="Yoon 윤고딕 520_TT" panose="02090603020101020101" pitchFamily="18" charset="-127"/>
-            </a:endParaRPr>
-          </a:p>
-        </p:txBody>
-      </p:sp>
-      <p:sp>
-        <p:nvSpPr>
-          <p:cNvPr id="21" name="TextBox 20"/>
-          <p:cNvSpPr txBox="1"/>
-          <p:nvPr/>
-        </p:nvSpPr>
-        <p:spPr>
-          <a:xfrm>
-            <a:off x="107504" y="1340768"/>
-            <a:ext cx="450395" cy="338554"/>
-          </a:xfrm>
-          <a:prstGeom prst="rect">
-            <a:avLst/>
-          </a:prstGeom>
-          <a:noFill/>
-        </p:spPr>
-        <p:txBody>
-          <a:bodyPr wrap="square" rtlCol="0">
-            <a:spAutoFit/>
-          </a:bodyPr>
-          <a:lstStyle/>
-          <a:p>
-            <a:r>
-              <a:rPr lang="en-US" altLang="ko-KR" sz="1600" dirty="0" smtClean="0">
-                <a:ln>
-                  <a:solidFill>
-                    <a:schemeClr val="tx1">
-                      <a:alpha val="30000"/>
-                    </a:schemeClr>
-                  </a:solidFill>
-                </a:ln>
-                <a:solidFill>
-                  <a:schemeClr val="bg1">
-                    <a:lumMod val="85000"/>
-                  </a:schemeClr>
-                </a:solidFill>
-                <a:latin typeface="Yoon 윤고딕 520_TT" panose="02090603020101020101" pitchFamily="18" charset="-127"/>
-                <a:ea typeface="Yoon 윤고딕 520_TT" panose="02090603020101020101" pitchFamily="18" charset="-127"/>
-              </a:rPr>
-              <a:t>02</a:t>
-            </a:r>
-            <a:endParaRPr lang="en-US" altLang="ko-KR" sz="1600" dirty="0" smtClean="0">
-              <a:ln>
-                <a:solidFill>
-                  <a:schemeClr val="tx1">
-                    <a:alpha val="30000"/>
-                  </a:schemeClr>
-                </a:solidFill>
-              </a:ln>
-              <a:solidFill>
-                <a:schemeClr val="bg1">
-                  <a:lumMod val="85000"/>
-                </a:schemeClr>
-              </a:solidFill>
-              <a:latin typeface="Yoon 윤고딕 520_TT" panose="02090603020101020101" pitchFamily="18" charset="-127"/>
-              <a:ea typeface="Yoon 윤고딕 520_TT" panose="02090603020101020101" pitchFamily="18" charset="-127"/>
-            </a:endParaRPr>
-          </a:p>
-        </p:txBody>
-      </p:sp>
-      <p:sp>
-        <p:nvSpPr>
-          <p:cNvPr id="22" name="TextBox 21"/>
-          <p:cNvSpPr txBox="1"/>
-          <p:nvPr/>
-        </p:nvSpPr>
-        <p:spPr>
-          <a:xfrm>
-            <a:off x="107504" y="1819563"/>
-            <a:ext cx="450395" cy="338554"/>
-          </a:xfrm>
-          <a:prstGeom prst="rect">
-            <a:avLst/>
-          </a:prstGeom>
-          <a:noFill/>
-        </p:spPr>
-        <p:txBody>
-          <a:bodyPr wrap="square" rtlCol="0">
-            <a:spAutoFit/>
-          </a:bodyPr>
-          <a:lstStyle/>
-          <a:p>
-            <a:r>
-              <a:rPr lang="en-US" altLang="ko-KR" sz="1600" dirty="0" smtClean="0">
-                <a:ln>
-                  <a:solidFill>
-                    <a:schemeClr val="tx1">
-                      <a:alpha val="30000"/>
-                    </a:schemeClr>
-                  </a:solidFill>
-                </a:ln>
-                <a:solidFill>
-                  <a:schemeClr val="bg1">
-                    <a:lumMod val="85000"/>
-                  </a:schemeClr>
-                </a:solidFill>
-                <a:latin typeface="Yoon 윤고딕 520_TT" panose="02090603020101020101" pitchFamily="18" charset="-127"/>
-                <a:ea typeface="Yoon 윤고딕 520_TT" panose="02090603020101020101" pitchFamily="18" charset="-127"/>
-              </a:rPr>
-              <a:t>03</a:t>
-            </a:r>
-            <a:endParaRPr lang="en-US" altLang="ko-KR" sz="1600" dirty="0" smtClean="0">
-              <a:ln>
-                <a:solidFill>
-                  <a:schemeClr val="tx1">
-                    <a:alpha val="30000"/>
-                  </a:schemeClr>
-                </a:solidFill>
-              </a:ln>
-              <a:solidFill>
-                <a:schemeClr val="bg1">
-                  <a:lumMod val="85000"/>
-                </a:schemeClr>
-              </a:solidFill>
-              <a:latin typeface="Yoon 윤고딕 520_TT" panose="02090603020101020101" pitchFamily="18" charset="-127"/>
-              <a:ea typeface="Yoon 윤고딕 520_TT" panose="02090603020101020101" pitchFamily="18" charset="-127"/>
-            </a:endParaRPr>
-          </a:p>
-        </p:txBody>
-      </p:sp>
-      <p:sp>
-        <p:nvSpPr>
-          <p:cNvPr id="24" name="TextBox 23"/>
-          <p:cNvSpPr txBox="1"/>
-          <p:nvPr/>
-        </p:nvSpPr>
-        <p:spPr>
-          <a:xfrm>
-            <a:off x="123549" y="882386"/>
-            <a:ext cx="541363" cy="338554"/>
-          </a:xfrm>
-          <a:prstGeom prst="rect">
-            <a:avLst/>
-          </a:prstGeom>
-          <a:noFill/>
-        </p:spPr>
-        <p:txBody>
-          <a:bodyPr wrap="square" rtlCol="0">
-            <a:spAutoFit/>
-          </a:bodyPr>
-          <a:lstStyle/>
-          <a:p>
-            <a:r>
-              <a:rPr lang="en-US" altLang="ko-KR" sz="1600" dirty="0" smtClean="0">
-                <a:ln>
-                  <a:solidFill>
-                    <a:schemeClr val="tx1">
-                      <a:alpha val="30000"/>
-                    </a:schemeClr>
-                  </a:solidFill>
-                </a:ln>
-                <a:solidFill>
-                  <a:schemeClr val="bg1">
-                    <a:lumMod val="75000"/>
-                  </a:schemeClr>
-                </a:solidFill>
-                <a:latin typeface="Yoon 윤고딕 520_TT" panose="02090603020101020101" pitchFamily="18" charset="-127"/>
-                <a:ea typeface="Yoon 윤고딕 520_TT" panose="02090603020101020101" pitchFamily="18" charset="-127"/>
-              </a:rPr>
-              <a:t>01</a:t>
-            </a:r>
-            <a:endParaRPr lang="en-US" altLang="ko-KR" sz="1600" dirty="0" smtClean="0">
-              <a:ln>
-                <a:solidFill>
-                  <a:schemeClr val="tx1">
-                    <a:alpha val="30000"/>
-                  </a:schemeClr>
-                </a:solidFill>
-              </a:ln>
-              <a:solidFill>
-                <a:schemeClr val="bg1">
-                  <a:lumMod val="75000"/>
-                </a:schemeClr>
-              </a:solidFill>
-              <a:latin typeface="Yoon 윤고딕 520_TT" panose="02090603020101020101" pitchFamily="18" charset="-127"/>
-              <a:ea typeface="Yoon 윤고딕 520_TT" panose="02090603020101020101" pitchFamily="18" charset="-127"/>
-            </a:endParaRPr>
-          </a:p>
         </p:txBody>
       </p:sp>
     </p:spTree>
@@ -15532,13 +13848,13 @@
   <p:clrMapOvr>
     <a:masterClrMapping/>
   </p:clrMapOvr>
-  <mc:AlternateContent xmlns:mc="http://schemas.openxmlformats.org/markup-compatibility/2006">
-    <mc:Choice xmlns:p14="http://schemas.microsoft.com/office/powerpoint/2010/main" Requires="p14">
+  <mc:AlternateContent xmlns:mc="http://schemas.openxmlformats.org/markup-compatibility/2006" xmlns:p14="http://schemas.microsoft.com/office/powerpoint/2010/main">
+    <mc:Choice Requires="p14">
       <p:transition spd="med" p14:dur="700">
         <p:fade/>
       </p:transition>
     </mc:Choice>
-    <mc:Fallback>
+    <mc:Fallback xmlns="">
       <p:transition spd="med">
         <p:fade/>
       </p:transition>
@@ -15834,9 +14150,11 @@
       </a:bgFillStyleLst>
     </a:fmtScheme>
   </a:themeElements>
+  <a:objectDefaults/>
+  <a:extraClrSchemeLst/>
   <a:extLst>
     <a:ext uri="{05A4C25C-085E-4340-85A3-A5531E510DB2}">
-      <thm15:themeFamily xmlns:thm15="http://schemas.microsoft.com/office/thememl/2012/main" name="Office Theme" id="{62F939B6-93AF-4DB8-9C6B-D6C7DFDC589F}" vid="{4A3C46E8-61CC-4603-A589-7422A47A8E4A}"/>
+      <thm15:themeFamily xmlns:thm15="http://schemas.microsoft.com/office/thememl/2012/main" xmlns="" name="Office Theme" id="{62F939B6-93AF-4DB8-9C6B-D6C7DFDC589F}" vid="{4A3C46E8-61CC-4603-A589-7422A47A8E4A}"/>
     </a:ext>
   </a:extLst>
 </a:theme>
